--- a/Thesis_outline.pptx
+++ b/Thesis_outline.pptx
@@ -5,7 +5,7 @@
     <p:sldMasterId id="2147483648" r:id="rId4"/>
   </p:sldMasterIdLst>
   <p:notesMasterIdLst>
-    <p:notesMasterId r:id="rId19"/>
+    <p:notesMasterId r:id="rId20"/>
   </p:notesMasterIdLst>
   <p:sldIdLst>
     <p:sldId id="257" r:id="rId5"/>
@@ -18,10 +18,11 @@
     <p:sldId id="276" r:id="rId12"/>
     <p:sldId id="274" r:id="rId13"/>
     <p:sldId id="273" r:id="rId14"/>
-    <p:sldId id="275" r:id="rId15"/>
-    <p:sldId id="279" r:id="rId16"/>
-    <p:sldId id="281" r:id="rId17"/>
-    <p:sldId id="280" r:id="rId18"/>
+    <p:sldId id="281" r:id="rId15"/>
+    <p:sldId id="280" r:id="rId16"/>
+    <p:sldId id="275" r:id="rId17"/>
+    <p:sldId id="279" r:id="rId18"/>
+    <p:sldId id="282" r:id="rId19"/>
   </p:sldIdLst>
   <p:sldSz cx="12192000" cy="6858000"/>
   <p:notesSz cx="6858000" cy="9144000"/>
@@ -593,7 +594,7 @@
           </a:ln>
           <a:extLst>
             <a:ext uri="{C572A759-6A51-4108-AA02-DFA0A04FC94B}">
-              <ma14:wrappingTextBoxFlag xmlns="" xmlns:m="http://schemas.openxmlformats.org/officeDocument/2006/math" xmlns:a14="http://schemas.microsoft.com/office/drawing/2010/main" xmlns:ma14="http://schemas.microsoft.com/office/mac/drawingml/2011/main" val="1"/>
+              <ma14:wrappingTextBoxFlag xmlns:ma14="http://schemas.microsoft.com/office/mac/drawingml/2011/main" xmlns:a14="http://schemas.microsoft.com/office/drawing/2010/main" xmlns:m="http://schemas.openxmlformats.org/officeDocument/2006/math" xmlns="" val="1"/>
             </a:ext>
           </a:extLst>
         </p:spPr>
@@ -774,7 +775,7 @@
           </a:ln>
           <a:extLst>
             <a:ext uri="{C572A759-6A51-4108-AA02-DFA0A04FC94B}">
-              <ma14:wrappingTextBoxFlag xmlns="" xmlns:m="http://schemas.openxmlformats.org/officeDocument/2006/math" xmlns:a14="http://schemas.microsoft.com/office/drawing/2010/main" xmlns:ma14="http://schemas.microsoft.com/office/mac/drawingml/2011/main" val="1"/>
+              <ma14:wrappingTextBoxFlag xmlns:ma14="http://schemas.microsoft.com/office/mac/drawingml/2011/main" xmlns:a14="http://schemas.microsoft.com/office/drawing/2010/main" xmlns:m="http://schemas.openxmlformats.org/officeDocument/2006/math" xmlns="" val="1"/>
             </a:ext>
           </a:extLst>
         </p:spPr>
@@ -3635,7 +3636,7 @@
           </a:ln>
           <a:extLst>
             <a:ext uri="{C572A759-6A51-4108-AA02-DFA0A04FC94B}">
-              <ma14:wrappingTextBoxFlag xmlns="" xmlns:m="http://schemas.openxmlformats.org/officeDocument/2006/math" xmlns:a14="http://schemas.microsoft.com/office/drawing/2010/main" xmlns:ma14="http://schemas.microsoft.com/office/mac/drawingml/2011/main" val="1"/>
+              <ma14:wrappingTextBoxFlag xmlns:ma14="http://schemas.microsoft.com/office/mac/drawingml/2011/main" xmlns:a14="http://schemas.microsoft.com/office/drawing/2010/main" xmlns:m="http://schemas.openxmlformats.org/officeDocument/2006/math" xmlns="" val="1"/>
             </a:ext>
           </a:extLst>
         </p:spPr>
@@ -5450,7 +5451,7 @@
           </a:ln>
           <a:extLst>
             <a:ext uri="{C572A759-6A51-4108-AA02-DFA0A04FC94B}">
-              <ma14:wrappingTextBoxFlag xmlns="" xmlns:m="http://schemas.openxmlformats.org/officeDocument/2006/math" xmlns:a14="http://schemas.microsoft.com/office/drawing/2010/main" xmlns:ma14="http://schemas.microsoft.com/office/mac/drawingml/2011/main" val="1"/>
+              <ma14:wrappingTextBoxFlag xmlns:ma14="http://schemas.microsoft.com/office/mac/drawingml/2011/main" xmlns:a14="http://schemas.microsoft.com/office/drawing/2010/main" xmlns:m="http://schemas.openxmlformats.org/officeDocument/2006/math" xmlns="" val="1"/>
             </a:ext>
           </a:extLst>
         </p:spPr>
@@ -5513,7 +5514,7 @@
           </a:ln>
           <a:extLst>
             <a:ext uri="{C572A759-6A51-4108-AA02-DFA0A04FC94B}">
-              <ma14:wrappingTextBoxFlag xmlns="" xmlns:m="http://schemas.openxmlformats.org/officeDocument/2006/math" xmlns:a14="http://schemas.microsoft.com/office/drawing/2010/main" xmlns:ma14="http://schemas.microsoft.com/office/mac/drawingml/2011/main" val="1"/>
+              <ma14:wrappingTextBoxFlag xmlns:ma14="http://schemas.microsoft.com/office/mac/drawingml/2011/main" xmlns:a14="http://schemas.microsoft.com/office/drawing/2010/main" xmlns:m="http://schemas.openxmlformats.org/officeDocument/2006/math" xmlns="" val="1"/>
             </a:ext>
           </a:extLst>
         </p:spPr>
@@ -6350,7 +6351,7 @@
           </a:ln>
           <a:extLst>
             <a:ext uri="{C572A759-6A51-4108-AA02-DFA0A04FC94B}">
-              <ma14:wrappingTextBoxFlag xmlns="" xmlns:m="http://schemas.openxmlformats.org/officeDocument/2006/math" xmlns:a14="http://schemas.microsoft.com/office/drawing/2010/main" xmlns:ma14="http://schemas.microsoft.com/office/mac/drawingml/2011/main" val="1"/>
+              <ma14:wrappingTextBoxFlag xmlns:ma14="http://schemas.microsoft.com/office/mac/drawingml/2011/main" xmlns:a14="http://schemas.microsoft.com/office/drawing/2010/main" xmlns:m="http://schemas.openxmlformats.org/officeDocument/2006/math" xmlns="" val="1"/>
             </a:ext>
           </a:extLst>
         </p:spPr>
@@ -6630,599 +6631,6 @@
           <p:cNvPr id="2" name="Title 1">
             <a:extLst>
               <a:ext uri="{FF2B5EF4-FFF2-40B4-BE49-F238E27FC236}">
-                <a16:creationId xmlns:a16="http://schemas.microsoft.com/office/drawing/2014/main" id="{B42D3A87-29C0-2A4B-D7D6-D4285DECCDAD}"/>
-              </a:ext>
-            </a:extLst>
-          </p:cNvPr>
-          <p:cNvSpPr>
-            <a:spLocks noGrp="1"/>
-          </p:cNvSpPr>
-          <p:nvPr>
-            <p:ph type="title"/>
-          </p:nvPr>
-        </p:nvSpPr>
-        <p:spPr/>
-        <p:txBody>
-          <a:bodyPr/>
-          <a:lstStyle/>
-          <a:p>
-            <a:endParaRPr lang="en-US"/>
-          </a:p>
-        </p:txBody>
-      </p:sp>
-      <p:sp>
-        <p:nvSpPr>
-          <p:cNvPr id="3" name="Text Placeholder 2">
-            <a:extLst>
-              <a:ext uri="{FF2B5EF4-FFF2-40B4-BE49-F238E27FC236}">
-                <a16:creationId xmlns:a16="http://schemas.microsoft.com/office/drawing/2014/main" id="{F2A67BF5-F566-EFC5-C85B-CB396EE47FBD}"/>
-              </a:ext>
-            </a:extLst>
-          </p:cNvPr>
-          <p:cNvSpPr>
-            <a:spLocks noGrp="1"/>
-          </p:cNvSpPr>
-          <p:nvPr>
-            <p:ph type="body" idx="1"/>
-          </p:nvPr>
-        </p:nvSpPr>
-        <p:spPr>
-          <a:xfrm>
-            <a:off x="824513" y="1480938"/>
-            <a:ext cx="10542973" cy="4591388"/>
-          </a:xfrm>
-        </p:spPr>
-        <p:txBody>
-          <a:bodyPr>
-            <a:normAutofit fontScale="92500" lnSpcReduction="10000"/>
-          </a:bodyPr>
-          <a:lstStyle/>
-          <a:p>
-            <a:r>
-              <a:rPr lang="en-US" sz="1200" b="1" dirty="0">
-                <a:latin typeface="Times New Roman" panose="02020603050405020304" pitchFamily="18" charset="0"/>
-                <a:cs typeface="Times New Roman" panose="02020603050405020304" pitchFamily="18" charset="0"/>
-              </a:rPr>
-              <a:t>Horiuchi S, Okada K, </a:t>
-            </a:r>
-            <a:r>
-              <a:rPr lang="en-US" sz="1200" b="1" dirty="0" err="1">
-                <a:latin typeface="Times New Roman" panose="02020603050405020304" pitchFamily="18" charset="0"/>
-                <a:cs typeface="Times New Roman" panose="02020603050405020304" pitchFamily="18" charset="0"/>
-              </a:rPr>
-              <a:t>Nohtomi</a:t>
-            </a:r>
-            <a:r>
-              <a:rPr lang="en-US" sz="1200" b="1" dirty="0">
-                <a:latin typeface="Times New Roman" panose="02020603050405020304" pitchFamily="18" charset="0"/>
-                <a:cs typeface="Times New Roman" panose="02020603050405020304" pitchFamily="18" charset="0"/>
-              </a:rPr>
-              <a:t> S. Model-based validation procedure for the certification of advanced chassis control systems. Vehicle System Dynamics. 2010;48(sup1):393–409. Available from: https://</a:t>
-            </a:r>
-            <a:r>
-              <a:rPr lang="en-US" sz="1200" b="1" dirty="0" err="1">
-                <a:latin typeface="Times New Roman" panose="02020603050405020304" pitchFamily="18" charset="0"/>
-                <a:cs typeface="Times New Roman" panose="02020603050405020304" pitchFamily="18" charset="0"/>
-              </a:rPr>
-              <a:t>doi.org</a:t>
-            </a:r>
-            <a:r>
-              <a:rPr lang="en-US" sz="1200" b="1" dirty="0">
-                <a:latin typeface="Times New Roman" panose="02020603050405020304" pitchFamily="18" charset="0"/>
-                <a:cs typeface="Times New Roman" panose="02020603050405020304" pitchFamily="18" charset="0"/>
-              </a:rPr>
-              <a:t>/10.1080/ 00423111003777780</a:t>
-            </a:r>
-          </a:p>
-          <a:p>
-            <a:pPr marL="0" indent="0">
-              <a:buNone/>
-            </a:pPr>
-            <a:r>
-              <a:rPr lang="en-US" sz="1200" dirty="0">
-                <a:latin typeface="Times New Roman" panose="02020603050405020304" pitchFamily="18" charset="0"/>
-                <a:cs typeface="Times New Roman" panose="02020603050405020304" pitchFamily="18" charset="0"/>
-              </a:rPr>
-              <a:t>To verify vehicle dynamics control algorithms, the evaluation of the static properties by constrained bifurcation and continuum analysis and (2) the evaluation of the dynamic properties by the optimization-based worst-case seeking. In the first method, the stability of equilibrium points for varying parameters are analyzed, thus creating limits of operation for the analyzed system. In the second approach, the optimal control theory is applied to maximize deviations from desired response outputs by seeking the worst possible combination of inputs. These both methods rely on the same underlying system description and are useful to understand the boundaries of the controlled vehicle subsystem from inputs to the VMC and actuator layers.</a:t>
-            </a:r>
-          </a:p>
-          <a:p>
-            <a:pPr marL="0" indent="0">
-              <a:buNone/>
-            </a:pPr>
-            <a:endParaRPr lang="en-US" sz="1200" dirty="0">
-              <a:latin typeface="Times New Roman" panose="02020603050405020304" pitchFamily="18" charset="0"/>
-              <a:cs typeface="Times New Roman" panose="02020603050405020304" pitchFamily="18" charset="0"/>
-            </a:endParaRPr>
-          </a:p>
-          <a:p>
-            <a:pPr algn="l" fontAlgn="base"/>
-            <a:r>
-              <a:rPr lang="en-US" sz="1200" b="1" i="0" dirty="0">
-                <a:solidFill>
-                  <a:srgbClr val="1A1A1A"/>
-                </a:solidFill>
-                <a:effectLst/>
-                <a:latin typeface="Times New Roman" panose="02020603050405020304" pitchFamily="18" charset="0"/>
-                <a:cs typeface="Times New Roman" panose="02020603050405020304" pitchFamily="18" charset="0"/>
-              </a:rPr>
-              <a:t>Sahoo, S, Subramanian, SC, &amp; Srivastava, S. "Sensitivity Analysis of Vehicle Parameters for Heading Angle Control of an Unmanned Ground Vehicle." </a:t>
-            </a:r>
-            <a:r>
-              <a:rPr lang="en-US" sz="1200" b="1" i="1" dirty="0">
-                <a:solidFill>
-                  <a:srgbClr val="1A1A1A"/>
-                </a:solidFill>
-                <a:effectLst/>
-                <a:latin typeface="Times New Roman" panose="02020603050405020304" pitchFamily="18" charset="0"/>
-                <a:cs typeface="Times New Roman" panose="02020603050405020304" pitchFamily="18" charset="0"/>
-              </a:rPr>
-              <a:t>Proceedings of the ASME 2014 International Mechanical Engineering Congress and Exposition</a:t>
-            </a:r>
-            <a:r>
-              <a:rPr lang="en-US" sz="1200" b="1" i="0" dirty="0">
-                <a:solidFill>
-                  <a:srgbClr val="1A1A1A"/>
-                </a:solidFill>
-                <a:effectLst/>
-                <a:latin typeface="Times New Roman" panose="02020603050405020304" pitchFamily="18" charset="0"/>
-                <a:cs typeface="Times New Roman" panose="02020603050405020304" pitchFamily="18" charset="0"/>
-              </a:rPr>
-              <a:t>. </a:t>
-            </a:r>
-            <a:r>
-              <a:rPr lang="en-US" sz="1200" b="1" i="1" dirty="0">
-                <a:solidFill>
-                  <a:srgbClr val="1A1A1A"/>
-                </a:solidFill>
-                <a:effectLst/>
-                <a:latin typeface="Times New Roman" panose="02020603050405020304" pitchFamily="18" charset="0"/>
-                <a:cs typeface="Times New Roman" panose="02020603050405020304" pitchFamily="18" charset="0"/>
-              </a:rPr>
-              <a:t>Volume 12: Transportation Systems</a:t>
-            </a:r>
-            <a:r>
-              <a:rPr lang="en-US" sz="1200" b="1" i="0" dirty="0">
-                <a:solidFill>
-                  <a:srgbClr val="1A1A1A"/>
-                </a:solidFill>
-                <a:effectLst/>
-                <a:latin typeface="Times New Roman" panose="02020603050405020304" pitchFamily="18" charset="0"/>
-                <a:cs typeface="Times New Roman" panose="02020603050405020304" pitchFamily="18" charset="0"/>
-              </a:rPr>
-              <a:t>. Montreal, Quebec, Canada. November 14–20, 2014. V012T15A022. ASME.</a:t>
-            </a:r>
-            <a:br>
-              <a:rPr lang="en-US" sz="1200" b="1" i="0" dirty="0">
-                <a:solidFill>
-                  <a:srgbClr val="1A1A1A"/>
-                </a:solidFill>
-                <a:effectLst/>
-                <a:latin typeface="Times New Roman" panose="02020603050405020304" pitchFamily="18" charset="0"/>
-                <a:cs typeface="Times New Roman" panose="02020603050405020304" pitchFamily="18" charset="0"/>
-              </a:rPr>
-            </a:br>
-            <a:r>
-              <a:rPr lang="en-US" sz="1200" b="0" i="0" dirty="0">
-                <a:solidFill>
-                  <a:srgbClr val="1A1A1A"/>
-                </a:solidFill>
-                <a:effectLst/>
-                <a:latin typeface="Times New Roman" panose="02020603050405020304" pitchFamily="18" charset="0"/>
-                <a:cs typeface="Times New Roman" panose="02020603050405020304" pitchFamily="18" charset="0"/>
-              </a:rPr>
-              <a:t>A realistic mathematical model of the vehicle considering the steering actuator dynamics has been developed by calculating the cornering stiffnesses from the basic tire information and the vertical load on each tire.  Sensitivity analysis has been carried out to check the robustness and stability of the controller by varying the cornering stiffness of tires, the most uncertain parameter. </a:t>
-            </a:r>
-          </a:p>
-          <a:p>
-            <a:pPr algn="l" fontAlgn="base"/>
-            <a:endParaRPr lang="en-US" sz="1200" dirty="0">
-              <a:solidFill>
-                <a:srgbClr val="1A1A1A"/>
-              </a:solidFill>
-              <a:latin typeface="Times New Roman" panose="02020603050405020304" pitchFamily="18" charset="0"/>
-              <a:cs typeface="Times New Roman" panose="02020603050405020304" pitchFamily="18" charset="0"/>
-            </a:endParaRPr>
-          </a:p>
-          <a:p>
-            <a:pPr algn="l" fontAlgn="base"/>
-            <a:r>
-              <a:rPr lang="en-US" sz="1200" b="1" i="1" dirty="0">
-                <a:solidFill>
-                  <a:srgbClr val="1A1A1A"/>
-                </a:solidFill>
-                <a:effectLst/>
-                <a:latin typeface="Times New Roman" panose="02020603050405020304" pitchFamily="18" charset="0"/>
-                <a:cs typeface="Times New Roman" panose="02020603050405020304" pitchFamily="18" charset="0"/>
-              </a:rPr>
-              <a:t>Steinbock, N, </a:t>
-            </a:r>
-            <a:r>
-              <a:rPr lang="en-US" sz="1200" b="1" i="1" dirty="0" err="1">
-                <a:solidFill>
-                  <a:srgbClr val="1A1A1A"/>
-                </a:solidFill>
-                <a:effectLst/>
-                <a:latin typeface="Times New Roman" panose="02020603050405020304" pitchFamily="18" charset="0"/>
-                <a:cs typeface="Times New Roman" panose="02020603050405020304" pitchFamily="18" charset="0"/>
-              </a:rPr>
-              <a:t>Prange</a:t>
-            </a:r>
-            <a:r>
-              <a:rPr lang="en-US" sz="1200" b="1" i="1" dirty="0">
-                <a:solidFill>
-                  <a:srgbClr val="1A1A1A"/>
-                </a:solidFill>
-                <a:effectLst/>
-                <a:latin typeface="Times New Roman" panose="02020603050405020304" pitchFamily="18" charset="0"/>
-                <a:cs typeface="Times New Roman" panose="02020603050405020304" pitchFamily="18" charset="0"/>
-              </a:rPr>
-              <a:t>, L, &amp; Fabien, BC. "Active Torque Vectoring in High Speed Lane Change Maneuvers." Proceedings of the ASME 2016 International Mechanical Engineering Congress and Exposition. Volume 4B: Dynamics, Vibration, and Control. Phoenix, Arizona, USA. November 11–17, 2016. V04BT05A034. ASME</a:t>
-            </a:r>
-          </a:p>
-          <a:p>
-            <a:pPr marL="0" indent="0" algn="l" fontAlgn="base">
-              <a:buNone/>
-            </a:pPr>
-            <a:r>
-              <a:rPr lang="en-US" sz="1200" b="0" i="0" dirty="0">
-                <a:solidFill>
-                  <a:srgbClr val="1A1A1A"/>
-                </a:solidFill>
-                <a:effectLst/>
-                <a:latin typeface="Times New Roman" panose="02020603050405020304" pitchFamily="18" charset="0"/>
-                <a:cs typeface="Times New Roman" panose="02020603050405020304" pitchFamily="18" charset="0"/>
-              </a:rPr>
-              <a:t>We would like to increase the yaw and lateral accelerations that the vehicle can perform safely by controlling differing torques out of the two motors. Regulating these accelerations requires a control strategy over the left and right motor torques. Equal-torque control of the electric motors will be used as a baseline</a:t>
-            </a:r>
-            <a:endParaRPr lang="en-US" sz="1200" dirty="0">
-              <a:latin typeface="Times New Roman" panose="02020603050405020304" pitchFamily="18" charset="0"/>
-              <a:cs typeface="Times New Roman" panose="02020603050405020304" pitchFamily="18" charset="0"/>
-            </a:endParaRPr>
-          </a:p>
-          <a:p>
-            <a:pPr marL="0" indent="0">
-              <a:buNone/>
-            </a:pPr>
-            <a:r>
-              <a:rPr lang="en-US" sz="1200" b="1" i="1" dirty="0">
-                <a:latin typeface="Times New Roman" panose="02020603050405020304" pitchFamily="18" charset="0"/>
-                <a:cs typeface="Times New Roman" panose="02020603050405020304" pitchFamily="18" charset="0"/>
-              </a:rPr>
-              <a:t>Snider JM, et al. Automatic steering methods for autonomous automobile path tracking. Robotics Institute, Pittsburgh, PA, Tech Rep CMU-RITR-09-08. 2009;</a:t>
-            </a:r>
-          </a:p>
-          <a:p>
-            <a:pPr marL="0" indent="0">
-              <a:buNone/>
-            </a:pPr>
-            <a:r>
-              <a:rPr lang="en-US" sz="1200" dirty="0">
-                <a:latin typeface="Times New Roman" panose="02020603050405020304" pitchFamily="18" charset="0"/>
-                <a:cs typeface="Times New Roman" panose="02020603050405020304" pitchFamily="18" charset="0"/>
-              </a:rPr>
-              <a:t>Several lane change tests have been performed at different velocities, for value of lateral acceleration ranging from 1 to 6 m/s2 . The results of these experiments show that, at low velocities, by increasing lateral acceleration, the path tracking accuracy increase. But at higher velocities (e.g. 20 m/s), the controller performances and robustness drastically decrease. This is due to the fact that this control approach does not take into account some vehicle dynamics that can not be neglected at high velocities.</a:t>
-            </a:r>
-          </a:p>
-          <a:p>
-            <a:pPr marL="0" indent="0">
-              <a:buNone/>
-            </a:pPr>
-            <a:r>
-              <a:rPr lang="en-US" sz="1200" i="1" dirty="0" err="1">
-                <a:solidFill>
-                  <a:srgbClr val="000000"/>
-                </a:solidFill>
-                <a:effectLst/>
-                <a:latin typeface="Times New Roman" panose="02020603050405020304" pitchFamily="18" charset="0"/>
-                <a:cs typeface="Times New Roman" panose="02020603050405020304" pitchFamily="18" charset="0"/>
-              </a:rPr>
-              <a:t>Zhonghua</a:t>
-            </a:r>
-            <a:r>
-              <a:rPr lang="en-US" sz="1200" i="1" dirty="0">
-                <a:solidFill>
-                  <a:srgbClr val="000000"/>
-                </a:solidFill>
-                <a:effectLst/>
-                <a:latin typeface="Times New Roman" panose="02020603050405020304" pitchFamily="18" charset="0"/>
-                <a:cs typeface="Times New Roman" panose="02020603050405020304" pitchFamily="18" charset="0"/>
-              </a:rPr>
-              <a:t> Zhang, </a:t>
-            </a:r>
-            <a:r>
-              <a:rPr lang="en-US" sz="1200" i="1" dirty="0" err="1">
-                <a:solidFill>
-                  <a:srgbClr val="000000"/>
-                </a:solidFill>
-                <a:effectLst/>
-                <a:latin typeface="Times New Roman" panose="02020603050405020304" pitchFamily="18" charset="0"/>
-                <a:cs typeface="Times New Roman" panose="02020603050405020304" pitchFamily="18" charset="0"/>
-              </a:rPr>
-              <a:t>Caijin</a:t>
-            </a:r>
-            <a:r>
-              <a:rPr lang="en-US" sz="1200" i="1" dirty="0">
-                <a:solidFill>
-                  <a:srgbClr val="000000"/>
-                </a:solidFill>
-                <a:effectLst/>
-                <a:latin typeface="Times New Roman" panose="02020603050405020304" pitchFamily="18" charset="0"/>
-                <a:cs typeface="Times New Roman" panose="02020603050405020304" pitchFamily="18" charset="0"/>
-              </a:rPr>
-              <a:t> Yang, </a:t>
-            </a:r>
-            <a:r>
-              <a:rPr lang="en-US" sz="1200" i="1" dirty="0" err="1">
-                <a:solidFill>
-                  <a:srgbClr val="000000"/>
-                </a:solidFill>
-                <a:effectLst/>
-                <a:latin typeface="Times New Roman" panose="02020603050405020304" pitchFamily="18" charset="0"/>
-                <a:cs typeface="Times New Roman" panose="02020603050405020304" pitchFamily="18" charset="0"/>
-              </a:rPr>
-              <a:t>Weihua</a:t>
-            </a:r>
-            <a:r>
-              <a:rPr lang="en-US" sz="1200" i="1" dirty="0">
-                <a:solidFill>
-                  <a:srgbClr val="000000"/>
-                </a:solidFill>
-                <a:effectLst/>
-                <a:latin typeface="Times New Roman" panose="02020603050405020304" pitchFamily="18" charset="0"/>
-                <a:cs typeface="Times New Roman" panose="02020603050405020304" pitchFamily="18" charset="0"/>
-              </a:rPr>
-              <a:t> Zhang, </a:t>
-            </a:r>
-            <a:r>
-              <a:rPr lang="en-US" sz="1200" i="1" dirty="0" err="1">
-                <a:solidFill>
-                  <a:srgbClr val="000000"/>
-                </a:solidFill>
-                <a:effectLst/>
-                <a:latin typeface="Times New Roman" panose="02020603050405020304" pitchFamily="18" charset="0"/>
-                <a:cs typeface="Times New Roman" panose="02020603050405020304" pitchFamily="18" charset="0"/>
-              </a:rPr>
-              <a:t>Yanhai</a:t>
-            </a:r>
-            <a:r>
-              <a:rPr lang="en-US" sz="1200" i="1" dirty="0">
-                <a:solidFill>
-                  <a:srgbClr val="000000"/>
-                </a:solidFill>
-                <a:effectLst/>
-                <a:latin typeface="Times New Roman" panose="02020603050405020304" pitchFamily="18" charset="0"/>
-                <a:cs typeface="Times New Roman" panose="02020603050405020304" pitchFamily="18" charset="0"/>
-              </a:rPr>
-              <a:t> Xu, </a:t>
-            </a:r>
-            <a:r>
-              <a:rPr lang="en-US" sz="1200" i="1" dirty="0" err="1">
-                <a:solidFill>
-                  <a:srgbClr val="000000"/>
-                </a:solidFill>
-                <a:effectLst/>
-                <a:latin typeface="Times New Roman" panose="02020603050405020304" pitchFamily="18" charset="0"/>
-                <a:cs typeface="Times New Roman" panose="02020603050405020304" pitchFamily="18" charset="0"/>
-              </a:rPr>
-              <a:t>Yiqiang</a:t>
-            </a:r>
-            <a:r>
-              <a:rPr lang="en-US" sz="1200" i="1" dirty="0">
-                <a:solidFill>
-                  <a:srgbClr val="000000"/>
-                </a:solidFill>
-                <a:effectLst/>
-                <a:latin typeface="Times New Roman" panose="02020603050405020304" pitchFamily="18" charset="0"/>
-                <a:cs typeface="Times New Roman" panose="02020603050405020304" pitchFamily="18" charset="0"/>
-              </a:rPr>
-              <a:t> Peng, </a:t>
-            </a:r>
-            <a:r>
-              <a:rPr lang="en-US" sz="1200" i="1" dirty="0" err="1">
-                <a:solidFill>
-                  <a:srgbClr val="000000"/>
-                </a:solidFill>
-                <a:effectLst/>
-                <a:latin typeface="Times New Roman" panose="02020603050405020304" pitchFamily="18" charset="0"/>
-                <a:cs typeface="Times New Roman" panose="02020603050405020304" pitchFamily="18" charset="0"/>
-              </a:rPr>
-              <a:t>Maoru</a:t>
-            </a:r>
-            <a:r>
-              <a:rPr lang="en-US" sz="1200" i="1" dirty="0">
-                <a:solidFill>
-                  <a:srgbClr val="000000"/>
-                </a:solidFill>
-                <a:effectLst/>
-                <a:latin typeface="Times New Roman" panose="02020603050405020304" pitchFamily="18" charset="0"/>
-                <a:cs typeface="Times New Roman" panose="02020603050405020304" pitchFamily="18" charset="0"/>
-              </a:rPr>
-              <a:t> Chi, "</a:t>
-            </a:r>
-            <a:r>
-              <a:rPr lang="en-US" sz="1200" b="1" i="1" dirty="0">
-                <a:solidFill>
-                  <a:srgbClr val="000000"/>
-                </a:solidFill>
-                <a:effectLst/>
-                <a:latin typeface="Times New Roman" panose="02020603050405020304" pitchFamily="18" charset="0"/>
-                <a:cs typeface="Times New Roman" panose="02020603050405020304" pitchFamily="18" charset="0"/>
-              </a:rPr>
-              <a:t>Motion Control of a 4WS4WD Path-Following Vehicle: Dynamics-Based Steering and Driving Models</a:t>
-            </a:r>
-            <a:r>
-              <a:rPr lang="en-US" sz="1200" i="1" dirty="0">
-                <a:solidFill>
-                  <a:srgbClr val="000000"/>
-                </a:solidFill>
-                <a:effectLst/>
-                <a:latin typeface="Times New Roman" panose="02020603050405020304" pitchFamily="18" charset="0"/>
-                <a:cs typeface="Times New Roman" panose="02020603050405020304" pitchFamily="18" charset="0"/>
-              </a:rPr>
-              <a:t>", Shock and Vibration, vol. 2021, Article ID 8861159, 13 pages, 2021. https://doi.org/10.1155/2021/8861159</a:t>
-            </a:r>
-            <a:endParaRPr lang="en-US" sz="1200" i="1" dirty="0">
-              <a:latin typeface="Times New Roman" panose="02020603050405020304" pitchFamily="18" charset="0"/>
-              <a:cs typeface="Times New Roman" panose="02020603050405020304" pitchFamily="18" charset="0"/>
-            </a:endParaRPr>
-          </a:p>
-          <a:p>
-            <a:pPr marL="0" indent="0">
-              <a:buNone/>
-            </a:pPr>
-            <a:endParaRPr lang="en-US" sz="1200" dirty="0">
-              <a:latin typeface="Times New Roman" panose="02020603050405020304" pitchFamily="18" charset="0"/>
-              <a:cs typeface="Times New Roman" panose="02020603050405020304" pitchFamily="18" charset="0"/>
-            </a:endParaRPr>
-          </a:p>
-          <a:p>
-            <a:endParaRPr lang="en-US" sz="1000" dirty="0"/>
-          </a:p>
-        </p:txBody>
-      </p:sp>
-    </p:spTree>
-    <p:extLst>
-      <p:ext uri="{BB962C8B-B14F-4D97-AF65-F5344CB8AC3E}">
-        <p14:creationId xmlns:p14="http://schemas.microsoft.com/office/powerpoint/2010/main" val="287148326"/>
-      </p:ext>
-    </p:extLst>
-  </p:cSld>
-  <p:clrMapOvr>
-    <a:masterClrMapping/>
-  </p:clrMapOvr>
-  <p:transition spd="med"/>
-</p:sld>
-</file>
-
-<file path=ppt/slides/slide12.xml><?xml version="1.0" encoding="utf-8"?>
-<p:sld xmlns:a="http://schemas.openxmlformats.org/drawingml/2006/main" xmlns:r="http://schemas.openxmlformats.org/officeDocument/2006/relationships" xmlns:p="http://schemas.openxmlformats.org/presentationml/2006/main">
-  <p:cSld>
-    <p:spTree>
-      <p:nvGrpSpPr>
-        <p:cNvPr id="1" name=""/>
-        <p:cNvGrpSpPr/>
-        <p:nvPr/>
-      </p:nvGrpSpPr>
-      <p:grpSpPr>
-        <a:xfrm>
-          <a:off x="0" y="0"/>
-          <a:ext cx="0" cy="0"/>
-          <a:chOff x="0" y="0"/>
-          <a:chExt cx="0" cy="0"/>
-        </a:xfrm>
-      </p:grpSpPr>
-      <p:sp>
-        <p:nvSpPr>
-          <p:cNvPr id="2" name="Title 1">
-            <a:extLst>
-              <a:ext uri="{FF2B5EF4-FFF2-40B4-BE49-F238E27FC236}">
-                <a16:creationId xmlns:a16="http://schemas.microsoft.com/office/drawing/2014/main" id="{47D1B258-C172-43EA-A318-E8A8E41E3665}"/>
-              </a:ext>
-            </a:extLst>
-          </p:cNvPr>
-          <p:cNvSpPr>
-            <a:spLocks noGrp="1"/>
-          </p:cNvSpPr>
-          <p:nvPr>
-            <p:ph type="title"/>
-          </p:nvPr>
-        </p:nvSpPr>
-        <p:spPr/>
-        <p:txBody>
-          <a:bodyPr/>
-          <a:lstStyle/>
-          <a:p>
-            <a:endParaRPr lang="en-US"/>
-          </a:p>
-        </p:txBody>
-      </p:sp>
-      <p:sp>
-        <p:nvSpPr>
-          <p:cNvPr id="3" name="Text Placeholder 2">
-            <a:extLst>
-              <a:ext uri="{FF2B5EF4-FFF2-40B4-BE49-F238E27FC236}">
-                <a16:creationId xmlns:a16="http://schemas.microsoft.com/office/drawing/2014/main" id="{43442478-FD01-4C03-AD72-9AD92355154B}"/>
-              </a:ext>
-            </a:extLst>
-          </p:cNvPr>
-          <p:cNvSpPr>
-            <a:spLocks noGrp="1"/>
-          </p:cNvSpPr>
-          <p:nvPr>
-            <p:ph type="body" idx="1"/>
-          </p:nvPr>
-        </p:nvSpPr>
-        <p:spPr/>
-        <p:txBody>
-          <a:bodyPr>
-            <a:normAutofit/>
-          </a:bodyPr>
-          <a:lstStyle/>
-          <a:p>
-            <a:r>
-              <a:rPr lang="en-US" sz="1200" b="1" i="1" dirty="0">
-                <a:effectLst/>
-                <a:latin typeface="Times New Roman" panose="02020603050405020304" pitchFamily="18" charset="0"/>
-                <a:cs typeface="Times New Roman" panose="02020603050405020304" pitchFamily="18" charset="0"/>
-              </a:rPr>
-              <a:t>Lane-Change Model and Tracking Control for Autonomous Vehicles on Curved Highway Sections in Rainy Weather</a:t>
-            </a:r>
-          </a:p>
-          <a:p>
-            <a:pPr marL="0" indent="0">
-              <a:buNone/>
-            </a:pPr>
-            <a:r>
-              <a:rPr lang="en-US" sz="1200" b="0" i="0" dirty="0">
-                <a:solidFill>
-                  <a:srgbClr val="000000"/>
-                </a:solidFill>
-                <a:effectLst/>
-                <a:latin typeface="Times New Roman" panose="02020603050405020304" pitchFamily="18" charset="0"/>
-                <a:cs typeface="Times New Roman" panose="02020603050405020304" pitchFamily="18" charset="0"/>
-              </a:rPr>
-              <a:t>Developed an adaptive lane change system that consists of an intelligent trajectory planning and tracking controller. Gaussian distribution was introduced to evaluate the impact of rain on the pavement characteristics and deduce adaptive lane-change trajectories</a:t>
-            </a:r>
-          </a:p>
-        </p:txBody>
-      </p:sp>
-    </p:spTree>
-    <p:extLst>
-      <p:ext uri="{BB962C8B-B14F-4D97-AF65-F5344CB8AC3E}">
-        <p14:creationId xmlns:p14="http://schemas.microsoft.com/office/powerpoint/2010/main" val="1951798508"/>
-      </p:ext>
-    </p:extLst>
-  </p:cSld>
-  <p:clrMapOvr>
-    <a:masterClrMapping/>
-  </p:clrMapOvr>
-  <p:transition spd="med"/>
-</p:sld>
-</file>
-
-<file path=ppt/slides/slide13.xml><?xml version="1.0" encoding="utf-8"?>
-<p:sld xmlns:a="http://schemas.openxmlformats.org/drawingml/2006/main" xmlns:r="http://schemas.openxmlformats.org/officeDocument/2006/relationships" xmlns:p="http://schemas.openxmlformats.org/presentationml/2006/main">
-  <p:cSld>
-    <p:spTree>
-      <p:nvGrpSpPr>
-        <p:cNvPr id="1" name=""/>
-        <p:cNvGrpSpPr/>
-        <p:nvPr/>
-      </p:nvGrpSpPr>
-      <p:grpSpPr>
-        <a:xfrm>
-          <a:off x="0" y="0"/>
-          <a:ext cx="0" cy="0"/>
-          <a:chOff x="0" y="0"/>
-          <a:chExt cx="0" cy="0"/>
-        </a:xfrm>
-      </p:grpSpPr>
-      <p:sp>
-        <p:nvSpPr>
-          <p:cNvPr id="2" name="Title 1">
-            <a:extLst>
-              <a:ext uri="{FF2B5EF4-FFF2-40B4-BE49-F238E27FC236}">
                 <a16:creationId xmlns:a16="http://schemas.microsoft.com/office/drawing/2014/main" id="{D1B5687F-9DB5-42C6-B248-CA83093FA185}"/>
               </a:ext>
             </a:extLst>
@@ -7242,7 +6650,7 @@
           <a:lstStyle/>
           <a:p>
             <a:r>
-              <a:rPr lang="en-US" sz="1600" dirty="0"/>
+              <a:rPr lang="en-US" sz="1800" dirty="0"/>
               <a:t>Parameters that are critical for lane changes during challenging weather conditions</a:t>
             </a:r>
           </a:p>
@@ -7345,8 +6753,8 @@
         </p:nvSpPr>
         <p:spPr>
           <a:xfrm>
-            <a:off x="1067961" y="1658979"/>
-            <a:ext cx="3557305" cy="1055604"/>
+            <a:off x="1265961" y="2731187"/>
+            <a:ext cx="3494955" cy="1123707"/>
           </a:xfrm>
           <a:prstGeom prst="roundRect">
             <a:avLst/>
@@ -7388,22 +6796,33 @@
           </a:bodyPr>
           <a:lstStyle/>
           <a:p>
-            <a:r>
-              <a:rPr lang="en-US" sz="800" b="0" i="0" dirty="0">
-                <a:solidFill>
-                  <a:srgbClr val="374151"/>
+            <a:pPr algn="ctr"/>
+            <a:r>
+              <a:rPr lang="en-US" sz="1200" b="1" i="0" dirty="0">
+                <a:solidFill>
+                  <a:srgbClr val="0070C0"/>
                 </a:solidFill>
                 <a:effectLst/>
                 <a:latin typeface="Söhne"/>
               </a:rPr>
-              <a:t>Traction control: </a:t>
-            </a:r>
-          </a:p>
-          <a:p>
-            <a:r>
-              <a:rPr lang="en-US" sz="800" dirty="0">
-                <a:solidFill>
-                  <a:srgbClr val="374151"/>
+              <a:t>Traction control </a:t>
+            </a:r>
+          </a:p>
+          <a:p>
+            <a:pPr algn="ctr"/>
+            <a:endParaRPr lang="en-US" sz="1200" b="1" i="0" dirty="0">
+              <a:solidFill>
+                <a:srgbClr val="0070C0"/>
+              </a:solidFill>
+              <a:effectLst/>
+              <a:latin typeface="Söhne"/>
+            </a:endParaRPr>
+          </a:p>
+          <a:p>
+            <a:r>
+              <a:rPr lang="en-US" sz="1200" dirty="0">
+                <a:solidFill>
+                  <a:srgbClr val="0070C0"/>
                 </a:solidFill>
                 <a:latin typeface="Söhne"/>
               </a:rPr>
@@ -7412,9 +6831,9 @@
           </a:p>
           <a:p>
             <a:r>
-              <a:rPr lang="en-US" sz="800" b="0" i="0" dirty="0">
-                <a:solidFill>
-                  <a:srgbClr val="374151"/>
+              <a:rPr lang="en-US" sz="1200" b="0" i="0" dirty="0">
+                <a:solidFill>
+                  <a:srgbClr val="0070C0"/>
                 </a:solidFill>
                 <a:effectLst/>
                 <a:latin typeface="Söhne"/>
@@ -7422,58 +6841,14 @@
               <a:t>Monitor</a:t>
             </a:r>
             <a:r>
-              <a:rPr lang="en-US" sz="800" dirty="0">
-                <a:solidFill>
-                  <a:srgbClr val="374151"/>
+              <a:rPr lang="en-US" sz="1200" dirty="0">
+                <a:solidFill>
+                  <a:srgbClr val="0070C0"/>
                 </a:solidFill>
                 <a:latin typeface="Söhne"/>
               </a:rPr>
               <a:t>ing wheel slip and adjusting motor’s power output.</a:t>
             </a:r>
-          </a:p>
-          <a:p>
-            <a:r>
-              <a:rPr lang="en-US" sz="800" b="0" i="0" dirty="0">
-                <a:solidFill>
-                  <a:srgbClr val="374151"/>
-                </a:solidFill>
-                <a:effectLst/>
-                <a:latin typeface="Söhne"/>
-              </a:rPr>
-              <a:t>Autonomous vehicles must have a reliable traction control system to maintain a stable and safe trajectory on slippery roads. This includes monitoring wheel slip and adjusting the engine's power output to prevent skidding.</a:t>
-            </a:r>
-          </a:p>
-          <a:p>
-            <a:pPr marL="0" marR="0" indent="0" algn="l" defTabSz="457200" rtl="0" fontAlgn="auto" latinLnBrk="0" hangingPunct="0">
-              <a:lnSpc>
-                <a:spcPct val="100000"/>
-              </a:lnSpc>
-              <a:spcBef>
-                <a:spcPts val="0"/>
-              </a:spcBef>
-              <a:spcAft>
-                <a:spcPts val="0"/>
-              </a:spcAft>
-              <a:buClrTx/>
-              <a:buSzTx/>
-              <a:buFontTx/>
-              <a:buNone/>
-              <a:tabLst/>
-            </a:pPr>
-            <a:endParaRPr kumimoji="0" lang="en-US" sz="800" b="0" i="0" u="none" strike="noStrike" cap="none" spc="0" normalizeH="0" baseline="0" dirty="0">
-              <a:ln>
-                <a:noFill/>
-              </a:ln>
-              <a:solidFill>
-                <a:srgbClr val="000000"/>
-              </a:solidFill>
-              <a:effectLst/>
-              <a:uFillTx/>
-              <a:latin typeface="+mn-lt"/>
-              <a:ea typeface="+mn-ea"/>
-              <a:cs typeface="+mn-cs"/>
-              <a:sym typeface="Calibri"/>
-            </a:endParaRPr>
           </a:p>
         </p:txBody>
       </p:sp>
@@ -7491,8 +6866,8 @@
         </p:nvSpPr>
         <p:spPr>
           <a:xfrm>
-            <a:off x="5444653" y="1188329"/>
-            <a:ext cx="3089429" cy="783189"/>
+            <a:off x="1657303" y="1344682"/>
+            <a:ext cx="2731784" cy="919396"/>
           </a:xfrm>
           <a:prstGeom prst="roundRect">
             <a:avLst/>
@@ -7534,47 +6909,41 @@
           </a:bodyPr>
           <a:lstStyle/>
           <a:p>
+            <a:pPr algn="ctr"/>
+            <a:r>
+              <a:rPr lang="en-US" sz="1200" b="1" dirty="0">
+                <a:solidFill>
+                  <a:srgbClr val="0070C0"/>
+                </a:solidFill>
+                <a:latin typeface="Söhne"/>
+              </a:rPr>
+              <a:t>Vehicle Speed</a:t>
+            </a:r>
+          </a:p>
+          <a:p>
             <a:pPr marL="171450" indent="-171450" algn="l">
               <a:buFont typeface="Arial" panose="020B0604020202020204" pitchFamily="34" charset="0"/>
               <a:buChar char="•"/>
             </a:pPr>
-            <a:endParaRPr lang="en-US" sz="800" b="0" i="0" dirty="0">
+            <a:endParaRPr lang="en-US" sz="1200" b="0" i="0" dirty="0">
               <a:solidFill>
-                <a:srgbClr val="374151"/>
+                <a:srgbClr val="0070C0"/>
               </a:solidFill>
               <a:effectLst/>
               <a:latin typeface="Söhne"/>
             </a:endParaRPr>
           </a:p>
           <a:p>
-            <a:pPr marL="171450" indent="-171450" algn="l">
-              <a:buFont typeface="Arial" panose="020B0604020202020204" pitchFamily="34" charset="0"/>
-              <a:buChar char="•"/>
-            </a:pPr>
-            <a:r>
-              <a:rPr lang="en-US" sz="800" b="0" i="0" dirty="0">
-                <a:solidFill>
-                  <a:srgbClr val="374151"/>
-                </a:solidFill>
-                <a:effectLst/>
+            <a:pPr algn="l"/>
+            <a:r>
+              <a:rPr lang="en-US" sz="1200" dirty="0">
+                <a:solidFill>
+                  <a:srgbClr val="0070C0"/>
+                </a:solidFill>
                 <a:latin typeface="Söhne"/>
               </a:rPr>
-              <a:t>Speed: The vehicle's speed must be adjusted based on the road conditions to ensure safe lane changing. On slippery roads, the vehicle should be driven at a lower speed to increase stability and reduce the risk of skidding</a:t>
-            </a:r>
-            <a:endParaRPr kumimoji="0" lang="en-US" sz="800" b="0" i="0" u="none" strike="noStrike" cap="none" spc="0" normalizeH="0" baseline="0" dirty="0">
-              <a:ln>
-                <a:noFill/>
-              </a:ln>
-              <a:solidFill>
-                <a:srgbClr val="000000"/>
-              </a:solidFill>
-              <a:effectLst/>
-              <a:uFillTx/>
-              <a:latin typeface="+mn-lt"/>
-              <a:ea typeface="+mn-ea"/>
-              <a:cs typeface="+mn-cs"/>
-              <a:sym typeface="Calibri"/>
-            </a:endParaRPr>
+              <a:t>Vehicle speed adjustment based on the road conditions </a:t>
+            </a:r>
           </a:p>
         </p:txBody>
       </p:sp>
@@ -7592,8 +6961,8 @@
         </p:nvSpPr>
         <p:spPr>
           <a:xfrm>
-            <a:off x="1174493" y="5130014"/>
-            <a:ext cx="3089429" cy="783189"/>
+            <a:off x="1265962" y="5612023"/>
+            <a:ext cx="3514466" cy="851292"/>
           </a:xfrm>
           <a:prstGeom prst="roundRect">
             <a:avLst/>
@@ -7635,19 +7004,28 @@
           </a:bodyPr>
           <a:lstStyle/>
           <a:p>
-            <a:pPr marL="171450" indent="-171450">
-              <a:buFont typeface="Arial" panose="020B0604020202020204" pitchFamily="34" charset="0"/>
-              <a:buChar char="•"/>
-            </a:pPr>
-            <a:r>
-              <a:rPr lang="en-US" sz="800" b="0" i="0" dirty="0">
-                <a:solidFill>
-                  <a:srgbClr val="374151"/>
+            <a:pPr algn="ctr"/>
+            <a:r>
+              <a:rPr lang="en-US" sz="1200" b="1" i="0" dirty="0">
+                <a:solidFill>
+                  <a:srgbClr val="0070C0"/>
                 </a:solidFill>
                 <a:effectLst/>
                 <a:latin typeface="Söhne"/>
               </a:rPr>
-              <a:t>Steering and braking: The vehicle's steering and braking systems must be able to respond quickly and accurately to the road conditions. This includes adjusting the steering angle and brake pressure to maintain control of the vehicle and avoid skidding.</a:t>
+              <a:t>Steering and braking</a:t>
+            </a:r>
+          </a:p>
+          <a:p>
+            <a:r>
+              <a:rPr lang="en-US" sz="1200" b="0" i="0" dirty="0">
+                <a:solidFill>
+                  <a:srgbClr val="0070C0"/>
+                </a:solidFill>
+                <a:effectLst/>
+                <a:latin typeface="Söhne"/>
+              </a:rPr>
+              <a:t> Adjusting the steering and braking commands/ pressure to maintain control.</a:t>
             </a:r>
           </a:p>
           <a:p>
@@ -7657,7 +7035,7 @@
             </a:pPr>
             <a:endParaRPr lang="en-US" sz="800" b="0" i="0" dirty="0">
               <a:solidFill>
-                <a:srgbClr val="374151"/>
+                <a:srgbClr val="0070C0"/>
               </a:solidFill>
               <a:effectLst/>
               <a:latin typeface="Söhne"/>
@@ -7679,8 +7057,8 @@
         </p:nvSpPr>
         <p:spPr>
           <a:xfrm>
-            <a:off x="5563302" y="4886548"/>
-            <a:ext cx="3089429" cy="1055604"/>
+            <a:off x="6703572" y="3750523"/>
+            <a:ext cx="3898318" cy="919396"/>
           </a:xfrm>
           <a:prstGeom prst="roundRect">
             <a:avLst/>
@@ -7722,62 +7100,51 @@
           </a:bodyPr>
           <a:lstStyle/>
           <a:p>
+            <a:pPr algn="ctr"/>
+            <a:r>
+              <a:rPr lang="en-US" sz="1200" b="1" i="0" dirty="0">
+                <a:solidFill>
+                  <a:srgbClr val="374151"/>
+                </a:solidFill>
+                <a:effectLst/>
+                <a:latin typeface="Söhne"/>
+              </a:rPr>
+              <a:t>Road information</a:t>
+            </a:r>
+          </a:p>
+          <a:p>
             <a:pPr marL="171450" indent="-171450" algn="l">
               <a:buFont typeface="Arial" panose="020B0604020202020204" pitchFamily="34" charset="0"/>
               <a:buChar char="•"/>
             </a:pPr>
-            <a:endParaRPr lang="en-US" sz="800" b="0" i="0" dirty="0">
+            <a:endParaRPr lang="en-US" sz="1200" dirty="0">
               <a:solidFill>
                 <a:srgbClr val="374151"/>
               </a:solidFill>
-              <a:effectLst/>
               <a:latin typeface="Söhne"/>
             </a:endParaRPr>
           </a:p>
           <a:p>
-            <a:pPr marL="171450" indent="-171450" algn="l">
-              <a:buFont typeface="Arial" panose="020B0604020202020204" pitchFamily="34" charset="0"/>
-              <a:buChar char="•"/>
-            </a:pPr>
-            <a:r>
-              <a:rPr lang="en-US" sz="800" b="0" i="0" dirty="0">
+            <a:pPr algn="l"/>
+            <a:r>
+              <a:rPr lang="en-US" sz="1200" b="0" i="0" dirty="0">
                 <a:solidFill>
                   <a:srgbClr val="374151"/>
                 </a:solidFill>
                 <a:effectLst/>
                 <a:latin typeface="Söhne"/>
               </a:rPr>
-              <a:t>Road information: The vehicle's software must have access to accurate and up-to-date information on the road conditions, such as the location of standing water or ice, to adjust its behavior and ensure a safe journey.</a:t>
-            </a:r>
-          </a:p>
-          <a:p>
-            <a:pPr marL="171450" indent="-171450">
-              <a:buFont typeface="Arial" panose="020B0604020202020204" pitchFamily="34" charset="0"/>
-              <a:buChar char="•"/>
-            </a:pPr>
-            <a:r>
-              <a:rPr lang="en-US" sz="800" b="0" i="0" dirty="0">
+              <a:t>Access to updated </a:t>
+            </a:r>
+            <a:r>
+              <a:rPr lang="en-US" sz="1200" dirty="0">
                 <a:solidFill>
                   <a:srgbClr val="374151"/>
                 </a:solidFill>
-                <a:effectLst/>
                 <a:latin typeface="Söhne"/>
               </a:rPr>
-              <a:t>.</a:t>
-            </a:r>
-          </a:p>
-          <a:p>
-            <a:pPr marL="171450" indent="-171450" algn="l">
-              <a:buFont typeface="Arial" panose="020B0604020202020204" pitchFamily="34" charset="0"/>
-              <a:buChar char="•"/>
-            </a:pPr>
-            <a:endParaRPr lang="en-US" sz="800" b="0" i="0" dirty="0">
-              <a:solidFill>
-                <a:srgbClr val="374151"/>
-              </a:solidFill>
-              <a:effectLst/>
-              <a:latin typeface="Söhne"/>
-            </a:endParaRPr>
+              <a:t>road information to adjust its behavior to ensure a safe journey.</a:t>
+            </a:r>
           </a:p>
         </p:txBody>
       </p:sp>
@@ -7795,8 +7162,8 @@
         </p:nvSpPr>
         <p:spPr>
           <a:xfrm>
-            <a:off x="1893584" y="3660252"/>
-            <a:ext cx="3089429" cy="646981"/>
+            <a:off x="1427298" y="4218581"/>
+            <a:ext cx="3172282" cy="1055604"/>
           </a:xfrm>
           <a:prstGeom prst="roundRect">
             <a:avLst/>
@@ -7838,19 +7205,76 @@
           </a:bodyPr>
           <a:lstStyle/>
           <a:p>
-            <a:pPr marL="171450" indent="-171450" algn="l">
-              <a:buFont typeface="Arial" panose="020B0604020202020204" pitchFamily="34" charset="0"/>
-              <a:buChar char="•"/>
-            </a:pPr>
-            <a:r>
-              <a:rPr lang="en-US" sz="800" b="0" i="0" dirty="0">
-                <a:solidFill>
-                  <a:srgbClr val="374151"/>
+            <a:pPr algn="ctr"/>
+            <a:r>
+              <a:rPr lang="en-US" sz="1200" b="1" i="0" dirty="0">
+                <a:solidFill>
+                  <a:srgbClr val="0070C0"/>
                 </a:solidFill>
                 <a:effectLst/>
                 <a:latin typeface="Söhne"/>
               </a:rPr>
-              <a:t>Vehicle dynamics: the vehicle's dynamics, such as the vehicle mass, center of gravity, and tire-road friction, must be taken into account when making lane changes on slippery roads.</a:t>
+              <a:t>Vehicle </a:t>
+            </a:r>
+            <a:r>
+              <a:rPr lang="en-US" sz="1200" b="1" dirty="0">
+                <a:solidFill>
+                  <a:srgbClr val="0070C0"/>
+                </a:solidFill>
+                <a:latin typeface="Söhne"/>
+              </a:rPr>
+              <a:t>D</a:t>
+            </a:r>
+            <a:r>
+              <a:rPr lang="en-US" sz="1200" b="1" i="0" dirty="0">
+                <a:solidFill>
+                  <a:srgbClr val="0070C0"/>
+                </a:solidFill>
+                <a:effectLst/>
+                <a:latin typeface="Söhne"/>
+              </a:rPr>
+              <a:t>ynamics</a:t>
+            </a:r>
+            <a:endParaRPr lang="en-US" sz="1200" dirty="0">
+              <a:solidFill>
+                <a:srgbClr val="0070C0"/>
+              </a:solidFill>
+              <a:latin typeface="Söhne"/>
+            </a:endParaRPr>
+          </a:p>
+          <a:p>
+            <a:r>
+              <a:rPr lang="en-US" sz="1200" b="0" i="0" dirty="0">
+                <a:solidFill>
+                  <a:srgbClr val="0070C0"/>
+                </a:solidFill>
+                <a:effectLst/>
+                <a:latin typeface="Söhne"/>
+              </a:rPr>
+              <a:t>Vehicle mass distribution</a:t>
+            </a:r>
+          </a:p>
+          <a:p>
+            <a:r>
+              <a:rPr lang="en-US" sz="1200" dirty="0">
+                <a:solidFill>
+                  <a:srgbClr val="0070C0"/>
+                </a:solidFill>
+                <a:latin typeface="Söhne"/>
+              </a:rPr>
+              <a:t>Tire road friction </a:t>
+            </a:r>
+          </a:p>
+          <a:p>
+            <a:r>
+              <a:rPr lang="en-US" sz="1200" b="0" i="0" dirty="0">
+                <a:solidFill>
+                  <a:srgbClr val="0070C0"/>
+                </a:solidFill>
+                <a:effectLst/>
+                <a:latin typeface="Söhne"/>
+              </a:rPr>
+              <a:t>Torque control for wheels</a:t>
             </a:r>
           </a:p>
           <a:p>
@@ -7860,7 +7284,7 @@
             </a:pPr>
             <a:endParaRPr lang="en-US" sz="800" b="0" i="0" dirty="0">
               <a:solidFill>
-                <a:srgbClr val="374151"/>
+                <a:srgbClr val="0070C0"/>
               </a:solidFill>
               <a:effectLst/>
               <a:latin typeface="Söhne"/>
@@ -7882,8 +7306,8 @@
         </p:nvSpPr>
         <p:spPr>
           <a:xfrm>
-            <a:off x="5710983" y="2449256"/>
-            <a:ext cx="3089429" cy="783189"/>
+            <a:off x="6989367" y="2442300"/>
+            <a:ext cx="3089429" cy="715085"/>
           </a:xfrm>
           <a:prstGeom prst="roundRect">
             <a:avLst/>
@@ -7925,32 +7349,29 @@
           </a:bodyPr>
           <a:lstStyle/>
           <a:p>
-            <a:pPr marL="171450" indent="-171450" algn="l">
-              <a:buFont typeface="Arial" panose="020B0604020202020204" pitchFamily="34" charset="0"/>
-              <a:buChar char="•"/>
-            </a:pPr>
-            <a:endParaRPr lang="en-US" sz="800" b="0" i="0" dirty="0">
-              <a:solidFill>
-                <a:srgbClr val="374151"/>
-              </a:solidFill>
-              <a:effectLst/>
-              <a:latin typeface="Söhne"/>
-            </a:endParaRPr>
-          </a:p>
-          <a:p>
-            <a:pPr marL="171450" indent="-171450" algn="l">
-              <a:buFont typeface="Arial" panose="020B0604020202020204" pitchFamily="34" charset="0"/>
-              <a:buChar char="•"/>
-            </a:pPr>
-            <a:r>
-              <a:rPr lang="en-US" sz="800" b="0" i="0" dirty="0">
+            <a:pPr algn="ctr"/>
+            <a:r>
+              <a:rPr lang="en-US" sz="1200" b="1" i="0" dirty="0">
                 <a:solidFill>
                   <a:srgbClr val="374151"/>
                 </a:solidFill>
                 <a:effectLst/>
                 <a:latin typeface="Söhne"/>
               </a:rPr>
-              <a:t>Sensor performance: The vehicle's sensors, such as cameras and LIDAR, must be able to accurately detect and interpret the road and other vehicles in the presence of adverse weather conditions, such as heavy rain and fog.</a:t>
+              <a:t>Sensor performance</a:t>
+            </a:r>
+          </a:p>
+          <a:p>
+            <a:pPr algn="l"/>
+            <a:r>
+              <a:rPr lang="en-US" sz="1200" b="0" i="0" dirty="0">
+                <a:solidFill>
+                  <a:srgbClr val="374151"/>
+                </a:solidFill>
+                <a:effectLst/>
+                <a:latin typeface="Söhne"/>
+              </a:rPr>
+              <a:t>Accurate detection in the presence of adverse weather conditions</a:t>
             </a:r>
           </a:p>
         </p:txBody>
@@ -7969,7 +7390,7 @@
 </p:sld>
 </file>
 
-<file path=ppt/slides/slide14.xml><?xml version="1.0" encoding="utf-8"?>
+<file path=ppt/slides/slide12.xml><?xml version="1.0" encoding="utf-8"?>
 <p:sld xmlns:a="http://schemas.openxmlformats.org/drawingml/2006/main" xmlns:r="http://schemas.openxmlformats.org/officeDocument/2006/relationships" xmlns:p="http://schemas.openxmlformats.org/presentationml/2006/main">
   <p:cSld>
     <p:spTree>
@@ -8240,6 +7661,1061 @@
     <p:extLst>
       <p:ext uri="{BB962C8B-B14F-4D97-AF65-F5344CB8AC3E}">
         <p14:creationId xmlns:p14="http://schemas.microsoft.com/office/powerpoint/2010/main" val="508122162"/>
+      </p:ext>
+    </p:extLst>
+  </p:cSld>
+  <p:clrMapOvr>
+    <a:masterClrMapping/>
+  </p:clrMapOvr>
+  <p:transition spd="med"/>
+</p:sld>
+</file>
+
+<file path=ppt/slides/slide13.xml><?xml version="1.0" encoding="utf-8"?>
+<p:sld xmlns:a="http://schemas.openxmlformats.org/drawingml/2006/main" xmlns:r="http://schemas.openxmlformats.org/officeDocument/2006/relationships" xmlns:p="http://schemas.openxmlformats.org/presentationml/2006/main">
+  <p:cSld>
+    <p:spTree>
+      <p:nvGrpSpPr>
+        <p:cNvPr id="1" name=""/>
+        <p:cNvGrpSpPr/>
+        <p:nvPr/>
+      </p:nvGrpSpPr>
+      <p:grpSpPr>
+        <a:xfrm>
+          <a:off x="0" y="0"/>
+          <a:ext cx="0" cy="0"/>
+          <a:chOff x="0" y="0"/>
+          <a:chExt cx="0" cy="0"/>
+        </a:xfrm>
+      </p:grpSpPr>
+      <p:sp>
+        <p:nvSpPr>
+          <p:cNvPr id="2" name="Title 1">
+            <a:extLst>
+              <a:ext uri="{FF2B5EF4-FFF2-40B4-BE49-F238E27FC236}">
+                <a16:creationId xmlns:a16="http://schemas.microsoft.com/office/drawing/2014/main" id="{B42D3A87-29C0-2A4B-D7D6-D4285DECCDAD}"/>
+              </a:ext>
+            </a:extLst>
+          </p:cNvPr>
+          <p:cNvSpPr>
+            <a:spLocks noGrp="1"/>
+          </p:cNvSpPr>
+          <p:nvPr>
+            <p:ph type="title"/>
+          </p:nvPr>
+        </p:nvSpPr>
+        <p:spPr/>
+        <p:txBody>
+          <a:bodyPr/>
+          <a:lstStyle/>
+          <a:p>
+            <a:endParaRPr lang="en-US"/>
+          </a:p>
+        </p:txBody>
+      </p:sp>
+      <p:sp>
+        <p:nvSpPr>
+          <p:cNvPr id="3" name="Text Placeholder 2">
+            <a:extLst>
+              <a:ext uri="{FF2B5EF4-FFF2-40B4-BE49-F238E27FC236}">
+                <a16:creationId xmlns:a16="http://schemas.microsoft.com/office/drawing/2014/main" id="{F2A67BF5-F566-EFC5-C85B-CB396EE47FBD}"/>
+              </a:ext>
+            </a:extLst>
+          </p:cNvPr>
+          <p:cNvSpPr>
+            <a:spLocks noGrp="1"/>
+          </p:cNvSpPr>
+          <p:nvPr>
+            <p:ph type="body" idx="1"/>
+          </p:nvPr>
+        </p:nvSpPr>
+        <p:spPr>
+          <a:xfrm>
+            <a:off x="824513" y="1480938"/>
+            <a:ext cx="10542973" cy="4591388"/>
+          </a:xfrm>
+        </p:spPr>
+        <p:txBody>
+          <a:bodyPr>
+            <a:normAutofit fontScale="92500" lnSpcReduction="10000"/>
+          </a:bodyPr>
+          <a:lstStyle/>
+          <a:p>
+            <a:r>
+              <a:rPr lang="en-US" sz="1200" b="1" dirty="0">
+                <a:latin typeface="Times New Roman" panose="02020603050405020304" pitchFamily="18" charset="0"/>
+                <a:cs typeface="Times New Roman" panose="02020603050405020304" pitchFamily="18" charset="0"/>
+              </a:rPr>
+              <a:t>Horiuchi S, Okada K, </a:t>
+            </a:r>
+            <a:r>
+              <a:rPr lang="en-US" sz="1200" b="1" dirty="0" err="1">
+                <a:latin typeface="Times New Roman" panose="02020603050405020304" pitchFamily="18" charset="0"/>
+                <a:cs typeface="Times New Roman" panose="02020603050405020304" pitchFamily="18" charset="0"/>
+              </a:rPr>
+              <a:t>Nohtomi</a:t>
+            </a:r>
+            <a:r>
+              <a:rPr lang="en-US" sz="1200" b="1" dirty="0">
+                <a:latin typeface="Times New Roman" panose="02020603050405020304" pitchFamily="18" charset="0"/>
+                <a:cs typeface="Times New Roman" panose="02020603050405020304" pitchFamily="18" charset="0"/>
+              </a:rPr>
+              <a:t> S. Model-based validation procedure for the certification of advanced chassis control systems. Vehicle System Dynamics. 2010;48(sup1):393–409. Available from: https://</a:t>
+            </a:r>
+            <a:r>
+              <a:rPr lang="en-US" sz="1200" b="1" dirty="0" err="1">
+                <a:latin typeface="Times New Roman" panose="02020603050405020304" pitchFamily="18" charset="0"/>
+                <a:cs typeface="Times New Roman" panose="02020603050405020304" pitchFamily="18" charset="0"/>
+              </a:rPr>
+              <a:t>doi.org</a:t>
+            </a:r>
+            <a:r>
+              <a:rPr lang="en-US" sz="1200" b="1" dirty="0">
+                <a:latin typeface="Times New Roman" panose="02020603050405020304" pitchFamily="18" charset="0"/>
+                <a:cs typeface="Times New Roman" panose="02020603050405020304" pitchFamily="18" charset="0"/>
+              </a:rPr>
+              <a:t>/10.1080/ 00423111003777780</a:t>
+            </a:r>
+          </a:p>
+          <a:p>
+            <a:pPr marL="0" indent="0">
+              <a:buNone/>
+            </a:pPr>
+            <a:r>
+              <a:rPr lang="en-US" sz="1200" dirty="0">
+                <a:latin typeface="Times New Roman" panose="02020603050405020304" pitchFamily="18" charset="0"/>
+                <a:cs typeface="Times New Roman" panose="02020603050405020304" pitchFamily="18" charset="0"/>
+              </a:rPr>
+              <a:t>To verify vehicle dynamics control algorithms, the evaluation of the static properties by constrained bifurcation and continuum analysis and (2) the evaluation of the dynamic properties by the optimization-based worst-case seeking. In the first method, the stability of equilibrium points for varying parameters are analyzed, thus creating limits of operation for the analyzed system. In the second approach, the optimal control theory is applied to maximize deviations from desired response outputs by seeking the worst possible combination of inputs. These both methods rely on the same underlying system description and are useful to understand the boundaries of the controlled vehicle subsystem from inputs to the VMC and actuator layers.</a:t>
+            </a:r>
+          </a:p>
+          <a:p>
+            <a:pPr marL="0" indent="0">
+              <a:buNone/>
+            </a:pPr>
+            <a:endParaRPr lang="en-US" sz="1200" dirty="0">
+              <a:latin typeface="Times New Roman" panose="02020603050405020304" pitchFamily="18" charset="0"/>
+              <a:cs typeface="Times New Roman" panose="02020603050405020304" pitchFamily="18" charset="0"/>
+            </a:endParaRPr>
+          </a:p>
+          <a:p>
+            <a:pPr algn="l" fontAlgn="base"/>
+            <a:r>
+              <a:rPr lang="en-US" sz="1200" b="1" i="0" dirty="0">
+                <a:solidFill>
+                  <a:srgbClr val="1A1A1A"/>
+                </a:solidFill>
+                <a:effectLst/>
+                <a:latin typeface="Times New Roman" panose="02020603050405020304" pitchFamily="18" charset="0"/>
+                <a:cs typeface="Times New Roman" panose="02020603050405020304" pitchFamily="18" charset="0"/>
+              </a:rPr>
+              <a:t>Sahoo, S, Subramanian, SC, &amp; Srivastava, S. "Sensitivity Analysis of Vehicle Parameters for Heading Angle Control of an Unmanned Ground Vehicle." </a:t>
+            </a:r>
+            <a:r>
+              <a:rPr lang="en-US" sz="1200" b="1" i="1" dirty="0">
+                <a:solidFill>
+                  <a:srgbClr val="1A1A1A"/>
+                </a:solidFill>
+                <a:effectLst/>
+                <a:latin typeface="Times New Roman" panose="02020603050405020304" pitchFamily="18" charset="0"/>
+                <a:cs typeface="Times New Roman" panose="02020603050405020304" pitchFamily="18" charset="0"/>
+              </a:rPr>
+              <a:t>Proceedings of the ASME 2014 International Mechanical Engineering Congress and Exposition</a:t>
+            </a:r>
+            <a:r>
+              <a:rPr lang="en-US" sz="1200" b="1" i="0" dirty="0">
+                <a:solidFill>
+                  <a:srgbClr val="1A1A1A"/>
+                </a:solidFill>
+                <a:effectLst/>
+                <a:latin typeface="Times New Roman" panose="02020603050405020304" pitchFamily="18" charset="0"/>
+                <a:cs typeface="Times New Roman" panose="02020603050405020304" pitchFamily="18" charset="0"/>
+              </a:rPr>
+              <a:t>. </a:t>
+            </a:r>
+            <a:r>
+              <a:rPr lang="en-US" sz="1200" b="1" i="1" dirty="0">
+                <a:solidFill>
+                  <a:srgbClr val="1A1A1A"/>
+                </a:solidFill>
+                <a:effectLst/>
+                <a:latin typeface="Times New Roman" panose="02020603050405020304" pitchFamily="18" charset="0"/>
+                <a:cs typeface="Times New Roman" panose="02020603050405020304" pitchFamily="18" charset="0"/>
+              </a:rPr>
+              <a:t>Volume 12: Transportation Systems</a:t>
+            </a:r>
+            <a:r>
+              <a:rPr lang="en-US" sz="1200" b="1" i="0" dirty="0">
+                <a:solidFill>
+                  <a:srgbClr val="1A1A1A"/>
+                </a:solidFill>
+                <a:effectLst/>
+                <a:latin typeface="Times New Roman" panose="02020603050405020304" pitchFamily="18" charset="0"/>
+                <a:cs typeface="Times New Roman" panose="02020603050405020304" pitchFamily="18" charset="0"/>
+              </a:rPr>
+              <a:t>. Montreal, Quebec, Canada. November 14–20, 2014. V012T15A022. ASME.</a:t>
+            </a:r>
+            <a:br>
+              <a:rPr lang="en-US" sz="1200" b="1" i="0" dirty="0">
+                <a:solidFill>
+                  <a:srgbClr val="1A1A1A"/>
+                </a:solidFill>
+                <a:effectLst/>
+                <a:latin typeface="Times New Roman" panose="02020603050405020304" pitchFamily="18" charset="0"/>
+                <a:cs typeface="Times New Roman" panose="02020603050405020304" pitchFamily="18" charset="0"/>
+              </a:rPr>
+            </a:br>
+            <a:r>
+              <a:rPr lang="en-US" sz="1200" b="0" i="0" dirty="0">
+                <a:solidFill>
+                  <a:srgbClr val="1A1A1A"/>
+                </a:solidFill>
+                <a:effectLst/>
+                <a:latin typeface="Times New Roman" panose="02020603050405020304" pitchFamily="18" charset="0"/>
+                <a:cs typeface="Times New Roman" panose="02020603050405020304" pitchFamily="18" charset="0"/>
+              </a:rPr>
+              <a:t>A realistic mathematical model of the vehicle considering the steering actuator dynamics has been developed by calculating the cornering stiffnesses from the basic tire information and the vertical load on each tire.  Sensitivity analysis has been carried out to check the robustness and stability of the controller by varying the cornering stiffness of tires, the most uncertain parameter. </a:t>
+            </a:r>
+          </a:p>
+          <a:p>
+            <a:pPr algn="l" fontAlgn="base"/>
+            <a:endParaRPr lang="en-US" sz="1200" dirty="0">
+              <a:solidFill>
+                <a:srgbClr val="1A1A1A"/>
+              </a:solidFill>
+              <a:latin typeface="Times New Roman" panose="02020603050405020304" pitchFamily="18" charset="0"/>
+              <a:cs typeface="Times New Roman" panose="02020603050405020304" pitchFamily="18" charset="0"/>
+            </a:endParaRPr>
+          </a:p>
+          <a:p>
+            <a:pPr algn="l" fontAlgn="base"/>
+            <a:r>
+              <a:rPr lang="en-US" sz="1200" b="1" i="1" dirty="0">
+                <a:solidFill>
+                  <a:srgbClr val="1A1A1A"/>
+                </a:solidFill>
+                <a:effectLst/>
+                <a:latin typeface="Times New Roman" panose="02020603050405020304" pitchFamily="18" charset="0"/>
+                <a:cs typeface="Times New Roman" panose="02020603050405020304" pitchFamily="18" charset="0"/>
+              </a:rPr>
+              <a:t>Steinbock, N, </a:t>
+            </a:r>
+            <a:r>
+              <a:rPr lang="en-US" sz="1200" b="1" i="1" dirty="0" err="1">
+                <a:solidFill>
+                  <a:srgbClr val="1A1A1A"/>
+                </a:solidFill>
+                <a:effectLst/>
+                <a:latin typeface="Times New Roman" panose="02020603050405020304" pitchFamily="18" charset="0"/>
+                <a:cs typeface="Times New Roman" panose="02020603050405020304" pitchFamily="18" charset="0"/>
+              </a:rPr>
+              <a:t>Prange</a:t>
+            </a:r>
+            <a:r>
+              <a:rPr lang="en-US" sz="1200" b="1" i="1" dirty="0">
+                <a:solidFill>
+                  <a:srgbClr val="1A1A1A"/>
+                </a:solidFill>
+                <a:effectLst/>
+                <a:latin typeface="Times New Roman" panose="02020603050405020304" pitchFamily="18" charset="0"/>
+                <a:cs typeface="Times New Roman" panose="02020603050405020304" pitchFamily="18" charset="0"/>
+              </a:rPr>
+              <a:t>, L, &amp; Fabien, BC. "Active Torque Vectoring in High Speed Lane Change Maneuvers." Proceedings of the ASME 2016 International Mechanical Engineering Congress and Exposition. Volume 4B: Dynamics, Vibration, and Control. Phoenix, Arizona, USA. November 11–17, 2016. V04BT05A034. ASME</a:t>
+            </a:r>
+          </a:p>
+          <a:p>
+            <a:pPr marL="0" indent="0" algn="l" fontAlgn="base">
+              <a:buNone/>
+            </a:pPr>
+            <a:r>
+              <a:rPr lang="en-US" sz="1200" b="0" i="0" dirty="0">
+                <a:solidFill>
+                  <a:srgbClr val="1A1A1A"/>
+                </a:solidFill>
+                <a:effectLst/>
+                <a:latin typeface="Times New Roman" panose="02020603050405020304" pitchFamily="18" charset="0"/>
+                <a:cs typeface="Times New Roman" panose="02020603050405020304" pitchFamily="18" charset="0"/>
+              </a:rPr>
+              <a:t>We would like to increase the yaw and lateral accelerations that the vehicle can perform safely by controlling differing torques out of the two motors. Regulating these accelerations requires a control strategy over the left and right motor torques. Equal-torque control of the electric motors will be used as a baseline</a:t>
+            </a:r>
+            <a:endParaRPr lang="en-US" sz="1200" dirty="0">
+              <a:latin typeface="Times New Roman" panose="02020603050405020304" pitchFamily="18" charset="0"/>
+              <a:cs typeface="Times New Roman" panose="02020603050405020304" pitchFamily="18" charset="0"/>
+            </a:endParaRPr>
+          </a:p>
+          <a:p>
+            <a:pPr marL="0" indent="0">
+              <a:buNone/>
+            </a:pPr>
+            <a:r>
+              <a:rPr lang="en-US" sz="1200" b="1" i="1" dirty="0">
+                <a:latin typeface="Times New Roman" panose="02020603050405020304" pitchFamily="18" charset="0"/>
+                <a:cs typeface="Times New Roman" panose="02020603050405020304" pitchFamily="18" charset="0"/>
+              </a:rPr>
+              <a:t>Snider JM, et al. Automatic steering methods for autonomous automobile path tracking. Robotics Institute, Pittsburgh, PA, Tech Rep CMU-RITR-09-08. 2009;</a:t>
+            </a:r>
+          </a:p>
+          <a:p>
+            <a:pPr marL="0" indent="0">
+              <a:buNone/>
+            </a:pPr>
+            <a:r>
+              <a:rPr lang="en-US" sz="1200" dirty="0">
+                <a:latin typeface="Times New Roman" panose="02020603050405020304" pitchFamily="18" charset="0"/>
+                <a:cs typeface="Times New Roman" panose="02020603050405020304" pitchFamily="18" charset="0"/>
+              </a:rPr>
+              <a:t>Several lane change tests have been performed at different velocities, for value of lateral acceleration ranging from 1 to 6 m/s2 . The results of these experiments show that, at low velocities, by increasing lateral acceleration, the path tracking accuracy increase. But at higher velocities (e.g. 20 m/s), the controller performances and robustness drastically decrease. This is due to the fact that this control approach does not take into account some vehicle dynamics that can not be neglected at high velocities.</a:t>
+            </a:r>
+          </a:p>
+          <a:p>
+            <a:pPr marL="0" indent="0">
+              <a:buNone/>
+            </a:pPr>
+            <a:r>
+              <a:rPr lang="en-US" sz="1200" i="1" dirty="0" err="1">
+                <a:solidFill>
+                  <a:srgbClr val="000000"/>
+                </a:solidFill>
+                <a:effectLst/>
+                <a:latin typeface="Times New Roman" panose="02020603050405020304" pitchFamily="18" charset="0"/>
+                <a:cs typeface="Times New Roman" panose="02020603050405020304" pitchFamily="18" charset="0"/>
+              </a:rPr>
+              <a:t>Zhonghua</a:t>
+            </a:r>
+            <a:r>
+              <a:rPr lang="en-US" sz="1200" i="1" dirty="0">
+                <a:solidFill>
+                  <a:srgbClr val="000000"/>
+                </a:solidFill>
+                <a:effectLst/>
+                <a:latin typeface="Times New Roman" panose="02020603050405020304" pitchFamily="18" charset="0"/>
+                <a:cs typeface="Times New Roman" panose="02020603050405020304" pitchFamily="18" charset="0"/>
+              </a:rPr>
+              <a:t> Zhang, </a:t>
+            </a:r>
+            <a:r>
+              <a:rPr lang="en-US" sz="1200" i="1" dirty="0" err="1">
+                <a:solidFill>
+                  <a:srgbClr val="000000"/>
+                </a:solidFill>
+                <a:effectLst/>
+                <a:latin typeface="Times New Roman" panose="02020603050405020304" pitchFamily="18" charset="0"/>
+                <a:cs typeface="Times New Roman" panose="02020603050405020304" pitchFamily="18" charset="0"/>
+              </a:rPr>
+              <a:t>Caijin</a:t>
+            </a:r>
+            <a:r>
+              <a:rPr lang="en-US" sz="1200" i="1" dirty="0">
+                <a:solidFill>
+                  <a:srgbClr val="000000"/>
+                </a:solidFill>
+                <a:effectLst/>
+                <a:latin typeface="Times New Roman" panose="02020603050405020304" pitchFamily="18" charset="0"/>
+                <a:cs typeface="Times New Roman" panose="02020603050405020304" pitchFamily="18" charset="0"/>
+              </a:rPr>
+              <a:t> Yang, </a:t>
+            </a:r>
+            <a:r>
+              <a:rPr lang="en-US" sz="1200" i="1" dirty="0" err="1">
+                <a:solidFill>
+                  <a:srgbClr val="000000"/>
+                </a:solidFill>
+                <a:effectLst/>
+                <a:latin typeface="Times New Roman" panose="02020603050405020304" pitchFamily="18" charset="0"/>
+                <a:cs typeface="Times New Roman" panose="02020603050405020304" pitchFamily="18" charset="0"/>
+              </a:rPr>
+              <a:t>Weihua</a:t>
+            </a:r>
+            <a:r>
+              <a:rPr lang="en-US" sz="1200" i="1" dirty="0">
+                <a:solidFill>
+                  <a:srgbClr val="000000"/>
+                </a:solidFill>
+                <a:effectLst/>
+                <a:latin typeface="Times New Roman" panose="02020603050405020304" pitchFamily="18" charset="0"/>
+                <a:cs typeface="Times New Roman" panose="02020603050405020304" pitchFamily="18" charset="0"/>
+              </a:rPr>
+              <a:t> Zhang, </a:t>
+            </a:r>
+            <a:r>
+              <a:rPr lang="en-US" sz="1200" i="1" dirty="0" err="1">
+                <a:solidFill>
+                  <a:srgbClr val="000000"/>
+                </a:solidFill>
+                <a:effectLst/>
+                <a:latin typeface="Times New Roman" panose="02020603050405020304" pitchFamily="18" charset="0"/>
+                <a:cs typeface="Times New Roman" panose="02020603050405020304" pitchFamily="18" charset="0"/>
+              </a:rPr>
+              <a:t>Yanhai</a:t>
+            </a:r>
+            <a:r>
+              <a:rPr lang="en-US" sz="1200" i="1" dirty="0">
+                <a:solidFill>
+                  <a:srgbClr val="000000"/>
+                </a:solidFill>
+                <a:effectLst/>
+                <a:latin typeface="Times New Roman" panose="02020603050405020304" pitchFamily="18" charset="0"/>
+                <a:cs typeface="Times New Roman" panose="02020603050405020304" pitchFamily="18" charset="0"/>
+              </a:rPr>
+              <a:t> Xu, </a:t>
+            </a:r>
+            <a:r>
+              <a:rPr lang="en-US" sz="1200" i="1" dirty="0" err="1">
+                <a:solidFill>
+                  <a:srgbClr val="000000"/>
+                </a:solidFill>
+                <a:effectLst/>
+                <a:latin typeface="Times New Roman" panose="02020603050405020304" pitchFamily="18" charset="0"/>
+                <a:cs typeface="Times New Roman" panose="02020603050405020304" pitchFamily="18" charset="0"/>
+              </a:rPr>
+              <a:t>Yiqiang</a:t>
+            </a:r>
+            <a:r>
+              <a:rPr lang="en-US" sz="1200" i="1" dirty="0">
+                <a:solidFill>
+                  <a:srgbClr val="000000"/>
+                </a:solidFill>
+                <a:effectLst/>
+                <a:latin typeface="Times New Roman" panose="02020603050405020304" pitchFamily="18" charset="0"/>
+                <a:cs typeface="Times New Roman" panose="02020603050405020304" pitchFamily="18" charset="0"/>
+              </a:rPr>
+              <a:t> Peng, </a:t>
+            </a:r>
+            <a:r>
+              <a:rPr lang="en-US" sz="1200" i="1" dirty="0" err="1">
+                <a:solidFill>
+                  <a:srgbClr val="000000"/>
+                </a:solidFill>
+                <a:effectLst/>
+                <a:latin typeface="Times New Roman" panose="02020603050405020304" pitchFamily="18" charset="0"/>
+                <a:cs typeface="Times New Roman" panose="02020603050405020304" pitchFamily="18" charset="0"/>
+              </a:rPr>
+              <a:t>Maoru</a:t>
+            </a:r>
+            <a:r>
+              <a:rPr lang="en-US" sz="1200" i="1" dirty="0">
+                <a:solidFill>
+                  <a:srgbClr val="000000"/>
+                </a:solidFill>
+                <a:effectLst/>
+                <a:latin typeface="Times New Roman" panose="02020603050405020304" pitchFamily="18" charset="0"/>
+                <a:cs typeface="Times New Roman" panose="02020603050405020304" pitchFamily="18" charset="0"/>
+              </a:rPr>
+              <a:t> Chi, "</a:t>
+            </a:r>
+            <a:r>
+              <a:rPr lang="en-US" sz="1200" b="1" i="1" dirty="0">
+                <a:solidFill>
+                  <a:srgbClr val="000000"/>
+                </a:solidFill>
+                <a:effectLst/>
+                <a:latin typeface="Times New Roman" panose="02020603050405020304" pitchFamily="18" charset="0"/>
+                <a:cs typeface="Times New Roman" panose="02020603050405020304" pitchFamily="18" charset="0"/>
+              </a:rPr>
+              <a:t>Motion Control of a 4WS4WD Path-Following Vehicle: Dynamics-Based Steering and Driving Models</a:t>
+            </a:r>
+            <a:r>
+              <a:rPr lang="en-US" sz="1200" i="1" dirty="0">
+                <a:solidFill>
+                  <a:srgbClr val="000000"/>
+                </a:solidFill>
+                <a:effectLst/>
+                <a:latin typeface="Times New Roman" panose="02020603050405020304" pitchFamily="18" charset="0"/>
+                <a:cs typeface="Times New Roman" panose="02020603050405020304" pitchFamily="18" charset="0"/>
+              </a:rPr>
+              <a:t>", Shock and Vibration, vol. 2021, Article ID 8861159, 13 pages, 2021. https://doi.org/10.1155/2021/8861159</a:t>
+            </a:r>
+            <a:endParaRPr lang="en-US" sz="1200" i="1" dirty="0">
+              <a:latin typeface="Times New Roman" panose="02020603050405020304" pitchFamily="18" charset="0"/>
+              <a:cs typeface="Times New Roman" panose="02020603050405020304" pitchFamily="18" charset="0"/>
+            </a:endParaRPr>
+          </a:p>
+          <a:p>
+            <a:pPr marL="0" indent="0">
+              <a:buNone/>
+            </a:pPr>
+            <a:endParaRPr lang="en-US" sz="1200" dirty="0">
+              <a:latin typeface="Times New Roman" panose="02020603050405020304" pitchFamily="18" charset="0"/>
+              <a:cs typeface="Times New Roman" panose="02020603050405020304" pitchFamily="18" charset="0"/>
+            </a:endParaRPr>
+          </a:p>
+          <a:p>
+            <a:endParaRPr lang="en-US" sz="1000" dirty="0"/>
+          </a:p>
+        </p:txBody>
+      </p:sp>
+    </p:spTree>
+    <p:extLst>
+      <p:ext uri="{BB962C8B-B14F-4D97-AF65-F5344CB8AC3E}">
+        <p14:creationId xmlns:p14="http://schemas.microsoft.com/office/powerpoint/2010/main" val="287148326"/>
+      </p:ext>
+    </p:extLst>
+  </p:cSld>
+  <p:clrMapOvr>
+    <a:masterClrMapping/>
+  </p:clrMapOvr>
+  <p:transition spd="med"/>
+</p:sld>
+</file>
+
+<file path=ppt/slides/slide14.xml><?xml version="1.0" encoding="utf-8"?>
+<p:sld xmlns:a="http://schemas.openxmlformats.org/drawingml/2006/main" xmlns:r="http://schemas.openxmlformats.org/officeDocument/2006/relationships" xmlns:p="http://schemas.openxmlformats.org/presentationml/2006/main">
+  <p:cSld>
+    <p:spTree>
+      <p:nvGrpSpPr>
+        <p:cNvPr id="1" name=""/>
+        <p:cNvGrpSpPr/>
+        <p:nvPr/>
+      </p:nvGrpSpPr>
+      <p:grpSpPr>
+        <a:xfrm>
+          <a:off x="0" y="0"/>
+          <a:ext cx="0" cy="0"/>
+          <a:chOff x="0" y="0"/>
+          <a:chExt cx="0" cy="0"/>
+        </a:xfrm>
+      </p:grpSpPr>
+      <p:sp>
+        <p:nvSpPr>
+          <p:cNvPr id="3" name="Text Placeholder 2">
+            <a:extLst>
+              <a:ext uri="{FF2B5EF4-FFF2-40B4-BE49-F238E27FC236}">
+                <a16:creationId xmlns:a16="http://schemas.microsoft.com/office/drawing/2014/main" id="{43442478-FD01-4C03-AD72-9AD92355154B}"/>
+              </a:ext>
+            </a:extLst>
+          </p:cNvPr>
+          <p:cNvSpPr>
+            <a:spLocks noGrp="1"/>
+          </p:cNvSpPr>
+          <p:nvPr>
+            <p:ph type="body" idx="1"/>
+          </p:nvPr>
+        </p:nvSpPr>
+        <p:spPr/>
+        <p:txBody>
+          <a:bodyPr>
+            <a:normAutofit/>
+          </a:bodyPr>
+          <a:lstStyle/>
+          <a:p>
+            <a:pPr marL="0" indent="0" algn="l">
+              <a:buNone/>
+            </a:pPr>
+            <a:r>
+              <a:rPr lang="en-US" sz="1200" b="1" i="1" dirty="0">
+                <a:effectLst/>
+              </a:rPr>
+              <a:t>Lane-Change Model and Tracking Control for Autonomous Vehicles on Curved Highway Sections in Rainy Weather</a:t>
+            </a:r>
+          </a:p>
+          <a:p>
+            <a:pPr marL="0" indent="0" algn="l">
+              <a:buNone/>
+            </a:pPr>
+            <a:r>
+              <a:rPr lang="en-US" sz="1200" dirty="0">
+                <a:solidFill>
+                  <a:srgbClr val="000000"/>
+                </a:solidFill>
+              </a:rPr>
+              <a:t>		</a:t>
+            </a:r>
+            <a:r>
+              <a:rPr lang="en-US" sz="1200" b="0" i="0" dirty="0">
+                <a:solidFill>
+                  <a:srgbClr val="000000"/>
+                </a:solidFill>
+                <a:effectLst/>
+              </a:rPr>
+              <a:t>Tao Peng,</a:t>
+            </a:r>
+            <a:r>
+              <a:rPr lang="en-US" sz="1200" b="0" i="0" baseline="30000" dirty="0">
+                <a:solidFill>
+                  <a:srgbClr val="000000"/>
+                </a:solidFill>
+                <a:effectLst/>
+              </a:rPr>
+              <a:t>1,2</a:t>
+            </a:r>
+            <a:r>
+              <a:rPr lang="en-US" sz="1200" b="0" i="0" dirty="0">
+                <a:solidFill>
+                  <a:srgbClr val="000000"/>
+                </a:solidFill>
+                <a:effectLst/>
+              </a:rPr>
+              <a:t>Li-li Su,</a:t>
+            </a:r>
+            <a:r>
+              <a:rPr lang="en-US" sz="1200" b="0" i="0" baseline="30000" dirty="0">
+                <a:solidFill>
+                  <a:srgbClr val="000000"/>
+                </a:solidFill>
+                <a:effectLst/>
+              </a:rPr>
+              <a:t>3</a:t>
+            </a:r>
+            <a:r>
+              <a:rPr lang="en-US" sz="1200" b="1" i="0" dirty="0">
+                <a:solidFill>
+                  <a:srgbClr val="000000"/>
+                </a:solidFill>
+                <a:effectLst/>
+              </a:rPr>
+              <a:t>Zhi-wei Guan</a:t>
+            </a:r>
+            <a:r>
+              <a:rPr lang="en-US" sz="1200" b="0" i="0" dirty="0">
+                <a:solidFill>
+                  <a:srgbClr val="000000"/>
+                </a:solidFill>
+                <a:effectLst/>
+              </a:rPr>
+              <a:t>,</a:t>
+            </a:r>
+            <a:r>
+              <a:rPr lang="en-US" sz="1200" b="0" i="0" baseline="30000" dirty="0">
+                <a:solidFill>
+                  <a:srgbClr val="000000"/>
+                </a:solidFill>
+                <a:effectLst/>
+              </a:rPr>
+              <a:t>4</a:t>
+            </a:r>
+            <a:r>
+              <a:rPr lang="en-US" sz="1200" b="0" i="0" dirty="0">
+                <a:solidFill>
+                  <a:srgbClr val="000000"/>
+                </a:solidFill>
+                <a:effectLst/>
+              </a:rPr>
+              <a:t>Hai-jing Hou,</a:t>
+            </a:r>
+            <a:r>
+              <a:rPr lang="en-US" sz="1200" b="0" i="0" baseline="30000" dirty="0">
+                <a:solidFill>
+                  <a:srgbClr val="000000"/>
+                </a:solidFill>
+                <a:effectLst/>
+              </a:rPr>
+              <a:t>1</a:t>
+            </a:r>
+            <a:r>
+              <a:rPr lang="en-US" sz="1200" b="0" i="0" dirty="0">
+                <a:solidFill>
+                  <a:srgbClr val="000000"/>
+                </a:solidFill>
+                <a:effectLst/>
+              </a:rPr>
+              <a:t>Jun-kai Li,</a:t>
+            </a:r>
+            <a:r>
+              <a:rPr lang="en-US" sz="1200" b="0" i="0" baseline="30000" dirty="0">
+                <a:solidFill>
+                  <a:srgbClr val="000000"/>
+                </a:solidFill>
+                <a:effectLst/>
+              </a:rPr>
+              <a:t>5</a:t>
+            </a:r>
+            <a:r>
+              <a:rPr lang="en-US" sz="1200" b="0" i="0" dirty="0">
+                <a:solidFill>
+                  <a:srgbClr val="000000"/>
+                </a:solidFill>
+                <a:effectLst/>
+              </a:rPr>
+              <a:t>Xing-liang Liu,</a:t>
+            </a:r>
+            <a:r>
+              <a:rPr lang="en-US" sz="1200" b="0" i="0" baseline="30000" dirty="0">
+                <a:solidFill>
+                  <a:srgbClr val="000000"/>
+                </a:solidFill>
+                <a:effectLst/>
+              </a:rPr>
+              <a:t>3</a:t>
+            </a:r>
+            <a:r>
+              <a:rPr lang="en-US" sz="1200" b="0" i="0" dirty="0">
+                <a:solidFill>
+                  <a:srgbClr val="000000"/>
+                </a:solidFill>
+                <a:effectLst/>
+              </a:rPr>
+              <a:t>and Yi-</a:t>
+            </a:r>
+            <a:r>
+              <a:rPr lang="en-US" sz="1200" b="0" i="0" dirty="0" err="1">
+                <a:solidFill>
+                  <a:srgbClr val="000000"/>
+                </a:solidFill>
+                <a:effectLst/>
+              </a:rPr>
+              <a:t>ke</a:t>
+            </a:r>
+            <a:r>
+              <a:rPr lang="en-US" sz="1200" b="0" i="0" dirty="0">
+                <a:solidFill>
+                  <a:srgbClr val="000000"/>
+                </a:solidFill>
+                <a:effectLst/>
+              </a:rPr>
+              <a:t> Tong</a:t>
+            </a:r>
+            <a:r>
+              <a:rPr lang="en-US" sz="1200" b="0" i="0" baseline="30000" dirty="0">
+                <a:solidFill>
+                  <a:srgbClr val="000000"/>
+                </a:solidFill>
+                <a:effectLst/>
+              </a:rPr>
+              <a:t>6</a:t>
+            </a:r>
+            <a:endParaRPr lang="en-US" sz="1200" b="0" i="0" dirty="0">
+              <a:solidFill>
+                <a:srgbClr val="000000"/>
+              </a:solidFill>
+              <a:effectLst/>
+            </a:endParaRPr>
+          </a:p>
+          <a:p>
+            <a:pPr marL="0" indent="0">
+              <a:buNone/>
+            </a:pPr>
+            <a:endParaRPr lang="en-US" sz="1200" b="0" i="0" dirty="0">
+              <a:solidFill>
+                <a:srgbClr val="000000"/>
+              </a:solidFill>
+              <a:effectLst/>
+              <a:cs typeface="Times New Roman" panose="02020603050405020304" pitchFamily="18" charset="0"/>
+            </a:endParaRPr>
+          </a:p>
+          <a:p>
+            <a:pPr marL="0" indent="0">
+              <a:buNone/>
+            </a:pPr>
+            <a:endParaRPr lang="en-US" sz="1200" dirty="0">
+              <a:cs typeface="Times New Roman" panose="02020603050405020304" pitchFamily="18" charset="0"/>
+            </a:endParaRPr>
+          </a:p>
+          <a:p>
+            <a:pPr marL="0" indent="0">
+              <a:buNone/>
+            </a:pPr>
+            <a:r>
+              <a:rPr lang="en-US" sz="1200" b="0" i="0" dirty="0">
+                <a:solidFill>
+                  <a:srgbClr val="000000"/>
+                </a:solidFill>
+                <a:effectLst/>
+                <a:cs typeface="Times New Roman" panose="02020603050405020304" pitchFamily="18" charset="0"/>
+              </a:rPr>
+              <a:t>Developed an adaptive lane change system that consists of an intelligent trajectory planning and tracking controller. </a:t>
+            </a:r>
+          </a:p>
+        </p:txBody>
+      </p:sp>
+      <p:pic>
+        <p:nvPicPr>
+          <p:cNvPr id="5" name="Picture 4">
+            <a:extLst>
+              <a:ext uri="{FF2B5EF4-FFF2-40B4-BE49-F238E27FC236}">
+                <a16:creationId xmlns:a16="http://schemas.microsoft.com/office/drawing/2014/main" id="{1921BD51-8B2C-4C31-ABAE-02428E7855C0}"/>
+              </a:ext>
+            </a:extLst>
+          </p:cNvPr>
+          <p:cNvPicPr>
+            <a:picLocks noChangeAspect="1"/>
+          </p:cNvPicPr>
+          <p:nvPr/>
+        </p:nvPicPr>
+        <p:blipFill>
+          <a:blip r:embed="rId2"/>
+          <a:stretch>
+            <a:fillRect/>
+          </a:stretch>
+        </p:blipFill>
+        <p:spPr>
+          <a:xfrm>
+            <a:off x="848211" y="2583711"/>
+            <a:ext cx="4817187" cy="3019647"/>
+          </a:xfrm>
+          <a:prstGeom prst="rect">
+            <a:avLst/>
+          </a:prstGeom>
+        </p:spPr>
+      </p:pic>
+      <p:sp>
+        <p:nvSpPr>
+          <p:cNvPr id="7" name="TextBox 6">
+            <a:extLst>
+              <a:ext uri="{FF2B5EF4-FFF2-40B4-BE49-F238E27FC236}">
+                <a16:creationId xmlns:a16="http://schemas.microsoft.com/office/drawing/2014/main" id="{D956B932-4E7D-4541-9419-8F2943A697ED}"/>
+              </a:ext>
+            </a:extLst>
+          </p:cNvPr>
+          <p:cNvSpPr txBox="1"/>
+          <p:nvPr/>
+        </p:nvSpPr>
+        <p:spPr>
+          <a:xfrm>
+            <a:off x="6096000" y="2873077"/>
+            <a:ext cx="5108457" cy="1384995"/>
+          </a:xfrm>
+          <a:prstGeom prst="rect">
+            <a:avLst/>
+          </a:prstGeom>
+          <a:noFill/>
+          <a:ln w="12700" cap="flat">
+            <a:noFill/>
+            <a:miter lim="400000"/>
+          </a:ln>
+          <a:effectLst/>
+          <a:sp3d/>
+        </p:spPr>
+        <p:style>
+          <a:lnRef idx="0">
+            <a:scrgbClr r="0" g="0" b="0"/>
+          </a:lnRef>
+          <a:fillRef idx="0">
+            <a:scrgbClr r="0" g="0" b="0"/>
+          </a:fillRef>
+          <a:effectRef idx="0">
+            <a:scrgbClr r="0" g="0" b="0"/>
+          </a:effectRef>
+          <a:fontRef idx="none"/>
+        </p:style>
+        <p:txBody>
+          <a:bodyPr wrap="square">
+            <a:spAutoFit/>
+          </a:bodyPr>
+          <a:lstStyle/>
+          <a:p>
+            <a:pPr marL="171450" indent="-171450">
+              <a:buFont typeface="Arial" panose="020B0604020202020204" pitchFamily="34" charset="0"/>
+              <a:buChar char="•"/>
+            </a:pPr>
+            <a:r>
+              <a:rPr lang="en-US" sz="1200" dirty="0"/>
+              <a:t>Based on the scoring references under specific circumstances, a four-level lane-change mode for collision avoidance is proposed</a:t>
+            </a:r>
+          </a:p>
+          <a:p>
+            <a:pPr marL="171450" indent="-171450">
+              <a:buFont typeface="Arial" panose="020B0604020202020204" pitchFamily="34" charset="0"/>
+              <a:buChar char="•"/>
+            </a:pPr>
+            <a:r>
+              <a:rPr lang="en-US" sz="1200" dirty="0"/>
+              <a:t>Single track vehicle dynamics model </a:t>
+            </a:r>
+          </a:p>
+          <a:p>
+            <a:endParaRPr lang="en-US" sz="1200" dirty="0"/>
+          </a:p>
+          <a:p>
+            <a:endParaRPr lang="en-US" sz="1200" dirty="0"/>
+          </a:p>
+          <a:p>
+            <a:r>
+              <a:rPr lang="en-US" sz="1200" dirty="0"/>
+              <a:t>A scoring reference-based lane-change decision mechanism for collision avoidance on a curved road with low adhesion. </a:t>
+            </a:r>
+            <a:endParaRPr lang="en-US" sz="1000" dirty="0"/>
+          </a:p>
+        </p:txBody>
+      </p:sp>
+    </p:spTree>
+    <p:extLst>
+      <p:ext uri="{BB962C8B-B14F-4D97-AF65-F5344CB8AC3E}">
+        <p14:creationId xmlns:p14="http://schemas.microsoft.com/office/powerpoint/2010/main" val="1951798508"/>
+      </p:ext>
+    </p:extLst>
+  </p:cSld>
+  <p:clrMapOvr>
+    <a:masterClrMapping/>
+  </p:clrMapOvr>
+  <p:transition spd="med"/>
+</p:sld>
+</file>
+
+<file path=ppt/slides/slide15.xml><?xml version="1.0" encoding="utf-8"?>
+<p:sld xmlns:a="http://schemas.openxmlformats.org/drawingml/2006/main" xmlns:r="http://schemas.openxmlformats.org/officeDocument/2006/relationships" xmlns:p="http://schemas.openxmlformats.org/presentationml/2006/main">
+  <p:cSld>
+    <p:spTree>
+      <p:nvGrpSpPr>
+        <p:cNvPr id="1" name=""/>
+        <p:cNvGrpSpPr/>
+        <p:nvPr/>
+      </p:nvGrpSpPr>
+      <p:grpSpPr>
+        <a:xfrm>
+          <a:off x="0" y="0"/>
+          <a:ext cx="0" cy="0"/>
+          <a:chOff x="0" y="0"/>
+          <a:chExt cx="0" cy="0"/>
+        </a:xfrm>
+      </p:grpSpPr>
+      <p:pic>
+        <p:nvPicPr>
+          <p:cNvPr id="1026" name="Picture 2" descr="Fig. 6. - Illustration of the initial and the avoiding trajectories in a local path and the way-point determination in presence of an obstacle.">
+            <a:extLst>
+              <a:ext uri="{FF2B5EF4-FFF2-40B4-BE49-F238E27FC236}">
+                <a16:creationId xmlns:a16="http://schemas.microsoft.com/office/drawing/2014/main" id="{538B4F82-4D70-42D1-8AF8-A9D1F7DC1D81}"/>
+              </a:ext>
+            </a:extLst>
+          </p:cNvPr>
+          <p:cNvPicPr>
+            <a:picLocks noChangeAspect="1" noChangeArrowheads="1"/>
+          </p:cNvPicPr>
+          <p:nvPr/>
+        </p:nvPicPr>
+        <p:blipFill>
+          <a:blip r:embed="rId2">
+            <a:extLst>
+              <a:ext uri="{28A0092B-C50C-407E-A947-70E740481C1C}">
+                <a14:useLocalDpi xmlns:a14="http://schemas.microsoft.com/office/drawing/2010/main" val="0"/>
+              </a:ext>
+            </a:extLst>
+          </a:blip>
+          <a:srcRect/>
+          <a:stretch>
+            <a:fillRect/>
+          </a:stretch>
+        </p:blipFill>
+        <p:spPr bwMode="auto">
+          <a:xfrm>
+            <a:off x="1222523" y="3927292"/>
+            <a:ext cx="3402401" cy="1824924"/>
+          </a:xfrm>
+          <a:prstGeom prst="rect">
+            <a:avLst/>
+          </a:prstGeom>
+          <a:noFill/>
+          <a:extLst>
+            <a:ext uri="{909E8E84-426E-40DD-AFC4-6F175D3DCCD1}">
+              <a14:hiddenFill xmlns:a14="http://schemas.microsoft.com/office/drawing/2010/main">
+                <a:solidFill>
+                  <a:srgbClr val="FFFFFF"/>
+                </a:solidFill>
+              </a14:hiddenFill>
+            </a:ext>
+          </a:extLst>
+        </p:spPr>
+      </p:pic>
+      <p:pic>
+        <p:nvPicPr>
+          <p:cNvPr id="1028" name="Picture 4" descr="Fig. 2. - Illustration of the sigmoid curve proposed in [22].">
+            <a:extLst>
+              <a:ext uri="{FF2B5EF4-FFF2-40B4-BE49-F238E27FC236}">
+                <a16:creationId xmlns:a16="http://schemas.microsoft.com/office/drawing/2014/main" id="{7568EF70-5AEB-4D90-AFDA-DD99C669EAD7}"/>
+              </a:ext>
+            </a:extLst>
+          </p:cNvPr>
+          <p:cNvPicPr>
+            <a:picLocks noChangeAspect="1" noChangeArrowheads="1"/>
+          </p:cNvPicPr>
+          <p:nvPr/>
+        </p:nvPicPr>
+        <p:blipFill>
+          <a:blip r:embed="rId3">
+            <a:extLst>
+              <a:ext uri="{28A0092B-C50C-407E-A947-70E740481C1C}">
+                <a14:useLocalDpi xmlns:a14="http://schemas.microsoft.com/office/drawing/2010/main" val="0"/>
+              </a:ext>
+            </a:extLst>
+          </a:blip>
+          <a:srcRect/>
+          <a:stretch>
+            <a:fillRect/>
+          </a:stretch>
+        </p:blipFill>
+        <p:spPr bwMode="auto">
+          <a:xfrm>
+            <a:off x="1084300" y="2037905"/>
+            <a:ext cx="4180887" cy="1391095"/>
+          </a:xfrm>
+          <a:prstGeom prst="rect">
+            <a:avLst/>
+          </a:prstGeom>
+          <a:noFill/>
+          <a:extLst>
+            <a:ext uri="{909E8E84-426E-40DD-AFC4-6F175D3DCCD1}">
+              <a14:hiddenFill xmlns:a14="http://schemas.microsoft.com/office/drawing/2010/main">
+                <a:solidFill>
+                  <a:srgbClr val="FFFFFF"/>
+                </a:solidFill>
+              </a14:hiddenFill>
+            </a:ext>
+          </a:extLst>
+        </p:spPr>
+      </p:pic>
+      <p:sp>
+        <p:nvSpPr>
+          <p:cNvPr id="7" name="TextBox 6">
+            <a:extLst>
+              <a:ext uri="{FF2B5EF4-FFF2-40B4-BE49-F238E27FC236}">
+                <a16:creationId xmlns:a16="http://schemas.microsoft.com/office/drawing/2014/main" id="{93C5371A-5476-40B9-B9EB-C4F194726CC9}"/>
+              </a:ext>
+            </a:extLst>
+          </p:cNvPr>
+          <p:cNvSpPr txBox="1"/>
+          <p:nvPr/>
+        </p:nvSpPr>
+        <p:spPr>
+          <a:xfrm>
+            <a:off x="5441212" y="2271787"/>
+            <a:ext cx="6097772" cy="584775"/>
+          </a:xfrm>
+          <a:prstGeom prst="rect">
+            <a:avLst/>
+          </a:prstGeom>
+          <a:noFill/>
+          <a:ln w="12700" cap="flat">
+            <a:noFill/>
+            <a:miter lim="400000"/>
+          </a:ln>
+          <a:effectLst/>
+          <a:sp3d/>
+        </p:spPr>
+        <p:style>
+          <a:lnRef idx="0">
+            <a:scrgbClr r="0" g="0" b="0"/>
+          </a:lnRef>
+          <a:fillRef idx="0">
+            <a:scrgbClr r="0" g="0" b="0"/>
+          </a:fillRef>
+          <a:effectRef idx="0">
+            <a:scrgbClr r="0" g="0" b="0"/>
+          </a:effectRef>
+          <a:fontRef idx="none"/>
+        </p:style>
+        <p:txBody>
+          <a:bodyPr wrap="square">
+            <a:spAutoFit/>
+          </a:bodyPr>
+          <a:lstStyle/>
+          <a:p>
+            <a:r>
+              <a:rPr lang="en-US" sz="1600" b="0" i="0" dirty="0">
+                <a:solidFill>
+                  <a:srgbClr val="333333"/>
+                </a:solidFill>
+                <a:effectLst/>
+                <a:latin typeface="Georgia" panose="02040502050405020303" pitchFamily="18" charset="0"/>
+              </a:rPr>
+              <a:t>Use of a sigmoid function to avoid the obstacle and the use of a rolling horizon to plan for a decomposed area of the path</a:t>
+            </a:r>
+            <a:endParaRPr lang="en-US" sz="1600" dirty="0"/>
+          </a:p>
+        </p:txBody>
+      </p:sp>
+    </p:spTree>
+    <p:extLst>
+      <p:ext uri="{BB962C8B-B14F-4D97-AF65-F5344CB8AC3E}">
+        <p14:creationId xmlns:p14="http://schemas.microsoft.com/office/powerpoint/2010/main" val="3532390588"/>
       </p:ext>
     </p:extLst>
   </p:cSld>
@@ -14057,6 +14533,33 @@
 </file>
 
 <file path=customXml/item1.xml><?xml version="1.0" encoding="utf-8"?>
+<p:properties xmlns:p="http://schemas.microsoft.com/office/2006/metadata/properties" xmlns:xsi="http://www.w3.org/2001/XMLSchema-instance" xmlns:pc="http://schemas.microsoft.com/office/infopath/2007/PartnerControls">
+  <documentManagement>
+    <lcf76f155ced4ddcb4097134ff3c332f xmlns="b23c8a0b-953f-4d8c-a257-ac423643ab08">
+      <Terms xmlns="http://schemas.microsoft.com/office/infopath/2007/PartnerControls"/>
+    </lcf76f155ced4ddcb4097134ff3c332f>
+    <SharedWithUsers xmlns="546d9947-4387-4d11-affd-66848ef54e55">
+      <UserInfo>
+        <DisplayName/>
+        <AccountId xsi:nil="true"/>
+        <AccountType/>
+      </UserInfo>
+    </SharedWithUsers>
+    <TaxCatchAll xmlns="546d9947-4387-4d11-affd-66848ef54e55" xsi:nil="true"/>
+  </documentManagement>
+</p:properties>
+</file>
+
+<file path=customXml/item2.xml><?xml version="1.0" encoding="utf-8"?>
+<?mso-contentType ?>
+<FormTemplates xmlns="http://schemas.microsoft.com/sharepoint/v3/contenttype/forms">
+  <Display>DocumentLibraryForm</Display>
+  <Edit>DocumentLibraryForm</Edit>
+  <New>DocumentLibraryForm</New>
+</FormTemplates>
+</file>
+
+<file path=customXml/item3.xml><?xml version="1.0" encoding="utf-8"?>
 <ct:contentTypeSchema xmlns:ct="http://schemas.microsoft.com/office/2006/metadata/contentType" xmlns:ma="http://schemas.microsoft.com/office/2006/metadata/properties/metaAttributes" ct:_="" ma:_="" ma:contentTypeName="Document" ma:contentTypeID="0x0101008DB69ED157ABE34B9A6B74D5674C4453" ma:contentTypeVersion="16" ma:contentTypeDescription="Create a new document." ma:contentTypeScope="" ma:versionID="34a995a4cc9a69900658010e9ec92a89">
   <xsd:schema xmlns:xsd="http://www.w3.org/2001/XMLSchema" xmlns:xs="http://www.w3.org/2001/XMLSchema" xmlns:p="http://schemas.microsoft.com/office/2006/metadata/properties" xmlns:ns2="b23c8a0b-953f-4d8c-a257-ac423643ab08" xmlns:ns3="546d9947-4387-4d11-affd-66848ef54e55" targetNamespace="http://schemas.microsoft.com/office/2006/metadata/properties" ma:root="true" ma:fieldsID="9aa78c55400d14df0b31f052dfc9ae63" ns2:_="" ns3:_="">
     <xsd:import namespace="b23c8a0b-953f-4d8c-a257-ac423643ab08"/>
@@ -14299,34 +14802,32 @@
 </ct:contentTypeSchema>
 </file>
 
-<file path=customXml/item2.xml><?xml version="1.0" encoding="utf-8"?>
-<?mso-contentType ?>
-<FormTemplates xmlns="http://schemas.microsoft.com/sharepoint/v3/contenttype/forms">
-  <Display>DocumentLibraryForm</Display>
-  <Edit>DocumentLibraryForm</Edit>
-  <New>DocumentLibraryForm</New>
-</FormTemplates>
+<file path=customXml/itemProps1.xml><?xml version="1.0" encoding="utf-8"?>
+<ds:datastoreItem xmlns:ds="http://schemas.openxmlformats.org/officeDocument/2006/customXml" ds:itemID="{F50FEDA6-2D0C-41AD-80AE-A326BF3EB01C}">
+  <ds:schemaRefs>
+    <ds:schemaRef ds:uri="http://purl.org/dc/elements/1.1/"/>
+    <ds:schemaRef ds:uri="http://www.w3.org/XML/1998/namespace"/>
+    <ds:schemaRef ds:uri="b23c8a0b-953f-4d8c-a257-ac423643ab08"/>
+    <ds:schemaRef ds:uri="http://schemas.microsoft.com/office/2006/metadata/properties"/>
+    <ds:schemaRef ds:uri="http://purl.org/dc/terms/"/>
+    <ds:schemaRef ds:uri="http://schemas.microsoft.com/office/2006/documentManagement/types"/>
+    <ds:schemaRef ds:uri="http://purl.org/dc/dcmitype/"/>
+    <ds:schemaRef ds:uri="http://schemas.microsoft.com/office/infopath/2007/PartnerControls"/>
+    <ds:schemaRef ds:uri="http://schemas.openxmlformats.org/package/2006/metadata/core-properties"/>
+    <ds:schemaRef ds:uri="546d9947-4387-4d11-affd-66848ef54e55"/>
+  </ds:schemaRefs>
+</ds:datastoreItem>
 </file>
 
-<file path=customXml/item3.xml><?xml version="1.0" encoding="utf-8"?>
-<p:properties xmlns:p="http://schemas.microsoft.com/office/2006/metadata/properties" xmlns:xsi="http://www.w3.org/2001/XMLSchema-instance" xmlns:pc="http://schemas.microsoft.com/office/infopath/2007/PartnerControls">
-  <documentManagement>
-    <lcf76f155ced4ddcb4097134ff3c332f xmlns="b23c8a0b-953f-4d8c-a257-ac423643ab08">
-      <Terms xmlns="http://schemas.microsoft.com/office/infopath/2007/PartnerControls"/>
-    </lcf76f155ced4ddcb4097134ff3c332f>
-    <SharedWithUsers xmlns="546d9947-4387-4d11-affd-66848ef54e55">
-      <UserInfo>
-        <DisplayName/>
-        <AccountId xsi:nil="true"/>
-        <AccountType/>
-      </UserInfo>
-    </SharedWithUsers>
-    <TaxCatchAll xmlns="546d9947-4387-4d11-affd-66848ef54e55" xsi:nil="true"/>
-  </documentManagement>
-</p:properties>
+<file path=customXml/itemProps2.xml><?xml version="1.0" encoding="utf-8"?>
+<ds:datastoreItem xmlns:ds="http://schemas.openxmlformats.org/officeDocument/2006/customXml" ds:itemID="{3140AEF2-C38B-4BDD-ADE4-02196A952CDB}">
+  <ds:schemaRefs>
+    <ds:schemaRef ds:uri="http://schemas.microsoft.com/sharepoint/v3/contenttype/forms"/>
+  </ds:schemaRefs>
+</ds:datastoreItem>
 </file>
 
-<file path=customXml/itemProps1.xml><?xml version="1.0" encoding="utf-8"?>
+<file path=customXml/itemProps3.xml><?xml version="1.0" encoding="utf-8"?>
 <ds:datastoreItem xmlns:ds="http://schemas.openxmlformats.org/officeDocument/2006/customXml" ds:itemID="{C1A3ED09-C982-4611-A714-E04E8044FA39}">
   <ds:schemaRefs>
     <ds:schemaRef ds:uri="http://schemas.microsoft.com/office/2006/metadata/contentType"/>
@@ -14343,29 +14844,4 @@
     <ds:schemaRef ds:uri="http://schemas.microsoft.com/internal/obd"/>
   </ds:schemaRefs>
 </ds:datastoreItem>
-</file>
-
-<file path=customXml/itemProps2.xml><?xml version="1.0" encoding="utf-8"?>
-<ds:datastoreItem xmlns:ds="http://schemas.openxmlformats.org/officeDocument/2006/customXml" ds:itemID="{3140AEF2-C38B-4BDD-ADE4-02196A952CDB}">
-  <ds:schemaRefs>
-    <ds:schemaRef ds:uri="http://schemas.microsoft.com/sharepoint/v3/contenttype/forms"/>
-  </ds:schemaRefs>
-</ds:datastoreItem>
-</file>
-
-<file path=customXml/itemProps3.xml><?xml version="1.0" encoding="utf-8"?>
-<ds:datastoreItem xmlns:ds="http://schemas.openxmlformats.org/officeDocument/2006/customXml" ds:itemID="{F50FEDA6-2D0C-41AD-80AE-A326BF3EB01C}">
-  <ds:schemaRefs>
-    <ds:schemaRef ds:uri="http://purl.org/dc/elements/1.1/"/>
-    <ds:schemaRef ds:uri="http://www.w3.org/XML/1998/namespace"/>
-    <ds:schemaRef ds:uri="b23c8a0b-953f-4d8c-a257-ac423643ab08"/>
-    <ds:schemaRef ds:uri="http://schemas.microsoft.com/office/2006/metadata/properties"/>
-    <ds:schemaRef ds:uri="http://purl.org/dc/terms/"/>
-    <ds:schemaRef ds:uri="http://schemas.microsoft.com/office/2006/documentManagement/types"/>
-    <ds:schemaRef ds:uri="http://purl.org/dc/dcmitype/"/>
-    <ds:schemaRef ds:uri="http://schemas.microsoft.com/office/infopath/2007/PartnerControls"/>
-    <ds:schemaRef ds:uri="http://schemas.openxmlformats.org/package/2006/metadata/core-properties"/>
-    <ds:schemaRef ds:uri="546d9947-4387-4d11-affd-66848ef54e55"/>
-  </ds:schemaRefs>
-</ds:datastoreItem>
 </file>
--- a/Thesis_outline.pptx
+++ b/Thesis_outline.pptx
@@ -5,7 +5,7 @@
     <p:sldMasterId id="2147483648" r:id="rId4"/>
   </p:sldMasterIdLst>
   <p:notesMasterIdLst>
-    <p:notesMasterId r:id="rId20"/>
+    <p:notesMasterId r:id="rId27"/>
   </p:notesMasterIdLst>
   <p:sldIdLst>
     <p:sldId id="257" r:id="rId5"/>
@@ -19,10 +19,17 @@
     <p:sldId id="274" r:id="rId13"/>
     <p:sldId id="273" r:id="rId14"/>
     <p:sldId id="281" r:id="rId15"/>
-    <p:sldId id="280" r:id="rId16"/>
-    <p:sldId id="275" r:id="rId17"/>
-    <p:sldId id="279" r:id="rId18"/>
-    <p:sldId id="282" r:id="rId19"/>
+    <p:sldId id="285" r:id="rId16"/>
+    <p:sldId id="280" r:id="rId17"/>
+    <p:sldId id="275" r:id="rId18"/>
+    <p:sldId id="279" r:id="rId19"/>
+    <p:sldId id="282" r:id="rId20"/>
+    <p:sldId id="284" r:id="rId21"/>
+    <p:sldId id="286" r:id="rId22"/>
+    <p:sldId id="289" r:id="rId23"/>
+    <p:sldId id="290" r:id="rId24"/>
+    <p:sldId id="288" r:id="rId25"/>
+    <p:sldId id="283" r:id="rId26"/>
   </p:sldIdLst>
   <p:sldSz cx="12192000" cy="6858000"/>
   <p:notesSz cx="6858000" cy="9144000"/>
@@ -594,7 +601,7 @@
           </a:ln>
           <a:extLst>
             <a:ext uri="{C572A759-6A51-4108-AA02-DFA0A04FC94B}">
-              <ma14:wrappingTextBoxFlag xmlns:ma14="http://schemas.microsoft.com/office/mac/drawingml/2011/main" xmlns:a14="http://schemas.microsoft.com/office/drawing/2010/main" xmlns:m="http://schemas.openxmlformats.org/officeDocument/2006/math" xmlns="" val="1"/>
+              <ma14:wrappingTextBoxFlag xmlns="" xmlns:m="http://schemas.openxmlformats.org/officeDocument/2006/math" xmlns:a14="http://schemas.microsoft.com/office/drawing/2010/main" xmlns:ma14="http://schemas.microsoft.com/office/mac/drawingml/2011/main" val="1"/>
             </a:ext>
           </a:extLst>
         </p:spPr>
@@ -775,7 +782,7 @@
           </a:ln>
           <a:extLst>
             <a:ext uri="{C572A759-6A51-4108-AA02-DFA0A04FC94B}">
-              <ma14:wrappingTextBoxFlag xmlns:ma14="http://schemas.microsoft.com/office/mac/drawingml/2011/main" xmlns:a14="http://schemas.microsoft.com/office/drawing/2010/main" xmlns:m="http://schemas.openxmlformats.org/officeDocument/2006/math" xmlns="" val="1"/>
+              <ma14:wrappingTextBoxFlag xmlns="" xmlns:m="http://schemas.openxmlformats.org/officeDocument/2006/math" xmlns:a14="http://schemas.microsoft.com/office/drawing/2010/main" xmlns:ma14="http://schemas.microsoft.com/office/mac/drawingml/2011/main" val="1"/>
             </a:ext>
           </a:extLst>
         </p:spPr>
@@ -3636,7 +3643,7 @@
           </a:ln>
           <a:extLst>
             <a:ext uri="{C572A759-6A51-4108-AA02-DFA0A04FC94B}">
-              <ma14:wrappingTextBoxFlag xmlns:ma14="http://schemas.microsoft.com/office/mac/drawingml/2011/main" xmlns:a14="http://schemas.microsoft.com/office/drawing/2010/main" xmlns:m="http://schemas.openxmlformats.org/officeDocument/2006/math" xmlns="" val="1"/>
+              <ma14:wrappingTextBoxFlag xmlns="" xmlns:m="http://schemas.openxmlformats.org/officeDocument/2006/math" xmlns:a14="http://schemas.microsoft.com/office/drawing/2010/main" xmlns:ma14="http://schemas.microsoft.com/office/mac/drawingml/2011/main" val="1"/>
             </a:ext>
           </a:extLst>
         </p:spPr>
@@ -5451,7 +5458,7 @@
           </a:ln>
           <a:extLst>
             <a:ext uri="{C572A759-6A51-4108-AA02-DFA0A04FC94B}">
-              <ma14:wrappingTextBoxFlag xmlns:ma14="http://schemas.microsoft.com/office/mac/drawingml/2011/main" xmlns:a14="http://schemas.microsoft.com/office/drawing/2010/main" xmlns:m="http://schemas.openxmlformats.org/officeDocument/2006/math" xmlns="" val="1"/>
+              <ma14:wrappingTextBoxFlag xmlns="" xmlns:m="http://schemas.openxmlformats.org/officeDocument/2006/math" xmlns:a14="http://schemas.microsoft.com/office/drawing/2010/main" xmlns:ma14="http://schemas.microsoft.com/office/mac/drawingml/2011/main" val="1"/>
             </a:ext>
           </a:extLst>
         </p:spPr>
@@ -5514,7 +5521,7 @@
           </a:ln>
           <a:extLst>
             <a:ext uri="{C572A759-6A51-4108-AA02-DFA0A04FC94B}">
-              <ma14:wrappingTextBoxFlag xmlns:ma14="http://schemas.microsoft.com/office/mac/drawingml/2011/main" xmlns:a14="http://schemas.microsoft.com/office/drawing/2010/main" xmlns:m="http://schemas.openxmlformats.org/officeDocument/2006/math" xmlns="" val="1"/>
+              <ma14:wrappingTextBoxFlag xmlns="" xmlns:m="http://schemas.openxmlformats.org/officeDocument/2006/math" xmlns:a14="http://schemas.microsoft.com/office/drawing/2010/main" xmlns:ma14="http://schemas.microsoft.com/office/mac/drawingml/2011/main" val="1"/>
             </a:ext>
           </a:extLst>
         </p:spPr>
@@ -6351,7 +6358,7 @@
           </a:ln>
           <a:extLst>
             <a:ext uri="{C572A759-6A51-4108-AA02-DFA0A04FC94B}">
-              <ma14:wrappingTextBoxFlag xmlns:ma14="http://schemas.microsoft.com/office/mac/drawingml/2011/main" xmlns:a14="http://schemas.microsoft.com/office/drawing/2010/main" xmlns:m="http://schemas.openxmlformats.org/officeDocument/2006/math" xmlns="" val="1"/>
+              <ma14:wrappingTextBoxFlag xmlns="" xmlns:m="http://schemas.openxmlformats.org/officeDocument/2006/math" xmlns:a14="http://schemas.microsoft.com/office/drawing/2010/main" xmlns:ma14="http://schemas.microsoft.com/office/mac/drawingml/2011/main" val="1"/>
             </a:ext>
           </a:extLst>
         </p:spPr>
@@ -7412,6 +7419,129 @@
           <p:cNvPr id="2" name="Title 1">
             <a:extLst>
               <a:ext uri="{FF2B5EF4-FFF2-40B4-BE49-F238E27FC236}">
+                <a16:creationId xmlns:a16="http://schemas.microsoft.com/office/drawing/2014/main" id="{B121135B-DCD8-0C1B-1F89-AA69682DAC86}"/>
+              </a:ext>
+            </a:extLst>
+          </p:cNvPr>
+          <p:cNvSpPr>
+            <a:spLocks noGrp="1"/>
+          </p:cNvSpPr>
+          <p:nvPr>
+            <p:ph type="title"/>
+          </p:nvPr>
+        </p:nvSpPr>
+        <p:spPr/>
+        <p:txBody>
+          <a:bodyPr/>
+          <a:lstStyle/>
+          <a:p>
+            <a:r>
+              <a:rPr lang="en-US" dirty="0"/>
+              <a:t> </a:t>
+            </a:r>
+          </a:p>
+        </p:txBody>
+      </p:sp>
+      <p:sp>
+        <p:nvSpPr>
+          <p:cNvPr id="3" name="Text Placeholder 2">
+            <a:extLst>
+              <a:ext uri="{FF2B5EF4-FFF2-40B4-BE49-F238E27FC236}">
+                <a16:creationId xmlns:a16="http://schemas.microsoft.com/office/drawing/2014/main" id="{A9A4BE4C-78B0-6A14-71A4-05E600CACF3E}"/>
+              </a:ext>
+            </a:extLst>
+          </p:cNvPr>
+          <p:cNvSpPr>
+            <a:spLocks noGrp="1"/>
+          </p:cNvSpPr>
+          <p:nvPr>
+            <p:ph type="body" idx="1"/>
+          </p:nvPr>
+        </p:nvSpPr>
+        <p:spPr/>
+        <p:txBody>
+          <a:bodyPr/>
+          <a:lstStyle/>
+          <a:p>
+            <a:r>
+              <a:rPr lang="en-US" dirty="0"/>
+              <a:t>Based on the road adhesion coefficient for slippery/Icy conditions, vehicle mass distribution, tire cornering, and longitudinal stiffness coefficients - &gt;  determine the maximum lateral and longitudinal accelerations for different trajectories during a lane change maneuver. </a:t>
+            </a:r>
+          </a:p>
+          <a:p>
+            <a:endParaRPr lang="en-US" dirty="0"/>
+          </a:p>
+          <a:p>
+            <a:r>
+              <a:rPr lang="en-US" dirty="0"/>
+              <a:t>Cubic polynomial </a:t>
+            </a:r>
+          </a:p>
+          <a:p>
+            <a:r>
+              <a:rPr lang="en-US" dirty="0"/>
+              <a:t>Sigmoid based </a:t>
+            </a:r>
+          </a:p>
+          <a:p>
+            <a:r>
+              <a:rPr lang="en-US" dirty="0"/>
+              <a:t>Bezier curve based ( cubic, quintic)</a:t>
+            </a:r>
+          </a:p>
+          <a:p>
+            <a:r>
+              <a:rPr lang="en-US" dirty="0"/>
+              <a:t>Cosine function </a:t>
+            </a:r>
+          </a:p>
+          <a:p>
+            <a:endParaRPr lang="en-US" dirty="0"/>
+          </a:p>
+          <a:p>
+            <a:endParaRPr lang="en-US" dirty="0"/>
+          </a:p>
+          <a:p>
+            <a:endParaRPr lang="en-US" dirty="0"/>
+          </a:p>
+        </p:txBody>
+      </p:sp>
+    </p:spTree>
+    <p:extLst>
+      <p:ext uri="{BB962C8B-B14F-4D97-AF65-F5344CB8AC3E}">
+        <p14:creationId xmlns:p14="http://schemas.microsoft.com/office/powerpoint/2010/main" val="992568742"/>
+      </p:ext>
+    </p:extLst>
+  </p:cSld>
+  <p:clrMapOvr>
+    <a:masterClrMapping/>
+  </p:clrMapOvr>
+  <p:transition spd="med"/>
+</p:sld>
+</file>
+
+<file path=ppt/slides/slide13.xml><?xml version="1.0" encoding="utf-8"?>
+<p:sld xmlns:a="http://schemas.openxmlformats.org/drawingml/2006/main" xmlns:r="http://schemas.openxmlformats.org/officeDocument/2006/relationships" xmlns:p="http://schemas.openxmlformats.org/presentationml/2006/main">
+  <p:cSld>
+    <p:spTree>
+      <p:nvGrpSpPr>
+        <p:cNvPr id="1" name=""/>
+        <p:cNvGrpSpPr/>
+        <p:nvPr/>
+      </p:nvGrpSpPr>
+      <p:grpSpPr>
+        <a:xfrm>
+          <a:off x="0" y="0"/>
+          <a:ext cx="0" cy="0"/>
+          <a:chOff x="0" y="0"/>
+          <a:chExt cx="0" cy="0"/>
+        </a:xfrm>
+      </p:grpSpPr>
+      <p:sp>
+        <p:nvSpPr>
+          <p:cNvPr id="2" name="Title 1">
+            <a:extLst>
+              <a:ext uri="{FF2B5EF4-FFF2-40B4-BE49-F238E27FC236}">
                 <a16:creationId xmlns:a16="http://schemas.microsoft.com/office/drawing/2014/main" id="{D157E193-DBDB-45C7-8E13-D82F040BF0AA}"/>
               </a:ext>
             </a:extLst>
@@ -7428,7 +7558,10 @@
           <a:bodyPr/>
           <a:lstStyle/>
           <a:p>
-            <a:endParaRPr lang="en-US"/>
+            <a:r>
+              <a:rPr lang="en-US" dirty="0"/>
+              <a:t>Ideas</a:t>
+            </a:r>
           </a:p>
         </p:txBody>
       </p:sp>
@@ -7506,7 +7639,7 @@
         </p:nvSpPr>
         <p:spPr>
           <a:xfrm>
-            <a:off x="633551" y="1244186"/>
+            <a:off x="633551" y="1065318"/>
             <a:ext cx="8110550" cy="369328"/>
           </a:xfrm>
           <a:prstGeom prst="rect">
@@ -7589,8 +7722,8 @@
         </p:nvSpPr>
         <p:spPr>
           <a:xfrm>
-            <a:off x="5140171" y="1967978"/>
-            <a:ext cx="5308845" cy="646327"/>
+            <a:off x="473124" y="5948964"/>
+            <a:ext cx="4215702" cy="646327"/>
           </a:xfrm>
           <a:prstGeom prst="rect">
             <a:avLst/>
@@ -7657,6 +7790,96 @@
           </a:p>
         </p:txBody>
       </p:sp>
+      <p:pic>
+        <p:nvPicPr>
+          <p:cNvPr id="3" name="Picture 2">
+            <a:extLst>
+              <a:ext uri="{FF2B5EF4-FFF2-40B4-BE49-F238E27FC236}">
+                <a16:creationId xmlns:a16="http://schemas.microsoft.com/office/drawing/2014/main" id="{C1B167FA-87BB-D20C-469E-A9CE643CA695}"/>
+              </a:ext>
+            </a:extLst>
+          </p:cNvPr>
+          <p:cNvPicPr>
+            <a:picLocks noChangeAspect="1"/>
+          </p:cNvPicPr>
+          <p:nvPr/>
+        </p:nvPicPr>
+        <p:blipFill>
+          <a:blip r:embed="rId4"/>
+          <a:stretch>
+            <a:fillRect/>
+          </a:stretch>
+        </p:blipFill>
+        <p:spPr>
+          <a:xfrm>
+            <a:off x="4379332" y="1456666"/>
+            <a:ext cx="2969321" cy="2864811"/>
+          </a:xfrm>
+          <a:prstGeom prst="rect">
+            <a:avLst/>
+          </a:prstGeom>
+        </p:spPr>
+      </p:pic>
+      <p:pic>
+        <p:nvPicPr>
+          <p:cNvPr id="5" name="Picture 4">
+            <a:extLst>
+              <a:ext uri="{FF2B5EF4-FFF2-40B4-BE49-F238E27FC236}">
+                <a16:creationId xmlns:a16="http://schemas.microsoft.com/office/drawing/2014/main" id="{754EA214-4C1A-E856-01A8-0D8E5FA0B34E}"/>
+              </a:ext>
+            </a:extLst>
+          </p:cNvPr>
+          <p:cNvPicPr>
+            <a:picLocks noChangeAspect="1"/>
+          </p:cNvPicPr>
+          <p:nvPr/>
+        </p:nvPicPr>
+        <p:blipFill>
+          <a:blip r:embed="rId5"/>
+          <a:stretch>
+            <a:fillRect/>
+          </a:stretch>
+        </p:blipFill>
+        <p:spPr>
+          <a:xfrm>
+            <a:off x="7651491" y="1680812"/>
+            <a:ext cx="3886200" cy="2606160"/>
+          </a:xfrm>
+          <a:prstGeom prst="rect">
+            <a:avLst/>
+          </a:prstGeom>
+        </p:spPr>
+      </p:pic>
+      <p:pic>
+        <p:nvPicPr>
+          <p:cNvPr id="6" name="Picture 5">
+            <a:extLst>
+              <a:ext uri="{FF2B5EF4-FFF2-40B4-BE49-F238E27FC236}">
+                <a16:creationId xmlns:a16="http://schemas.microsoft.com/office/drawing/2014/main" id="{4E9B7E4B-B034-0341-F32D-7C582BB3F25D}"/>
+              </a:ext>
+            </a:extLst>
+          </p:cNvPr>
+          <p:cNvPicPr>
+            <a:picLocks noChangeAspect="1"/>
+          </p:cNvPicPr>
+          <p:nvPr/>
+        </p:nvPicPr>
+        <p:blipFill>
+          <a:blip r:embed="rId6"/>
+          <a:stretch>
+            <a:fillRect/>
+          </a:stretch>
+        </p:blipFill>
+        <p:spPr>
+          <a:xfrm>
+            <a:off x="4584441" y="4579669"/>
+            <a:ext cx="3067050" cy="2187316"/>
+          </a:xfrm>
+          <a:prstGeom prst="rect">
+            <a:avLst/>
+          </a:prstGeom>
+        </p:spPr>
+      </p:pic>
     </p:spTree>
     <p:extLst>
       <p:ext uri="{BB962C8B-B14F-4D97-AF65-F5344CB8AC3E}">
@@ -7671,7 +7894,7 @@
 </p:sld>
 </file>
 
-<file path=ppt/slides/slide13.xml><?xml version="1.0" encoding="utf-8"?>
+<file path=ppt/slides/slide14.xml><?xml version="1.0" encoding="utf-8"?>
 <p:sld xmlns:a="http://schemas.openxmlformats.org/drawingml/2006/main" xmlns:r="http://schemas.openxmlformats.org/officeDocument/2006/relationships" xmlns:p="http://schemas.openxmlformats.org/presentationml/2006/main">
   <p:cSld>
     <p:spTree>
@@ -7737,58 +7960,9 @@
         </p:spPr>
         <p:txBody>
           <a:bodyPr>
-            <a:normAutofit fontScale="92500" lnSpcReduction="10000"/>
+            <a:normAutofit/>
           </a:bodyPr>
           <a:lstStyle/>
-          <a:p>
-            <a:r>
-              <a:rPr lang="en-US" sz="1200" b="1" dirty="0">
-                <a:latin typeface="Times New Roman" panose="02020603050405020304" pitchFamily="18" charset="0"/>
-                <a:cs typeface="Times New Roman" panose="02020603050405020304" pitchFamily="18" charset="0"/>
-              </a:rPr>
-              <a:t>Horiuchi S, Okada K, </a:t>
-            </a:r>
-            <a:r>
-              <a:rPr lang="en-US" sz="1200" b="1" dirty="0" err="1">
-                <a:latin typeface="Times New Roman" panose="02020603050405020304" pitchFamily="18" charset="0"/>
-                <a:cs typeface="Times New Roman" panose="02020603050405020304" pitchFamily="18" charset="0"/>
-              </a:rPr>
-              <a:t>Nohtomi</a:t>
-            </a:r>
-            <a:r>
-              <a:rPr lang="en-US" sz="1200" b="1" dirty="0">
-                <a:latin typeface="Times New Roman" panose="02020603050405020304" pitchFamily="18" charset="0"/>
-                <a:cs typeface="Times New Roman" panose="02020603050405020304" pitchFamily="18" charset="0"/>
-              </a:rPr>
-              <a:t> S. Model-based validation procedure for the certification of advanced chassis control systems. Vehicle System Dynamics. 2010;48(sup1):393–409. Available from: https://</a:t>
-            </a:r>
-            <a:r>
-              <a:rPr lang="en-US" sz="1200" b="1" dirty="0" err="1">
-                <a:latin typeface="Times New Roman" panose="02020603050405020304" pitchFamily="18" charset="0"/>
-                <a:cs typeface="Times New Roman" panose="02020603050405020304" pitchFamily="18" charset="0"/>
-              </a:rPr>
-              <a:t>doi.org</a:t>
-            </a:r>
-            <a:r>
-              <a:rPr lang="en-US" sz="1200" b="1" dirty="0">
-                <a:latin typeface="Times New Roman" panose="02020603050405020304" pitchFamily="18" charset="0"/>
-                <a:cs typeface="Times New Roman" panose="02020603050405020304" pitchFamily="18" charset="0"/>
-              </a:rPr>
-              <a:t>/10.1080/ 00423111003777780</a:t>
-            </a:r>
-          </a:p>
-          <a:p>
-            <a:pPr marL="0" indent="0">
-              <a:buNone/>
-            </a:pPr>
-            <a:r>
-              <a:rPr lang="en-US" sz="1200" dirty="0">
-                <a:latin typeface="Times New Roman" panose="02020603050405020304" pitchFamily="18" charset="0"/>
-                <a:cs typeface="Times New Roman" panose="02020603050405020304" pitchFamily="18" charset="0"/>
-              </a:rPr>
-              <a:t>To verify vehicle dynamics control algorithms, the evaluation of the static properties by constrained bifurcation and continuum analysis and (2) the evaluation of the dynamic properties by the optimization-based worst-case seeking. In the first method, the stability of equilibrium points for varying parameters are analyzed, thus creating limits of operation for the analyzed system. In the second approach, the optimal control theory is applied to maximize deviations from desired response outputs by seeking the worst possible combination of inputs. These both methods rely on the same underlying system description and are useful to understand the boundaries of the controlled vehicle subsystem from inputs to the VMC and actuator layers.</a:t>
-            </a:r>
-          </a:p>
           <a:p>
             <a:pPr marL="0" indent="0">
               <a:buNone/>
@@ -7797,85 +7971,6 @@
               <a:latin typeface="Times New Roman" panose="02020603050405020304" pitchFamily="18" charset="0"/>
               <a:cs typeface="Times New Roman" panose="02020603050405020304" pitchFamily="18" charset="0"/>
             </a:endParaRPr>
-          </a:p>
-          <a:p>
-            <a:pPr algn="l" fontAlgn="base"/>
-            <a:r>
-              <a:rPr lang="en-US" sz="1200" b="1" i="0" dirty="0">
-                <a:solidFill>
-                  <a:srgbClr val="1A1A1A"/>
-                </a:solidFill>
-                <a:effectLst/>
-                <a:latin typeface="Times New Roman" panose="02020603050405020304" pitchFamily="18" charset="0"/>
-                <a:cs typeface="Times New Roman" panose="02020603050405020304" pitchFamily="18" charset="0"/>
-              </a:rPr>
-              <a:t>Sahoo, S, Subramanian, SC, &amp; Srivastava, S. "Sensitivity Analysis of Vehicle Parameters for Heading Angle Control of an Unmanned Ground Vehicle." </a:t>
-            </a:r>
-            <a:r>
-              <a:rPr lang="en-US" sz="1200" b="1" i="1" dirty="0">
-                <a:solidFill>
-                  <a:srgbClr val="1A1A1A"/>
-                </a:solidFill>
-                <a:effectLst/>
-                <a:latin typeface="Times New Roman" panose="02020603050405020304" pitchFamily="18" charset="0"/>
-                <a:cs typeface="Times New Roman" panose="02020603050405020304" pitchFamily="18" charset="0"/>
-              </a:rPr>
-              <a:t>Proceedings of the ASME 2014 International Mechanical Engineering Congress and Exposition</a:t>
-            </a:r>
-            <a:r>
-              <a:rPr lang="en-US" sz="1200" b="1" i="0" dirty="0">
-                <a:solidFill>
-                  <a:srgbClr val="1A1A1A"/>
-                </a:solidFill>
-                <a:effectLst/>
-                <a:latin typeface="Times New Roman" panose="02020603050405020304" pitchFamily="18" charset="0"/>
-                <a:cs typeface="Times New Roman" panose="02020603050405020304" pitchFamily="18" charset="0"/>
-              </a:rPr>
-              <a:t>. </a:t>
-            </a:r>
-            <a:r>
-              <a:rPr lang="en-US" sz="1200" b="1" i="1" dirty="0">
-                <a:solidFill>
-                  <a:srgbClr val="1A1A1A"/>
-                </a:solidFill>
-                <a:effectLst/>
-                <a:latin typeface="Times New Roman" panose="02020603050405020304" pitchFamily="18" charset="0"/>
-                <a:cs typeface="Times New Roman" panose="02020603050405020304" pitchFamily="18" charset="0"/>
-              </a:rPr>
-              <a:t>Volume 12: Transportation Systems</a:t>
-            </a:r>
-            <a:r>
-              <a:rPr lang="en-US" sz="1200" b="1" i="0" dirty="0">
-                <a:solidFill>
-                  <a:srgbClr val="1A1A1A"/>
-                </a:solidFill>
-                <a:effectLst/>
-                <a:latin typeface="Times New Roman" panose="02020603050405020304" pitchFamily="18" charset="0"/>
-                <a:cs typeface="Times New Roman" panose="02020603050405020304" pitchFamily="18" charset="0"/>
-              </a:rPr>
-              <a:t>. Montreal, Quebec, Canada. November 14–20, 2014. V012T15A022. ASME.</a:t>
-            </a:r>
-            <a:br>
-              <a:rPr lang="en-US" sz="1200" b="1" i="0" dirty="0">
-                <a:solidFill>
-                  <a:srgbClr val="1A1A1A"/>
-                </a:solidFill>
-                <a:effectLst/>
-                <a:latin typeface="Times New Roman" panose="02020603050405020304" pitchFamily="18" charset="0"/>
-                <a:cs typeface="Times New Roman" panose="02020603050405020304" pitchFamily="18" charset="0"/>
-              </a:rPr>
-            </a:br>
-            <a:r>
-              <a:rPr lang="en-US" sz="1200" b="0" i="0" dirty="0">
-                <a:solidFill>
-                  <a:srgbClr val="1A1A1A"/>
-                </a:solidFill>
-                <a:effectLst/>
-                <a:latin typeface="Times New Roman" panose="02020603050405020304" pitchFamily="18" charset="0"/>
-                <a:cs typeface="Times New Roman" panose="02020603050405020304" pitchFamily="18" charset="0"/>
-              </a:rPr>
-              <a:t>A realistic mathematical model of the vehicle considering the steering actuator dynamics has been developed by calculating the cornering stiffnesses from the basic tire information and the vertical load on each tire.  Sensitivity analysis has been carried out to check the robustness and stability of the controller by varying the cornering stiffness of tires, the most uncertain parameter. </a:t>
-            </a:r>
           </a:p>
           <a:p>
             <a:pPr algn="l" fontAlgn="base"/>
@@ -7886,86 +7981,6 @@
               <a:latin typeface="Times New Roman" panose="02020603050405020304" pitchFamily="18" charset="0"/>
               <a:cs typeface="Times New Roman" panose="02020603050405020304" pitchFamily="18" charset="0"/>
             </a:endParaRPr>
-          </a:p>
-          <a:p>
-            <a:pPr algn="l" fontAlgn="base"/>
-            <a:r>
-              <a:rPr lang="en-US" sz="1200" b="1" i="1" dirty="0">
-                <a:solidFill>
-                  <a:srgbClr val="1A1A1A"/>
-                </a:solidFill>
-                <a:effectLst/>
-                <a:latin typeface="Times New Roman" panose="02020603050405020304" pitchFamily="18" charset="0"/>
-                <a:cs typeface="Times New Roman" panose="02020603050405020304" pitchFamily="18" charset="0"/>
-              </a:rPr>
-              <a:t>Steinbock, N, </a:t>
-            </a:r>
-            <a:r>
-              <a:rPr lang="en-US" sz="1200" b="1" i="1" dirty="0" err="1">
-                <a:solidFill>
-                  <a:srgbClr val="1A1A1A"/>
-                </a:solidFill>
-                <a:effectLst/>
-                <a:latin typeface="Times New Roman" panose="02020603050405020304" pitchFamily="18" charset="0"/>
-                <a:cs typeface="Times New Roman" panose="02020603050405020304" pitchFamily="18" charset="0"/>
-              </a:rPr>
-              <a:t>Prange</a:t>
-            </a:r>
-            <a:r>
-              <a:rPr lang="en-US" sz="1200" b="1" i="1" dirty="0">
-                <a:solidFill>
-                  <a:srgbClr val="1A1A1A"/>
-                </a:solidFill>
-                <a:effectLst/>
-                <a:latin typeface="Times New Roman" panose="02020603050405020304" pitchFamily="18" charset="0"/>
-                <a:cs typeface="Times New Roman" panose="02020603050405020304" pitchFamily="18" charset="0"/>
-              </a:rPr>
-              <a:t>, L, &amp; Fabien, BC. "Active Torque Vectoring in High Speed Lane Change Maneuvers." Proceedings of the ASME 2016 International Mechanical Engineering Congress and Exposition. Volume 4B: Dynamics, Vibration, and Control. Phoenix, Arizona, USA. November 11–17, 2016. V04BT05A034. ASME</a:t>
-            </a:r>
-          </a:p>
-          <a:p>
-            <a:pPr marL="0" indent="0" algn="l" fontAlgn="base">
-              <a:buNone/>
-            </a:pPr>
-            <a:r>
-              <a:rPr lang="en-US" sz="1200" b="0" i="0" dirty="0">
-                <a:solidFill>
-                  <a:srgbClr val="1A1A1A"/>
-                </a:solidFill>
-                <a:effectLst/>
-                <a:latin typeface="Times New Roman" panose="02020603050405020304" pitchFamily="18" charset="0"/>
-                <a:cs typeface="Times New Roman" panose="02020603050405020304" pitchFamily="18" charset="0"/>
-              </a:rPr>
-              <a:t>We would like to increase the yaw and lateral accelerations that the vehicle can perform safely by controlling differing torques out of the two motors. Regulating these accelerations requires a control strategy over the left and right motor torques. Equal-torque control of the electric motors will be used as a baseline</a:t>
-            </a:r>
-            <a:endParaRPr lang="en-US" sz="1200" dirty="0">
-              <a:latin typeface="Times New Roman" panose="02020603050405020304" pitchFamily="18" charset="0"/>
-              <a:cs typeface="Times New Roman" panose="02020603050405020304" pitchFamily="18" charset="0"/>
-            </a:endParaRPr>
-          </a:p>
-          <a:p>
-            <a:pPr marL="0" indent="0">
-              <a:buNone/>
-            </a:pPr>
-            <a:r>
-              <a:rPr lang="en-US" sz="1200" b="1" i="1" dirty="0">
-                <a:latin typeface="Times New Roman" panose="02020603050405020304" pitchFamily="18" charset="0"/>
-                <a:cs typeface="Times New Roman" panose="02020603050405020304" pitchFamily="18" charset="0"/>
-              </a:rPr>
-              <a:t>Snider JM, et al. Automatic steering methods for autonomous automobile path tracking. Robotics Institute, Pittsburgh, PA, Tech Rep CMU-RITR-09-08. 2009;</a:t>
-            </a:r>
-          </a:p>
-          <a:p>
-            <a:pPr marL="0" indent="0">
-              <a:buNone/>
-            </a:pPr>
-            <a:r>
-              <a:rPr lang="en-US" sz="1200" dirty="0">
-                <a:latin typeface="Times New Roman" panose="02020603050405020304" pitchFamily="18" charset="0"/>
-                <a:cs typeface="Times New Roman" panose="02020603050405020304" pitchFamily="18" charset="0"/>
-              </a:rPr>
-              <a:t>Several lane change tests have been performed at different velocities, for value of lateral acceleration ranging from 1 to 6 m/s2 . The results of these experiments show that, at low velocities, by increasing lateral acceleration, the path tracking accuracy increase. But at higher velocities (e.g. 20 m/s), the controller performances and robustness drastically decrease. This is due to the fact that this control approach does not take into account some vehicle dynamics that can not be neglected at high velocities.</a:t>
-            </a:r>
           </a:p>
           <a:p>
             <a:pPr marL="0" indent="0">
@@ -8158,7 +8173,7 @@
 </p:sld>
 </file>
 
-<file path=ppt/slides/slide14.xml><?xml version="1.0" encoding="utf-8"?>
+<file path=ppt/slides/slide15.xml><?xml version="1.0" encoding="utf-8"?>
 <p:sld xmlns:a="http://schemas.openxmlformats.org/drawingml/2006/main" xmlns:r="http://schemas.openxmlformats.org/officeDocument/2006/relationships" xmlns:p="http://schemas.openxmlformats.org/presentationml/2006/main">
   <p:cSld>
     <p:spTree>
@@ -8202,7 +8217,7 @@
               <a:buNone/>
             </a:pPr>
             <a:r>
-              <a:rPr lang="en-US" sz="1200" b="1" i="1" dirty="0">
+              <a:rPr lang="en-US" sz="1600" b="1" i="1" dirty="0">
                 <a:effectLst/>
               </a:rPr>
               <a:t>Lane-Change Model and Tracking Control for Autonomous Vehicles on Curved Highway Sections in Rainy Weather</a:t>
@@ -8213,7 +8228,7 @@
               <a:buNone/>
             </a:pPr>
             <a:r>
-              <a:rPr lang="en-US" sz="1200" dirty="0">
+              <a:rPr lang="en-US" sz="1600" b="1" dirty="0">
                 <a:solidFill>
                   <a:srgbClr val="000000"/>
                 </a:solidFill>
@@ -8221,7 +8236,7 @@
               <a:t>		</a:t>
             </a:r>
             <a:r>
-              <a:rPr lang="en-US" sz="1200" b="0" i="0" dirty="0">
+              <a:rPr lang="en-US" sz="1600" b="1" i="0" dirty="0">
                 <a:solidFill>
                   <a:srgbClr val="000000"/>
                 </a:solidFill>
@@ -8230,7 +8245,7 @@
               <a:t>Tao Peng,</a:t>
             </a:r>
             <a:r>
-              <a:rPr lang="en-US" sz="1200" b="0" i="0" baseline="30000" dirty="0">
+              <a:rPr lang="en-US" sz="1600" b="1" i="0" baseline="30000" dirty="0">
                 <a:solidFill>
                   <a:srgbClr val="000000"/>
                 </a:solidFill>
@@ -8239,7 +8254,7 @@
               <a:t>1,2</a:t>
             </a:r>
             <a:r>
-              <a:rPr lang="en-US" sz="1200" b="0" i="0" dirty="0">
+              <a:rPr lang="en-US" sz="1600" b="1" i="0" dirty="0">
                 <a:solidFill>
                   <a:srgbClr val="000000"/>
                 </a:solidFill>
@@ -8248,7 +8263,7 @@
               <a:t>Li-li Su,</a:t>
             </a:r>
             <a:r>
-              <a:rPr lang="en-US" sz="1200" b="0" i="0" baseline="30000" dirty="0">
+              <a:rPr lang="en-US" sz="1600" b="1" i="0" baseline="30000" dirty="0">
                 <a:solidFill>
                   <a:srgbClr val="000000"/>
                 </a:solidFill>
@@ -8257,25 +8272,16 @@
               <a:t>3</a:t>
             </a:r>
             <a:r>
-              <a:rPr lang="en-US" sz="1200" b="1" i="0" dirty="0">
+              <a:rPr lang="en-US" sz="1600" b="1" i="0" dirty="0">
                 <a:solidFill>
                   <a:srgbClr val="000000"/>
                 </a:solidFill>
                 <a:effectLst/>
               </a:rPr>
-              <a:t>Zhi-wei Guan</a:t>
-            </a:r>
-            <a:r>
-              <a:rPr lang="en-US" sz="1200" b="0" i="0" dirty="0">
-                <a:solidFill>
-                  <a:srgbClr val="000000"/>
-                </a:solidFill>
-                <a:effectLst/>
-              </a:rPr>
-              <a:t>,</a:t>
-            </a:r>
-            <a:r>
-              <a:rPr lang="en-US" sz="1200" b="0" i="0" baseline="30000" dirty="0">
+              <a:t>Zhi-wei Guan,</a:t>
+            </a:r>
+            <a:r>
+              <a:rPr lang="en-US" sz="1600" b="1" i="0" baseline="30000" dirty="0">
                 <a:solidFill>
                   <a:srgbClr val="000000"/>
                 </a:solidFill>
@@ -8284,7 +8290,7 @@
               <a:t>4</a:t>
             </a:r>
             <a:r>
-              <a:rPr lang="en-US" sz="1200" b="0" i="0" dirty="0">
+              <a:rPr lang="en-US" sz="1600" b="1" i="0" dirty="0">
                 <a:solidFill>
                   <a:srgbClr val="000000"/>
                 </a:solidFill>
@@ -8293,7 +8299,7 @@
               <a:t>Hai-jing Hou,</a:t>
             </a:r>
             <a:r>
-              <a:rPr lang="en-US" sz="1200" b="0" i="0" baseline="30000" dirty="0">
+              <a:rPr lang="en-US" sz="1600" b="1" i="0" baseline="30000" dirty="0">
                 <a:solidFill>
                   <a:srgbClr val="000000"/>
                 </a:solidFill>
@@ -8302,7 +8308,7 @@
               <a:t>1</a:t>
             </a:r>
             <a:r>
-              <a:rPr lang="en-US" sz="1200" b="0" i="0" dirty="0">
+              <a:rPr lang="en-US" sz="1600" b="1" i="0" dirty="0">
                 <a:solidFill>
                   <a:srgbClr val="000000"/>
                 </a:solidFill>
@@ -8311,7 +8317,7 @@
               <a:t>Jun-kai Li,</a:t>
             </a:r>
             <a:r>
-              <a:rPr lang="en-US" sz="1200" b="0" i="0" baseline="30000" dirty="0">
+              <a:rPr lang="en-US" sz="1600" b="1" i="0" baseline="30000" dirty="0">
                 <a:solidFill>
                   <a:srgbClr val="000000"/>
                 </a:solidFill>
@@ -8320,7 +8326,7 @@
               <a:t>5</a:t>
             </a:r>
             <a:r>
-              <a:rPr lang="en-US" sz="1200" b="0" i="0" dirty="0">
+              <a:rPr lang="en-US" sz="1600" b="1" i="0" dirty="0">
                 <a:solidFill>
                   <a:srgbClr val="000000"/>
                 </a:solidFill>
@@ -8329,7 +8335,7 @@
               <a:t>Xing-liang Liu,</a:t>
             </a:r>
             <a:r>
-              <a:rPr lang="en-US" sz="1200" b="0" i="0" baseline="30000" dirty="0">
+              <a:rPr lang="en-US" sz="1600" b="1" i="0" baseline="30000" dirty="0">
                 <a:solidFill>
                   <a:srgbClr val="000000"/>
                 </a:solidFill>
@@ -8338,7 +8344,7 @@
               <a:t>3</a:t>
             </a:r>
             <a:r>
-              <a:rPr lang="en-US" sz="1200" b="0" i="0" dirty="0">
+              <a:rPr lang="en-US" sz="1600" b="1" i="0" dirty="0">
                 <a:solidFill>
                   <a:srgbClr val="000000"/>
                 </a:solidFill>
@@ -8347,7 +8353,7 @@
               <a:t>and Yi-</a:t>
             </a:r>
             <a:r>
-              <a:rPr lang="en-US" sz="1200" b="0" i="0" dirty="0" err="1">
+              <a:rPr lang="en-US" sz="1600" b="1" i="0" dirty="0" err="1">
                 <a:solidFill>
                   <a:srgbClr val="000000"/>
                 </a:solidFill>
@@ -8356,7 +8362,7 @@
               <a:t>ke</a:t>
             </a:r>
             <a:r>
-              <a:rPr lang="en-US" sz="1200" b="0" i="0" dirty="0">
+              <a:rPr lang="en-US" sz="1600" b="1" i="0" dirty="0">
                 <a:solidFill>
                   <a:srgbClr val="000000"/>
                 </a:solidFill>
@@ -8365,7 +8371,7 @@
               <a:t> Tong</a:t>
             </a:r>
             <a:r>
-              <a:rPr lang="en-US" sz="1200" b="0" i="0" baseline="30000" dirty="0">
+              <a:rPr lang="en-US" sz="1600" b="1" i="0" baseline="30000" dirty="0">
                 <a:solidFill>
                   <a:srgbClr val="000000"/>
                 </a:solidFill>
@@ -8373,7 +8379,7 @@
               </a:rPr>
               <a:t>6</a:t>
             </a:r>
-            <a:endParaRPr lang="en-US" sz="1200" b="0" i="0" dirty="0">
+            <a:endParaRPr lang="en-US" sz="1600" b="1" i="0" dirty="0">
               <a:solidFill>
                 <a:srgbClr val="000000"/>
               </a:solidFill>
@@ -8439,7 +8445,7 @@
         </p:blipFill>
         <p:spPr>
           <a:xfrm>
-            <a:off x="848211" y="2583711"/>
+            <a:off x="838200" y="2730278"/>
             <a:ext cx="4817187" cy="3019647"/>
           </a:xfrm>
           <a:prstGeom prst="rect">
@@ -8461,7 +8467,7 @@
         </p:nvSpPr>
         <p:spPr>
           <a:xfrm>
-            <a:off x="6096000" y="2873077"/>
+            <a:off x="6096000" y="2950021"/>
             <a:ext cx="5108457" cy="1384995"/>
           </a:xfrm>
           <a:prstGeom prst="rect">
@@ -8541,7 +8547,7 @@
 </p:sld>
 </file>
 
-<file path=ppt/slides/slide15.xml><?xml version="1.0" encoding="utf-8"?>
+<file path=ppt/slides/slide16.xml><?xml version="1.0" encoding="utf-8"?>
 <p:sld xmlns:a="http://schemas.openxmlformats.org/drawingml/2006/main" xmlns:r="http://schemas.openxmlformats.org/officeDocument/2006/relationships" xmlns:p="http://schemas.openxmlformats.org/presentationml/2006/main">
   <p:cSld>
     <p:spTree>
@@ -8667,7 +8673,7 @@
         <p:spPr>
           <a:xfrm>
             <a:off x="5441212" y="2271787"/>
-            <a:ext cx="6097772" cy="584775"/>
+            <a:ext cx="6097772" cy="2554545"/>
           </a:xfrm>
           <a:prstGeom prst="rect">
             <a:avLst/>
@@ -8704,11 +8710,261 @@
                   <a:srgbClr val="333333"/>
                 </a:solidFill>
                 <a:effectLst/>
-                <a:latin typeface="Georgia" panose="02040502050405020303" pitchFamily="18" charset="0"/>
+                <a:latin typeface="Times New Roman" panose="02020603050405020304" pitchFamily="18" charset="0"/>
+                <a:cs typeface="Times New Roman" panose="02020603050405020304" pitchFamily="18" charset="0"/>
               </a:rPr>
-              <a:t>Use of a sigmoid function to avoid the obstacle and the use of a rolling horizon to plan for a decomposed area of the path</a:t>
-            </a:r>
-            <a:endParaRPr lang="en-US" sz="1600" dirty="0"/>
+              <a:t>Use of a configurable sigmoid function to generate a </a:t>
+            </a:r>
+            <a:r>
+              <a:rPr lang="en-US" sz="1600" dirty="0">
+                <a:solidFill>
+                  <a:srgbClr val="333333"/>
+                </a:solidFill>
+                <a:latin typeface="Times New Roman" panose="02020603050405020304" pitchFamily="18" charset="0"/>
+                <a:cs typeface="Times New Roman" panose="02020603050405020304" pitchFamily="18" charset="0"/>
+              </a:rPr>
+              <a:t>path to </a:t>
+            </a:r>
+            <a:r>
+              <a:rPr lang="en-US" sz="1600" b="0" i="0" dirty="0">
+                <a:solidFill>
+                  <a:srgbClr val="333333"/>
+                </a:solidFill>
+                <a:effectLst/>
+                <a:latin typeface="Times New Roman" panose="02020603050405020304" pitchFamily="18" charset="0"/>
+                <a:cs typeface="Times New Roman" panose="02020603050405020304" pitchFamily="18" charset="0"/>
+              </a:rPr>
+              <a:t>avoid the obstacle and the use of a rolling horizon to plan for a decomposed area of the path.</a:t>
+            </a:r>
+          </a:p>
+          <a:p>
+            <a:endParaRPr lang="en-US" sz="1600" dirty="0">
+              <a:solidFill>
+                <a:srgbClr val="333333"/>
+              </a:solidFill>
+              <a:latin typeface="Times New Roman" panose="02020603050405020304" pitchFamily="18" charset="0"/>
+              <a:cs typeface="Times New Roman" panose="02020603050405020304" pitchFamily="18" charset="0"/>
+            </a:endParaRPr>
+          </a:p>
+          <a:p>
+            <a:r>
+              <a:rPr lang="en-US" sz="1600" dirty="0">
+                <a:effectLst/>
+                <a:latin typeface="Times New Roman" panose="02020603050405020304" pitchFamily="18" charset="0"/>
+                <a:cs typeface="Times New Roman" panose="02020603050405020304" pitchFamily="18" charset="0"/>
+              </a:rPr>
+              <a:t>Each horizon is calculated and updated at each step </a:t>
+            </a:r>
+            <a:endParaRPr lang="en-US" sz="1600" dirty="0">
+              <a:latin typeface="Times New Roman" panose="02020603050405020304" pitchFamily="18" charset="0"/>
+              <a:cs typeface="Times New Roman" panose="02020603050405020304" pitchFamily="18" charset="0"/>
+            </a:endParaRPr>
+          </a:p>
+          <a:p>
+            <a:endParaRPr lang="en-US" sz="1600" b="0" i="0" dirty="0">
+              <a:solidFill>
+                <a:srgbClr val="333333"/>
+              </a:solidFill>
+              <a:effectLst/>
+              <a:latin typeface="Times New Roman" panose="02020603050405020304" pitchFamily="18" charset="0"/>
+              <a:cs typeface="Times New Roman" panose="02020603050405020304" pitchFamily="18" charset="0"/>
+            </a:endParaRPr>
+          </a:p>
+          <a:p>
+            <a:endParaRPr lang="en-US" sz="1600" dirty="0">
+              <a:solidFill>
+                <a:srgbClr val="333333"/>
+              </a:solidFill>
+              <a:latin typeface="Times New Roman" panose="02020603050405020304" pitchFamily="18" charset="0"/>
+              <a:cs typeface="Times New Roman" panose="02020603050405020304" pitchFamily="18" charset="0"/>
+            </a:endParaRPr>
+          </a:p>
+          <a:p>
+            <a:r>
+              <a:rPr lang="en-US" sz="1600" dirty="0">
+                <a:latin typeface="Times New Roman" panose="02020603050405020304" pitchFamily="18" charset="0"/>
+                <a:cs typeface="Times New Roman" panose="02020603050405020304" pitchFamily="18" charset="0"/>
+              </a:rPr>
+              <a:t>Pros: R</a:t>
+            </a:r>
+            <a:r>
+              <a:rPr lang="en-US" sz="1600" b="0" dirty="0">
+                <a:effectLst/>
+                <a:latin typeface="Times New Roman" panose="02020603050405020304" pitchFamily="18" charset="0"/>
+                <a:cs typeface="Times New Roman" panose="02020603050405020304" pitchFamily="18" charset="0"/>
+              </a:rPr>
+              <a:t>eactivity to the obstacle motion and the generation of a smooth trajectory in a low execution time </a:t>
+            </a:r>
+            <a:endParaRPr lang="en-US" sz="1600" dirty="0">
+              <a:latin typeface="Times New Roman" panose="02020603050405020304" pitchFamily="18" charset="0"/>
+              <a:cs typeface="Times New Roman" panose="02020603050405020304" pitchFamily="18" charset="0"/>
+            </a:endParaRPr>
+          </a:p>
+          <a:p>
+            <a:endParaRPr lang="en-US" sz="1600" dirty="0">
+              <a:latin typeface="Times New Roman" panose="02020603050405020304" pitchFamily="18" charset="0"/>
+              <a:cs typeface="Times New Roman" panose="02020603050405020304" pitchFamily="18" charset="0"/>
+            </a:endParaRPr>
+          </a:p>
+        </p:txBody>
+      </p:sp>
+      <p:sp>
+        <p:nvSpPr>
+          <p:cNvPr id="3" name="TextBox 2">
+            <a:extLst>
+              <a:ext uri="{FF2B5EF4-FFF2-40B4-BE49-F238E27FC236}">
+                <a16:creationId xmlns:a16="http://schemas.microsoft.com/office/drawing/2014/main" id="{B342C60C-54A4-3207-5555-2310C84FAE40}"/>
+              </a:ext>
+            </a:extLst>
+          </p:cNvPr>
+          <p:cNvSpPr txBox="1"/>
+          <p:nvPr/>
+        </p:nvSpPr>
+        <p:spPr>
+          <a:xfrm>
+            <a:off x="524107" y="961798"/>
+            <a:ext cx="10369705" cy="646331"/>
+          </a:xfrm>
+          <a:prstGeom prst="rect">
+            <a:avLst/>
+          </a:prstGeom>
+          <a:noFill/>
+          <a:ln w="12700" cap="flat">
+            <a:noFill/>
+            <a:miter lim="400000"/>
+          </a:ln>
+          <a:effectLst/>
+          <a:sp3d/>
+        </p:spPr>
+        <p:style>
+          <a:lnRef idx="0">
+            <a:scrgbClr r="0" g="0" b="0"/>
+          </a:lnRef>
+          <a:fillRef idx="0">
+            <a:scrgbClr r="0" g="0" b="0"/>
+          </a:fillRef>
+          <a:effectRef idx="0">
+            <a:scrgbClr r="0" g="0" b="0"/>
+          </a:effectRef>
+          <a:fontRef idx="none"/>
+        </p:style>
+        <p:txBody>
+          <a:bodyPr wrap="square">
+            <a:spAutoFit/>
+          </a:bodyPr>
+          <a:lstStyle/>
+          <a:p>
+            <a:r>
+              <a:rPr lang="en-US" sz="1200" b="1" i="0" dirty="0">
+                <a:solidFill>
+                  <a:srgbClr val="333333"/>
+                </a:solidFill>
+                <a:effectLst/>
+                <a:latin typeface="Arial" panose="020B0604020202020204" pitchFamily="34" charset="0"/>
+              </a:rPr>
+              <a:t>W. Ben-</a:t>
+            </a:r>
+            <a:r>
+              <a:rPr lang="en-US" sz="1200" b="1" i="0" dirty="0" err="1">
+                <a:solidFill>
+                  <a:srgbClr val="333333"/>
+                </a:solidFill>
+                <a:effectLst/>
+                <a:latin typeface="Arial" panose="020B0604020202020204" pitchFamily="34" charset="0"/>
+              </a:rPr>
+              <a:t>Messaoud</a:t>
+            </a:r>
+            <a:r>
+              <a:rPr lang="en-US" sz="1200" b="1" i="0" dirty="0">
+                <a:solidFill>
+                  <a:srgbClr val="333333"/>
+                </a:solidFill>
+                <a:effectLst/>
+                <a:latin typeface="Arial" panose="020B0604020202020204" pitchFamily="34" charset="0"/>
+              </a:rPr>
+              <a:t>, M. Basset, J. -P. </a:t>
+            </a:r>
+            <a:r>
+              <a:rPr lang="en-US" sz="1200" b="1" i="0" dirty="0" err="1">
+                <a:solidFill>
+                  <a:srgbClr val="333333"/>
+                </a:solidFill>
+                <a:effectLst/>
+                <a:latin typeface="Arial" panose="020B0604020202020204" pitchFamily="34" charset="0"/>
+              </a:rPr>
+              <a:t>Lauffenburger</a:t>
+            </a:r>
+            <a:r>
+              <a:rPr lang="en-US" sz="1200" b="1" i="0" dirty="0">
+                <a:solidFill>
+                  <a:srgbClr val="333333"/>
+                </a:solidFill>
+                <a:effectLst/>
+                <a:latin typeface="Arial" panose="020B0604020202020204" pitchFamily="34" charset="0"/>
+              </a:rPr>
+              <a:t> and R. </a:t>
+            </a:r>
+            <a:r>
+              <a:rPr lang="en-US" sz="1200" b="1" i="0" dirty="0" err="1">
+                <a:solidFill>
+                  <a:srgbClr val="333333"/>
+                </a:solidFill>
+                <a:effectLst/>
+                <a:latin typeface="Arial" panose="020B0604020202020204" pitchFamily="34" charset="0"/>
+              </a:rPr>
+              <a:t>Orjuela</a:t>
+            </a:r>
+            <a:r>
+              <a:rPr lang="en-US" sz="1200" b="1" i="0" dirty="0">
+                <a:solidFill>
+                  <a:srgbClr val="333333"/>
+                </a:solidFill>
+                <a:effectLst/>
+                <a:latin typeface="Arial" panose="020B0604020202020204" pitchFamily="34" charset="0"/>
+              </a:rPr>
+              <a:t>, "Smooth Obstacle Avoidance Path Planning for Autonomous Vehicles," </a:t>
+            </a:r>
+            <a:r>
+              <a:rPr lang="en-US" sz="1200" b="1" i="1" dirty="0">
+                <a:solidFill>
+                  <a:srgbClr val="333333"/>
+                </a:solidFill>
+                <a:effectLst/>
+                <a:latin typeface="Arial" panose="020B0604020202020204" pitchFamily="34" charset="0"/>
+              </a:rPr>
+              <a:t>2018 IEEE International Conference on Vehicular Electronics and Safety (ICVES)</a:t>
+            </a:r>
+            <a:r>
+              <a:rPr lang="en-US" sz="1200" b="1" i="0" dirty="0">
+                <a:solidFill>
+                  <a:srgbClr val="333333"/>
+                </a:solidFill>
+                <a:effectLst/>
+                <a:latin typeface="Arial" panose="020B0604020202020204" pitchFamily="34" charset="0"/>
+              </a:rPr>
+              <a:t>, Madrid, Spain, 2018, pp. 1-6, </a:t>
+            </a:r>
+            <a:r>
+              <a:rPr lang="en-US" sz="1200" b="1" i="0" dirty="0" err="1">
+                <a:solidFill>
+                  <a:srgbClr val="333333"/>
+                </a:solidFill>
+                <a:effectLst/>
+                <a:latin typeface="Arial" panose="020B0604020202020204" pitchFamily="34" charset="0"/>
+              </a:rPr>
+              <a:t>doi</a:t>
+            </a:r>
+            <a:r>
+              <a:rPr lang="en-US" sz="1200" b="1" i="0" dirty="0">
+                <a:solidFill>
+                  <a:srgbClr val="333333"/>
+                </a:solidFill>
+                <a:effectLst/>
+                <a:latin typeface="Arial" panose="020B0604020202020204" pitchFamily="34" charset="0"/>
+              </a:rPr>
+              <a:t>: 10.1109/ICVES.2018.8519525.</a:t>
+            </a:r>
+            <a:endParaRPr lang="en-US" sz="1200" b="1" dirty="0"/>
           </a:p>
         </p:txBody>
       </p:sp>
@@ -8716,6 +8972,1445 @@
     <p:extLst>
       <p:ext uri="{BB962C8B-B14F-4D97-AF65-F5344CB8AC3E}">
         <p14:creationId xmlns:p14="http://schemas.microsoft.com/office/powerpoint/2010/main" val="3532390588"/>
+      </p:ext>
+    </p:extLst>
+  </p:cSld>
+  <p:clrMapOvr>
+    <a:masterClrMapping/>
+  </p:clrMapOvr>
+  <p:transition spd="med"/>
+</p:sld>
+</file>
+
+<file path=ppt/slides/slide17.xml><?xml version="1.0" encoding="utf-8"?>
+<p:sld xmlns:a="http://schemas.openxmlformats.org/drawingml/2006/main" xmlns:r="http://schemas.openxmlformats.org/officeDocument/2006/relationships" xmlns:p="http://schemas.openxmlformats.org/presentationml/2006/main">
+  <p:cSld>
+    <p:spTree>
+      <p:nvGrpSpPr>
+        <p:cNvPr id="1" name=""/>
+        <p:cNvGrpSpPr/>
+        <p:nvPr/>
+      </p:nvGrpSpPr>
+      <p:grpSpPr>
+        <a:xfrm>
+          <a:off x="0" y="0"/>
+          <a:ext cx="0" cy="0"/>
+          <a:chOff x="0" y="0"/>
+          <a:chExt cx="0" cy="0"/>
+        </a:xfrm>
+      </p:grpSpPr>
+      <p:sp>
+        <p:nvSpPr>
+          <p:cNvPr id="3" name="Text Placeholder 2">
+            <a:extLst>
+              <a:ext uri="{FF2B5EF4-FFF2-40B4-BE49-F238E27FC236}">
+                <a16:creationId xmlns:a16="http://schemas.microsoft.com/office/drawing/2014/main" id="{27E990DD-3D4D-D131-B69A-0D75DD4ACADE}"/>
+              </a:ext>
+            </a:extLst>
+          </p:cNvPr>
+          <p:cNvSpPr>
+            <a:spLocks noGrp="1"/>
+          </p:cNvSpPr>
+          <p:nvPr>
+            <p:ph type="body" idx="1"/>
+          </p:nvPr>
+        </p:nvSpPr>
+        <p:spPr>
+          <a:xfrm>
+            <a:off x="525965" y="1018865"/>
+            <a:ext cx="10515600" cy="5068888"/>
+          </a:xfrm>
+        </p:spPr>
+        <p:txBody>
+          <a:bodyPr/>
+          <a:lstStyle/>
+          <a:p>
+            <a:pPr marL="0" indent="0">
+              <a:buNone/>
+            </a:pPr>
+            <a:r>
+              <a:rPr lang="en-US" sz="1800" dirty="0">
+                <a:effectLst/>
+                <a:latin typeface="Times New Roman,Bold" pitchFamily="2" charset="0"/>
+              </a:rPr>
+              <a:t>Lane Change Maneuver based on Bezier Curve providing Comfort Experience for Autonomous Vehicle Users </a:t>
+            </a:r>
+            <a:endParaRPr lang="en-US" dirty="0"/>
+          </a:p>
+          <a:p>
+            <a:pPr marL="0" indent="0">
+              <a:buNone/>
+            </a:pPr>
+            <a:r>
+              <a:rPr lang="en-US" sz="1800" dirty="0">
+                <a:effectLst/>
+                <a:latin typeface="Times New Roman" panose="02020603050405020304" pitchFamily="18" charset="0"/>
+              </a:rPr>
+              <a:t>    	  Il Bae1, </a:t>
+            </a:r>
+            <a:r>
+              <a:rPr lang="en-US" sz="1800" dirty="0" err="1">
+                <a:effectLst/>
+                <a:latin typeface="Times New Roman" panose="02020603050405020304" pitchFamily="18" charset="0"/>
+              </a:rPr>
+              <a:t>Jin</a:t>
+            </a:r>
+            <a:r>
+              <a:rPr lang="en-US" sz="1800" dirty="0">
+                <a:effectLst/>
+                <a:latin typeface="Times New Roman" panose="02020603050405020304" pitchFamily="18" charset="0"/>
+              </a:rPr>
+              <a:t> Hyo Kim2, </a:t>
+            </a:r>
+            <a:r>
+              <a:rPr lang="en-US" sz="1800" dirty="0" err="1">
+                <a:effectLst/>
+                <a:latin typeface="Times New Roman" panose="02020603050405020304" pitchFamily="18" charset="0"/>
+              </a:rPr>
+              <a:t>Jaeyoung</a:t>
+            </a:r>
+            <a:r>
+              <a:rPr lang="en-US" sz="1800" dirty="0">
+                <a:effectLst/>
+                <a:latin typeface="Times New Roman" panose="02020603050405020304" pitchFamily="18" charset="0"/>
+              </a:rPr>
+              <a:t> Moon1 and Shiho Kim1, </a:t>
+            </a:r>
+            <a:r>
+              <a:rPr lang="en-US" sz="1800" dirty="0">
+                <a:effectLst/>
+                <a:latin typeface="Times New Roman,Italic" pitchFamily="2" charset="0"/>
+              </a:rPr>
+              <a:t>Member, IEEE </a:t>
+            </a:r>
+            <a:endParaRPr lang="en-US" dirty="0"/>
+          </a:p>
+          <a:p>
+            <a:pPr marL="0" indent="0">
+              <a:buNone/>
+            </a:pPr>
+            <a:r>
+              <a:rPr lang="en-US" sz="1800" dirty="0">
+                <a:latin typeface="Times New Roman" panose="02020603050405020304" pitchFamily="18" charset="0"/>
+              </a:rPr>
+              <a:t>P</a:t>
+            </a:r>
+            <a:r>
+              <a:rPr lang="en-US" sz="1800" dirty="0">
+                <a:effectLst/>
+                <a:latin typeface="Times New Roman" panose="02020603050405020304" pitchFamily="18" charset="0"/>
+              </a:rPr>
+              <a:t>roposed an LCM algorithm based on evaluating the expected maximum lateral acceleration using the curvature of a Bezier curve and following the generated trajectory. </a:t>
+            </a:r>
+            <a:endParaRPr lang="en-US" dirty="0"/>
+          </a:p>
+          <a:p>
+            <a:endParaRPr lang="en-US" dirty="0"/>
+          </a:p>
+        </p:txBody>
+      </p:sp>
+      <p:sp>
+        <p:nvSpPr>
+          <p:cNvPr id="7" name="TextBox 6">
+            <a:extLst>
+              <a:ext uri="{FF2B5EF4-FFF2-40B4-BE49-F238E27FC236}">
+                <a16:creationId xmlns:a16="http://schemas.microsoft.com/office/drawing/2014/main" id="{299B587A-900B-4F9F-6F65-0C850263D74D}"/>
+              </a:ext>
+            </a:extLst>
+          </p:cNvPr>
+          <p:cNvSpPr txBox="1"/>
+          <p:nvPr/>
+        </p:nvSpPr>
+        <p:spPr>
+          <a:xfrm>
+            <a:off x="7487685" y="2644873"/>
+            <a:ext cx="4704315" cy="1477323"/>
+          </a:xfrm>
+          <a:prstGeom prst="rect">
+            <a:avLst/>
+          </a:prstGeom>
+          <a:noFill/>
+          <a:ln w="12700" cap="flat">
+            <a:noFill/>
+            <a:miter lim="400000"/>
+          </a:ln>
+          <a:effectLst/>
+          <a:sp3d/>
+        </p:spPr>
+        <p:style>
+          <a:lnRef idx="0">
+            <a:scrgbClr r="0" g="0" b="0"/>
+          </a:lnRef>
+          <a:fillRef idx="0">
+            <a:scrgbClr r="0" g="0" b="0"/>
+          </a:fillRef>
+          <a:effectRef idx="0">
+            <a:scrgbClr r="0" g="0" b="0"/>
+          </a:effectRef>
+          <a:fontRef idx="none"/>
+        </p:style>
+        <p:txBody>
+          <a:bodyPr rot="0" spcFirstLastPara="1" vertOverflow="overflow" horzOverflow="overflow" vert="horz" wrap="square" lIns="45718" tIns="45718" rIns="45718" bIns="45718" numCol="1" spcCol="38100" rtlCol="0" anchor="t">
+            <a:spAutoFit/>
+          </a:bodyPr>
+          <a:lstStyle/>
+          <a:p>
+            <a:pPr marL="0" marR="0" indent="0" algn="l" defTabSz="457200" rtl="0" fontAlgn="auto" latinLnBrk="0" hangingPunct="0">
+              <a:lnSpc>
+                <a:spcPct val="100000"/>
+              </a:lnSpc>
+              <a:spcBef>
+                <a:spcPts val="0"/>
+              </a:spcBef>
+              <a:spcAft>
+                <a:spcPts val="0"/>
+              </a:spcAft>
+              <a:buClrTx/>
+              <a:buSzTx/>
+              <a:buFontTx/>
+              <a:buNone/>
+              <a:tabLst/>
+            </a:pPr>
+            <a:r>
+              <a:rPr kumimoji="0" lang="en-US" sz="1800" b="0" i="0" u="none" strike="noStrike" cap="none" spc="0" normalizeH="0" baseline="0" dirty="0">
+                <a:ln>
+                  <a:noFill/>
+                </a:ln>
+                <a:solidFill>
+                  <a:srgbClr val="000000"/>
+                </a:solidFill>
+                <a:effectLst/>
+                <a:uFillTx/>
+                <a:latin typeface="Times New Roman" panose="02020603050405020304" pitchFamily="18" charset="0"/>
+                <a:cs typeface="Times New Roman" panose="02020603050405020304" pitchFamily="18" charset="0"/>
+                <a:sym typeface="Calibri"/>
+              </a:rPr>
+              <a:t>Used a linear bicycle model</a:t>
+            </a:r>
+          </a:p>
+          <a:p>
+            <a:pPr marL="0" marR="0" indent="0" algn="l" defTabSz="457200" rtl="0" fontAlgn="auto" latinLnBrk="0" hangingPunct="0">
+              <a:lnSpc>
+                <a:spcPct val="100000"/>
+              </a:lnSpc>
+              <a:spcBef>
+                <a:spcPts val="0"/>
+              </a:spcBef>
+              <a:spcAft>
+                <a:spcPts val="0"/>
+              </a:spcAft>
+              <a:buClrTx/>
+              <a:buSzTx/>
+              <a:buFontTx/>
+              <a:buNone/>
+              <a:tabLst/>
+            </a:pPr>
+            <a:endParaRPr lang="en-US" dirty="0">
+              <a:latin typeface="Times New Roman" panose="02020603050405020304" pitchFamily="18" charset="0"/>
+              <a:cs typeface="Times New Roman" panose="02020603050405020304" pitchFamily="18" charset="0"/>
+            </a:endParaRPr>
+          </a:p>
+          <a:p>
+            <a:pPr marL="0" marR="0" indent="0" algn="l" defTabSz="457200" rtl="0" fontAlgn="auto" latinLnBrk="0" hangingPunct="0">
+              <a:lnSpc>
+                <a:spcPct val="100000"/>
+              </a:lnSpc>
+              <a:spcBef>
+                <a:spcPts val="0"/>
+              </a:spcBef>
+              <a:spcAft>
+                <a:spcPts val="0"/>
+              </a:spcAft>
+              <a:buClrTx/>
+              <a:buSzTx/>
+              <a:buFontTx/>
+              <a:buNone/>
+              <a:tabLst/>
+            </a:pPr>
+            <a:r>
+              <a:rPr kumimoji="0" lang="en-US" sz="1800" b="0" i="0" u="none" strike="noStrike" cap="none" spc="0" normalizeH="0" baseline="0" dirty="0">
+                <a:ln>
+                  <a:noFill/>
+                </a:ln>
+                <a:solidFill>
+                  <a:srgbClr val="000000"/>
+                </a:solidFill>
+                <a:effectLst/>
+                <a:uFillTx/>
+                <a:latin typeface="Times New Roman" panose="02020603050405020304" pitchFamily="18" charset="0"/>
+                <a:cs typeface="Times New Roman" panose="02020603050405020304" pitchFamily="18" charset="0"/>
+                <a:sym typeface="Calibri"/>
+              </a:rPr>
+              <a:t>No motor dynamics</a:t>
+            </a:r>
+          </a:p>
+          <a:p>
+            <a:pPr marL="0" marR="0" indent="0" algn="l" defTabSz="457200" rtl="0" fontAlgn="auto" latinLnBrk="0" hangingPunct="0">
+              <a:lnSpc>
+                <a:spcPct val="100000"/>
+              </a:lnSpc>
+              <a:spcBef>
+                <a:spcPts val="0"/>
+              </a:spcBef>
+              <a:spcAft>
+                <a:spcPts val="0"/>
+              </a:spcAft>
+              <a:buClrTx/>
+              <a:buSzTx/>
+              <a:buFontTx/>
+              <a:buNone/>
+              <a:tabLst/>
+            </a:pPr>
+            <a:r>
+              <a:rPr lang="en-US" dirty="0">
+                <a:latin typeface="Times New Roman" panose="02020603050405020304" pitchFamily="18" charset="0"/>
+                <a:cs typeface="Times New Roman" panose="02020603050405020304" pitchFamily="18" charset="0"/>
+              </a:rPr>
+              <a:t>No steer dynamics (Ackermann steering)</a:t>
+            </a:r>
+          </a:p>
+          <a:p>
+            <a:pPr marL="0" marR="0" indent="0" algn="l" defTabSz="457200" rtl="0" fontAlgn="auto" latinLnBrk="0" hangingPunct="0">
+              <a:lnSpc>
+                <a:spcPct val="100000"/>
+              </a:lnSpc>
+              <a:spcBef>
+                <a:spcPts val="0"/>
+              </a:spcBef>
+              <a:spcAft>
+                <a:spcPts val="0"/>
+              </a:spcAft>
+              <a:buClrTx/>
+              <a:buSzTx/>
+              <a:buFontTx/>
+              <a:buNone/>
+              <a:tabLst/>
+            </a:pPr>
+            <a:r>
+              <a:rPr lang="en-US" dirty="0">
+                <a:latin typeface="Times New Roman" panose="02020603050405020304" pitchFamily="18" charset="0"/>
+                <a:cs typeface="Times New Roman" panose="02020603050405020304" pitchFamily="18" charset="0"/>
+              </a:rPr>
+              <a:t>No variation in adhesion coefficients</a:t>
+            </a:r>
+            <a:endParaRPr kumimoji="0" lang="en-US" sz="1800" b="0" i="0" u="none" strike="noStrike" cap="none" spc="0" normalizeH="0" baseline="0" dirty="0">
+              <a:ln>
+                <a:noFill/>
+              </a:ln>
+              <a:solidFill>
+                <a:srgbClr val="000000"/>
+              </a:solidFill>
+              <a:effectLst/>
+              <a:uFillTx/>
+              <a:latin typeface="Times New Roman" panose="02020603050405020304" pitchFamily="18" charset="0"/>
+              <a:cs typeface="Times New Roman" panose="02020603050405020304" pitchFamily="18" charset="0"/>
+              <a:sym typeface="Calibri"/>
+            </a:endParaRPr>
+          </a:p>
+        </p:txBody>
+      </p:sp>
+      <p:pic>
+        <p:nvPicPr>
+          <p:cNvPr id="8" name="Picture 7">
+            <a:extLst>
+              <a:ext uri="{FF2B5EF4-FFF2-40B4-BE49-F238E27FC236}">
+                <a16:creationId xmlns:a16="http://schemas.microsoft.com/office/drawing/2014/main" id="{E03689A5-8589-B9A0-1A68-79283CDFC3DD}"/>
+              </a:ext>
+            </a:extLst>
+          </p:cNvPr>
+          <p:cNvPicPr>
+            <a:picLocks noChangeAspect="1"/>
+          </p:cNvPicPr>
+          <p:nvPr/>
+        </p:nvPicPr>
+        <p:blipFill>
+          <a:blip r:embed="rId2"/>
+          <a:stretch>
+            <a:fillRect/>
+          </a:stretch>
+        </p:blipFill>
+        <p:spPr>
+          <a:xfrm>
+            <a:off x="2202808" y="5917585"/>
+            <a:ext cx="3424575" cy="786384"/>
+          </a:xfrm>
+          <a:prstGeom prst="rect">
+            <a:avLst/>
+          </a:prstGeom>
+        </p:spPr>
+      </p:pic>
+      <p:pic>
+        <p:nvPicPr>
+          <p:cNvPr id="9" name="Picture 8">
+            <a:extLst>
+              <a:ext uri="{FF2B5EF4-FFF2-40B4-BE49-F238E27FC236}">
+                <a16:creationId xmlns:a16="http://schemas.microsoft.com/office/drawing/2014/main" id="{DE577DB5-D52D-B88E-D416-DA826CEBE710}"/>
+              </a:ext>
+            </a:extLst>
+          </p:cNvPr>
+          <p:cNvPicPr>
+            <a:picLocks noChangeAspect="1"/>
+          </p:cNvPicPr>
+          <p:nvPr/>
+        </p:nvPicPr>
+        <p:blipFill>
+          <a:blip r:embed="rId3"/>
+          <a:stretch>
+            <a:fillRect/>
+          </a:stretch>
+        </p:blipFill>
+        <p:spPr>
+          <a:xfrm>
+            <a:off x="7413438" y="4296069"/>
+            <a:ext cx="2575754" cy="2179939"/>
+          </a:xfrm>
+          <a:prstGeom prst="rect">
+            <a:avLst/>
+          </a:prstGeom>
+        </p:spPr>
+      </p:pic>
+      <p:pic>
+        <p:nvPicPr>
+          <p:cNvPr id="10" name="Picture 9">
+            <a:extLst>
+              <a:ext uri="{FF2B5EF4-FFF2-40B4-BE49-F238E27FC236}">
+                <a16:creationId xmlns:a16="http://schemas.microsoft.com/office/drawing/2014/main" id="{E6A78FC4-D997-63C2-17A6-4CB72F6EC2F8}"/>
+              </a:ext>
+            </a:extLst>
+          </p:cNvPr>
+          <p:cNvPicPr>
+            <a:picLocks noChangeAspect="1"/>
+          </p:cNvPicPr>
+          <p:nvPr/>
+        </p:nvPicPr>
+        <p:blipFill>
+          <a:blip r:embed="rId4"/>
+          <a:stretch>
+            <a:fillRect/>
+          </a:stretch>
+        </p:blipFill>
+        <p:spPr>
+          <a:xfrm>
+            <a:off x="1690388" y="2655543"/>
+            <a:ext cx="3276646" cy="3303357"/>
+          </a:xfrm>
+          <a:prstGeom prst="rect">
+            <a:avLst/>
+          </a:prstGeom>
+        </p:spPr>
+      </p:pic>
+    </p:spTree>
+    <p:extLst>
+      <p:ext uri="{BB962C8B-B14F-4D97-AF65-F5344CB8AC3E}">
+        <p14:creationId xmlns:p14="http://schemas.microsoft.com/office/powerpoint/2010/main" val="3732117730"/>
+      </p:ext>
+    </p:extLst>
+  </p:cSld>
+  <p:clrMapOvr>
+    <a:masterClrMapping/>
+  </p:clrMapOvr>
+  <p:transition spd="med"/>
+</p:sld>
+</file>
+
+<file path=ppt/slides/slide18.xml><?xml version="1.0" encoding="utf-8"?>
+<p:sld xmlns:a="http://schemas.openxmlformats.org/drawingml/2006/main" xmlns:r="http://schemas.openxmlformats.org/officeDocument/2006/relationships" xmlns:p="http://schemas.openxmlformats.org/presentationml/2006/main">
+  <p:cSld>
+    <p:spTree>
+      <p:nvGrpSpPr>
+        <p:cNvPr id="1" name=""/>
+        <p:cNvGrpSpPr/>
+        <p:nvPr/>
+      </p:nvGrpSpPr>
+      <p:grpSpPr>
+        <a:xfrm>
+          <a:off x="0" y="0"/>
+          <a:ext cx="0" cy="0"/>
+          <a:chOff x="0" y="0"/>
+          <a:chExt cx="0" cy="0"/>
+        </a:xfrm>
+      </p:grpSpPr>
+      <p:sp>
+        <p:nvSpPr>
+          <p:cNvPr id="2" name="Title 1">
+            <a:extLst>
+              <a:ext uri="{FF2B5EF4-FFF2-40B4-BE49-F238E27FC236}">
+                <a16:creationId xmlns:a16="http://schemas.microsoft.com/office/drawing/2014/main" id="{D269629B-9909-E2EF-BD46-F730E159DD71}"/>
+              </a:ext>
+            </a:extLst>
+          </p:cNvPr>
+          <p:cNvSpPr>
+            <a:spLocks noGrp="1"/>
+          </p:cNvSpPr>
+          <p:nvPr>
+            <p:ph type="title"/>
+          </p:nvPr>
+        </p:nvSpPr>
+        <p:spPr/>
+        <p:txBody>
+          <a:bodyPr/>
+          <a:lstStyle/>
+          <a:p>
+            <a:endParaRPr lang="en-US"/>
+          </a:p>
+        </p:txBody>
+      </p:sp>
+      <p:sp>
+        <p:nvSpPr>
+          <p:cNvPr id="5" name="TextBox 4">
+            <a:extLst>
+              <a:ext uri="{FF2B5EF4-FFF2-40B4-BE49-F238E27FC236}">
+                <a16:creationId xmlns:a16="http://schemas.microsoft.com/office/drawing/2014/main" id="{78603284-FA15-10AB-217A-EE54CFC96A24}"/>
+              </a:ext>
+            </a:extLst>
+          </p:cNvPr>
+          <p:cNvSpPr txBox="1"/>
+          <p:nvPr/>
+        </p:nvSpPr>
+        <p:spPr>
+          <a:xfrm>
+            <a:off x="822402" y="1117795"/>
+            <a:ext cx="9670895" cy="646331"/>
+          </a:xfrm>
+          <a:prstGeom prst="rect">
+            <a:avLst/>
+          </a:prstGeom>
+          <a:noFill/>
+          <a:ln w="12700" cap="flat">
+            <a:noFill/>
+            <a:miter lim="400000"/>
+          </a:ln>
+          <a:effectLst/>
+          <a:sp3d/>
+        </p:spPr>
+        <p:style>
+          <a:lnRef idx="0">
+            <a:scrgbClr r="0" g="0" b="0"/>
+          </a:lnRef>
+          <a:fillRef idx="0">
+            <a:scrgbClr r="0" g="0" b="0"/>
+          </a:fillRef>
+          <a:effectRef idx="0">
+            <a:scrgbClr r="0" g="0" b="0"/>
+          </a:effectRef>
+          <a:fontRef idx="none"/>
+        </p:style>
+        <p:txBody>
+          <a:bodyPr wrap="square">
+            <a:spAutoFit/>
+          </a:bodyPr>
+          <a:lstStyle/>
+          <a:p>
+            <a:r>
+              <a:rPr lang="en-US" sz="1800" b="1" dirty="0">
+                <a:effectLst/>
+                <a:latin typeface="Times New Roman" panose="02020603050405020304" pitchFamily="18" charset="0"/>
+                <a:cs typeface="Times New Roman" panose="02020603050405020304" pitchFamily="18" charset="0"/>
+              </a:rPr>
+              <a:t>Lane-Changing Trajectory Tracking and Simulation of Autonomous Vehicles Based on Model Predictive Control </a:t>
+            </a:r>
+            <a:endParaRPr lang="en-US" dirty="0">
+              <a:latin typeface="Times New Roman" panose="02020603050405020304" pitchFamily="18" charset="0"/>
+              <a:cs typeface="Times New Roman" panose="02020603050405020304" pitchFamily="18" charset="0"/>
+            </a:endParaRPr>
+          </a:p>
+        </p:txBody>
+      </p:sp>
+      <p:sp>
+        <p:nvSpPr>
+          <p:cNvPr id="7" name="TextBox 6">
+            <a:extLst>
+              <a:ext uri="{FF2B5EF4-FFF2-40B4-BE49-F238E27FC236}">
+                <a16:creationId xmlns:a16="http://schemas.microsoft.com/office/drawing/2014/main" id="{8465E824-D14F-79B1-DBDE-84581846F7A8}"/>
+              </a:ext>
+            </a:extLst>
+          </p:cNvPr>
+          <p:cNvSpPr txBox="1"/>
+          <p:nvPr/>
+        </p:nvSpPr>
+        <p:spPr>
+          <a:xfrm>
+            <a:off x="4178919" y="1440960"/>
+            <a:ext cx="7808641" cy="369332"/>
+          </a:xfrm>
+          <a:prstGeom prst="rect">
+            <a:avLst/>
+          </a:prstGeom>
+          <a:noFill/>
+          <a:ln w="12700" cap="flat">
+            <a:noFill/>
+            <a:miter lim="400000"/>
+          </a:ln>
+          <a:effectLst/>
+          <a:sp3d/>
+        </p:spPr>
+        <p:style>
+          <a:lnRef idx="0">
+            <a:scrgbClr r="0" g="0" b="0"/>
+          </a:lnRef>
+          <a:fillRef idx="0">
+            <a:scrgbClr r="0" g="0" b="0"/>
+          </a:fillRef>
+          <a:effectRef idx="0">
+            <a:scrgbClr r="0" g="0" b="0"/>
+          </a:effectRef>
+          <a:fontRef idx="none"/>
+        </p:style>
+        <p:txBody>
+          <a:bodyPr wrap="square">
+            <a:spAutoFit/>
+          </a:bodyPr>
+          <a:lstStyle/>
+          <a:p>
+            <a:r>
+              <a:rPr lang="en-US" sz="1800" dirty="0">
+                <a:effectLst/>
+                <a:latin typeface="Times New Roman" panose="02020603050405020304" pitchFamily="18" charset="0"/>
+                <a:cs typeface="Times New Roman" panose="02020603050405020304" pitchFamily="18" charset="0"/>
+              </a:rPr>
+              <a:t>Hui Song , Dayi Qu *, Haibing Guo, </a:t>
+            </a:r>
+            <a:r>
+              <a:rPr lang="en-US" sz="1800" dirty="0" err="1">
+                <a:effectLst/>
+                <a:latin typeface="Times New Roman" panose="02020603050405020304" pitchFamily="18" charset="0"/>
+                <a:cs typeface="Times New Roman" panose="02020603050405020304" pitchFamily="18" charset="0"/>
+              </a:rPr>
+              <a:t>Kekun</a:t>
+            </a:r>
+            <a:r>
+              <a:rPr lang="en-US" sz="1800" dirty="0">
+                <a:effectLst/>
+                <a:latin typeface="Times New Roman" panose="02020603050405020304" pitchFamily="18" charset="0"/>
+                <a:cs typeface="Times New Roman" panose="02020603050405020304" pitchFamily="18" charset="0"/>
+              </a:rPr>
+              <a:t> Zhang and Tao Wang </a:t>
+            </a:r>
+            <a:endParaRPr lang="en-US" dirty="0">
+              <a:latin typeface="Times New Roman" panose="02020603050405020304" pitchFamily="18" charset="0"/>
+              <a:cs typeface="Times New Roman" panose="02020603050405020304" pitchFamily="18" charset="0"/>
+            </a:endParaRPr>
+          </a:p>
+        </p:txBody>
+      </p:sp>
+      <p:sp>
+        <p:nvSpPr>
+          <p:cNvPr id="8" name="TextBox 7">
+            <a:extLst>
+              <a:ext uri="{FF2B5EF4-FFF2-40B4-BE49-F238E27FC236}">
+                <a16:creationId xmlns:a16="http://schemas.microsoft.com/office/drawing/2014/main" id="{BAA93EAB-4943-593B-2E3A-91FCBFC237FE}"/>
+              </a:ext>
+            </a:extLst>
+          </p:cNvPr>
+          <p:cNvSpPr txBox="1"/>
+          <p:nvPr/>
+        </p:nvSpPr>
+        <p:spPr>
+          <a:xfrm>
+            <a:off x="735980" y="2133457"/>
+            <a:ext cx="10410859" cy="646327"/>
+          </a:xfrm>
+          <a:prstGeom prst="rect">
+            <a:avLst/>
+          </a:prstGeom>
+          <a:noFill/>
+          <a:ln w="12700" cap="flat">
+            <a:noFill/>
+            <a:miter lim="400000"/>
+          </a:ln>
+          <a:effectLst/>
+          <a:sp3d/>
+        </p:spPr>
+        <p:style>
+          <a:lnRef idx="0">
+            <a:scrgbClr r="0" g="0" b="0"/>
+          </a:lnRef>
+          <a:fillRef idx="0">
+            <a:scrgbClr r="0" g="0" b="0"/>
+          </a:fillRef>
+          <a:effectRef idx="0">
+            <a:scrgbClr r="0" g="0" b="0"/>
+          </a:effectRef>
+          <a:fontRef idx="none"/>
+        </p:style>
+        <p:txBody>
+          <a:bodyPr rot="0" spcFirstLastPara="1" vertOverflow="overflow" horzOverflow="overflow" vert="horz" wrap="none" lIns="45718" tIns="45718" rIns="45718" bIns="45718" numCol="1" spcCol="38100" rtlCol="0" anchor="t">
+            <a:spAutoFit/>
+          </a:bodyPr>
+          <a:lstStyle/>
+          <a:p>
+            <a:pPr marL="285750" marR="0" indent="-285750" algn="l" defTabSz="457200" rtl="0" fontAlgn="auto" latinLnBrk="0" hangingPunct="0">
+              <a:lnSpc>
+                <a:spcPct val="100000"/>
+              </a:lnSpc>
+              <a:spcBef>
+                <a:spcPts val="0"/>
+              </a:spcBef>
+              <a:spcAft>
+                <a:spcPts val="0"/>
+              </a:spcAft>
+              <a:buClrTx/>
+              <a:buSzTx/>
+              <a:buFont typeface="Arial" panose="020B0604020202020204" pitchFamily="34" charset="0"/>
+              <a:buChar char="•"/>
+              <a:tabLst/>
+            </a:pPr>
+            <a:r>
+              <a:rPr kumimoji="0" lang="en-US" sz="1800" b="0" i="0" u="none" strike="noStrike" cap="none" spc="0" normalizeH="0" baseline="0" dirty="0">
+                <a:ln>
+                  <a:noFill/>
+                </a:ln>
+                <a:solidFill>
+                  <a:srgbClr val="000000"/>
+                </a:solidFill>
+                <a:effectLst/>
+                <a:uFillTx/>
+                <a:latin typeface="+mn-lt"/>
+                <a:ea typeface="+mn-ea"/>
+                <a:cs typeface="+mn-cs"/>
+                <a:sym typeface="Calibri"/>
+              </a:rPr>
+              <a:t>MPC controller </a:t>
+            </a:r>
+            <a:r>
+              <a:rPr lang="en-US" dirty="0"/>
+              <a:t>to </a:t>
+            </a:r>
+            <a:r>
+              <a:rPr lang="en-US" b="1" i="1" dirty="0"/>
+              <a:t>track </a:t>
+            </a:r>
+            <a:r>
+              <a:rPr kumimoji="0" lang="en-US" sz="1800" b="1" i="1" u="none" strike="noStrike" cap="none" spc="0" normalizeH="0" baseline="0" dirty="0">
+                <a:ln>
+                  <a:noFill/>
+                </a:ln>
+                <a:solidFill>
+                  <a:srgbClr val="000000"/>
+                </a:solidFill>
+                <a:effectLst/>
+                <a:uFillTx/>
+                <a:latin typeface="+mn-lt"/>
+                <a:ea typeface="+mn-ea"/>
+                <a:cs typeface="+mn-cs"/>
+                <a:sym typeface="Calibri"/>
+              </a:rPr>
+              <a:t>Quintic Bezier </a:t>
+            </a:r>
+            <a:r>
+              <a:rPr kumimoji="0" lang="en-US" sz="1800" b="0" i="0" u="none" strike="noStrike" cap="none" spc="0" normalizeH="0" baseline="0" dirty="0">
+                <a:ln>
+                  <a:noFill/>
+                </a:ln>
+                <a:solidFill>
+                  <a:srgbClr val="000000"/>
+                </a:solidFill>
+                <a:effectLst/>
+                <a:uFillTx/>
+                <a:latin typeface="+mn-lt"/>
+                <a:ea typeface="+mn-ea"/>
+                <a:cs typeface="+mn-cs"/>
+                <a:sym typeface="Calibri"/>
+              </a:rPr>
+              <a:t>curve and validation for different road adhesions and vehicle speeds</a:t>
+            </a:r>
+          </a:p>
+          <a:p>
+            <a:pPr marL="285750" marR="0" indent="-285750" algn="l" defTabSz="457200" rtl="0" fontAlgn="auto" latinLnBrk="0" hangingPunct="0">
+              <a:lnSpc>
+                <a:spcPct val="100000"/>
+              </a:lnSpc>
+              <a:spcBef>
+                <a:spcPts val="0"/>
+              </a:spcBef>
+              <a:spcAft>
+                <a:spcPts val="0"/>
+              </a:spcAft>
+              <a:buClrTx/>
+              <a:buSzTx/>
+              <a:buFont typeface="Arial" panose="020B0604020202020204" pitchFamily="34" charset="0"/>
+              <a:buChar char="•"/>
+              <a:tabLst/>
+            </a:pPr>
+            <a:endParaRPr kumimoji="0" lang="en-US" sz="1800" b="0" i="0" u="none" strike="noStrike" cap="none" spc="0" normalizeH="0" baseline="0" dirty="0">
+              <a:ln>
+                <a:noFill/>
+              </a:ln>
+              <a:solidFill>
+                <a:srgbClr val="000000"/>
+              </a:solidFill>
+              <a:effectLst/>
+              <a:uFillTx/>
+              <a:latin typeface="+mn-lt"/>
+              <a:ea typeface="+mn-ea"/>
+              <a:cs typeface="+mn-cs"/>
+              <a:sym typeface="Calibri"/>
+            </a:endParaRPr>
+          </a:p>
+        </p:txBody>
+      </p:sp>
+      <p:pic>
+        <p:nvPicPr>
+          <p:cNvPr id="9" name="Picture 8">
+            <a:extLst>
+              <a:ext uri="{FF2B5EF4-FFF2-40B4-BE49-F238E27FC236}">
+                <a16:creationId xmlns:a16="http://schemas.microsoft.com/office/drawing/2014/main" id="{913F6E06-B5E9-B188-9FD9-BB8A847A3A44}"/>
+              </a:ext>
+            </a:extLst>
+          </p:cNvPr>
+          <p:cNvPicPr>
+            <a:picLocks noChangeAspect="1"/>
+          </p:cNvPicPr>
+          <p:nvPr/>
+        </p:nvPicPr>
+        <p:blipFill>
+          <a:blip r:embed="rId2"/>
+          <a:stretch>
+            <a:fillRect/>
+          </a:stretch>
+        </p:blipFill>
+        <p:spPr>
+          <a:xfrm>
+            <a:off x="545047" y="2779784"/>
+            <a:ext cx="5396362" cy="2919105"/>
+          </a:xfrm>
+          <a:prstGeom prst="rect">
+            <a:avLst/>
+          </a:prstGeom>
+        </p:spPr>
+      </p:pic>
+      <p:sp>
+        <p:nvSpPr>
+          <p:cNvPr id="10" name="TextBox 9">
+            <a:extLst>
+              <a:ext uri="{FF2B5EF4-FFF2-40B4-BE49-F238E27FC236}">
+                <a16:creationId xmlns:a16="http://schemas.microsoft.com/office/drawing/2014/main" id="{C8B0E1F1-74B8-CCBF-FCAA-D8300A1135CF}"/>
+              </a:ext>
+            </a:extLst>
+          </p:cNvPr>
+          <p:cNvSpPr txBox="1"/>
+          <p:nvPr/>
+        </p:nvSpPr>
+        <p:spPr>
+          <a:xfrm>
+            <a:off x="6434398" y="2471669"/>
+            <a:ext cx="5286058" cy="1477323"/>
+          </a:xfrm>
+          <a:prstGeom prst="rect">
+            <a:avLst/>
+          </a:prstGeom>
+          <a:noFill/>
+          <a:ln w="12700" cap="flat">
+            <a:noFill/>
+            <a:miter lim="400000"/>
+          </a:ln>
+          <a:effectLst/>
+          <a:sp3d/>
+        </p:spPr>
+        <p:style>
+          <a:lnRef idx="0">
+            <a:scrgbClr r="0" g="0" b="0"/>
+          </a:lnRef>
+          <a:fillRef idx="0">
+            <a:scrgbClr r="0" g="0" b="0"/>
+          </a:fillRef>
+          <a:effectRef idx="0">
+            <a:scrgbClr r="0" g="0" b="0"/>
+          </a:effectRef>
+          <a:fontRef idx="none"/>
+        </p:style>
+        <p:txBody>
+          <a:bodyPr rot="0" spcFirstLastPara="1" vertOverflow="overflow" horzOverflow="overflow" vert="horz" wrap="square" lIns="45718" tIns="45718" rIns="45718" bIns="45718" numCol="1" spcCol="38100" rtlCol="0" anchor="t">
+            <a:spAutoFit/>
+          </a:bodyPr>
+          <a:lstStyle/>
+          <a:p>
+            <a:pPr marL="0" marR="0" indent="0" algn="l" defTabSz="457200" rtl="0" fontAlgn="auto" latinLnBrk="0" hangingPunct="0">
+              <a:lnSpc>
+                <a:spcPct val="100000"/>
+              </a:lnSpc>
+              <a:spcBef>
+                <a:spcPts val="0"/>
+              </a:spcBef>
+              <a:spcAft>
+                <a:spcPts val="0"/>
+              </a:spcAft>
+              <a:buClrTx/>
+              <a:buSzTx/>
+              <a:buFontTx/>
+              <a:buNone/>
+              <a:tabLst/>
+            </a:pPr>
+            <a:r>
+              <a:rPr lang="en-US" dirty="0"/>
+              <a:t>Considered</a:t>
+            </a:r>
+            <a:r>
+              <a:rPr kumimoji="0" lang="en-US" sz="1800" b="0" i="0" u="none" strike="noStrike" cap="none" spc="0" normalizeH="0" baseline="0" dirty="0">
+                <a:ln>
+                  <a:noFill/>
+                </a:ln>
+                <a:solidFill>
+                  <a:srgbClr val="000000"/>
+                </a:solidFill>
+                <a:effectLst/>
+                <a:uFillTx/>
+                <a:latin typeface="+mn-lt"/>
+                <a:ea typeface="+mn-ea"/>
+                <a:cs typeface="+mn-cs"/>
+                <a:sym typeface="Calibri"/>
+              </a:rPr>
+              <a:t> the ground adhesion (friction limits) for the</a:t>
+            </a:r>
+          </a:p>
+          <a:p>
+            <a:pPr marL="0" marR="0" indent="0" algn="l" defTabSz="457200" rtl="0" fontAlgn="auto" latinLnBrk="0" hangingPunct="0">
+              <a:lnSpc>
+                <a:spcPct val="100000"/>
+              </a:lnSpc>
+              <a:spcBef>
+                <a:spcPts val="0"/>
+              </a:spcBef>
+              <a:spcAft>
+                <a:spcPts val="0"/>
+              </a:spcAft>
+              <a:buClrTx/>
+              <a:buSzTx/>
+              <a:buFontTx/>
+              <a:buNone/>
+              <a:tabLst/>
+            </a:pPr>
+            <a:r>
+              <a:rPr lang="en-US" dirty="0"/>
+              <a:t>Acceleration constraints.</a:t>
+            </a:r>
+          </a:p>
+          <a:p>
+            <a:pPr marL="0" marR="0" indent="0" algn="l" defTabSz="457200" rtl="0" fontAlgn="auto" latinLnBrk="0" hangingPunct="0">
+              <a:lnSpc>
+                <a:spcPct val="100000"/>
+              </a:lnSpc>
+              <a:spcBef>
+                <a:spcPts val="0"/>
+              </a:spcBef>
+              <a:spcAft>
+                <a:spcPts val="0"/>
+              </a:spcAft>
+              <a:buClrTx/>
+              <a:buSzTx/>
+              <a:buFontTx/>
+              <a:buNone/>
+              <a:tabLst/>
+            </a:pPr>
+            <a:endParaRPr lang="en-US" dirty="0"/>
+          </a:p>
+          <a:p>
+            <a:pPr marL="0" marR="0" indent="0" algn="l" defTabSz="457200" rtl="0" fontAlgn="auto" latinLnBrk="0" hangingPunct="0">
+              <a:lnSpc>
+                <a:spcPct val="100000"/>
+              </a:lnSpc>
+              <a:spcBef>
+                <a:spcPts val="0"/>
+              </a:spcBef>
+              <a:spcAft>
+                <a:spcPts val="0"/>
+              </a:spcAft>
+              <a:buClrTx/>
+              <a:buSzTx/>
+              <a:buFontTx/>
+              <a:buNone/>
+              <a:tabLst/>
+            </a:pPr>
+            <a:r>
+              <a:rPr lang="en-US" dirty="0"/>
+              <a:t>For different velocities, the MPC is able to handle the </a:t>
+            </a:r>
+          </a:p>
+          <a:p>
+            <a:pPr marL="0" marR="0" indent="0" algn="l" defTabSz="457200" rtl="0" fontAlgn="auto" latinLnBrk="0" hangingPunct="0">
+              <a:lnSpc>
+                <a:spcPct val="100000"/>
+              </a:lnSpc>
+              <a:spcBef>
+                <a:spcPts val="0"/>
+              </a:spcBef>
+              <a:spcAft>
+                <a:spcPts val="0"/>
+              </a:spcAft>
+              <a:buClrTx/>
+              <a:buSzTx/>
+              <a:buFontTx/>
+              <a:buNone/>
+              <a:tabLst/>
+            </a:pPr>
+            <a:r>
+              <a:rPr lang="en-US" dirty="0"/>
+              <a:t>Lane change with different friction </a:t>
+            </a:r>
+            <a:r>
+              <a:rPr lang="en-US" dirty="0" err="1"/>
+              <a:t>coeff</a:t>
+            </a:r>
+            <a:r>
+              <a:rPr lang="en-US" dirty="0"/>
+              <a:t>.</a:t>
+            </a:r>
+          </a:p>
+        </p:txBody>
+      </p:sp>
+      <p:pic>
+        <p:nvPicPr>
+          <p:cNvPr id="11" name="Picture 10">
+            <a:extLst>
+              <a:ext uri="{FF2B5EF4-FFF2-40B4-BE49-F238E27FC236}">
+                <a16:creationId xmlns:a16="http://schemas.microsoft.com/office/drawing/2014/main" id="{FD18F943-E587-FAB1-3227-C2504ED46AE9}"/>
+              </a:ext>
+            </a:extLst>
+          </p:cNvPr>
+          <p:cNvPicPr>
+            <a:picLocks noChangeAspect="1"/>
+          </p:cNvPicPr>
+          <p:nvPr/>
+        </p:nvPicPr>
+        <p:blipFill>
+          <a:blip r:embed="rId3"/>
+          <a:stretch>
+            <a:fillRect/>
+          </a:stretch>
+        </p:blipFill>
+        <p:spPr>
+          <a:xfrm>
+            <a:off x="6096000" y="4205882"/>
+            <a:ext cx="5653669" cy="2174488"/>
+          </a:xfrm>
+          <a:prstGeom prst="rect">
+            <a:avLst/>
+          </a:prstGeom>
+        </p:spPr>
+      </p:pic>
+      <p:sp>
+        <p:nvSpPr>
+          <p:cNvPr id="12" name="TextBox 11">
+            <a:extLst>
+              <a:ext uri="{FF2B5EF4-FFF2-40B4-BE49-F238E27FC236}">
+                <a16:creationId xmlns:a16="http://schemas.microsoft.com/office/drawing/2014/main" id="{1ECD4935-CF3D-0909-F384-099A0C7A0D4D}"/>
+              </a:ext>
+            </a:extLst>
+          </p:cNvPr>
+          <p:cNvSpPr txBox="1"/>
+          <p:nvPr/>
+        </p:nvSpPr>
+        <p:spPr>
+          <a:xfrm>
+            <a:off x="277418" y="6021418"/>
+            <a:ext cx="6398542" cy="646327"/>
+          </a:xfrm>
+          <a:prstGeom prst="rect">
+            <a:avLst/>
+          </a:prstGeom>
+          <a:noFill/>
+          <a:ln w="12700" cap="flat">
+            <a:noFill/>
+            <a:miter lim="400000"/>
+          </a:ln>
+          <a:effectLst/>
+          <a:sp3d/>
+        </p:spPr>
+        <p:style>
+          <a:lnRef idx="0">
+            <a:scrgbClr r="0" g="0" b="0"/>
+          </a:lnRef>
+          <a:fillRef idx="0">
+            <a:scrgbClr r="0" g="0" b="0"/>
+          </a:fillRef>
+          <a:effectRef idx="0">
+            <a:scrgbClr r="0" g="0" b="0"/>
+          </a:effectRef>
+          <a:fontRef idx="none"/>
+        </p:style>
+        <p:txBody>
+          <a:bodyPr rot="0" spcFirstLastPara="1" vertOverflow="overflow" horzOverflow="overflow" vert="horz" wrap="none" lIns="45718" tIns="45718" rIns="45718" bIns="45718" numCol="1" spcCol="38100" rtlCol="0" anchor="t">
+            <a:spAutoFit/>
+          </a:bodyPr>
+          <a:lstStyle/>
+          <a:p>
+            <a:pPr marL="0" marR="0" indent="0" algn="l" defTabSz="457200" rtl="0" fontAlgn="auto" latinLnBrk="0" hangingPunct="0">
+              <a:lnSpc>
+                <a:spcPct val="100000"/>
+              </a:lnSpc>
+              <a:spcBef>
+                <a:spcPts val="0"/>
+              </a:spcBef>
+              <a:spcAft>
+                <a:spcPts val="0"/>
+              </a:spcAft>
+              <a:buClrTx/>
+              <a:buSzTx/>
+              <a:buFontTx/>
+              <a:buNone/>
+              <a:tabLst/>
+            </a:pPr>
+            <a:r>
+              <a:rPr kumimoji="0" lang="en-US" sz="1800" b="0" i="0" u="none" strike="noStrike" cap="none" spc="0" normalizeH="0" baseline="0" dirty="0">
+                <a:ln>
+                  <a:noFill/>
+                </a:ln>
+                <a:solidFill>
+                  <a:srgbClr val="000000"/>
+                </a:solidFill>
+                <a:effectLst/>
+                <a:uFillTx/>
+                <a:latin typeface="+mn-lt"/>
+                <a:ea typeface="+mn-ea"/>
+                <a:cs typeface="+mn-cs"/>
+                <a:sym typeface="Calibri"/>
+              </a:rPr>
+              <a:t>Focus on designing MPC controller with two track vehicle dynamics</a:t>
+            </a:r>
+          </a:p>
+          <a:p>
+            <a:pPr marL="0" marR="0" indent="0" algn="l" defTabSz="457200" rtl="0" fontAlgn="auto" latinLnBrk="0" hangingPunct="0">
+              <a:lnSpc>
+                <a:spcPct val="100000"/>
+              </a:lnSpc>
+              <a:spcBef>
+                <a:spcPts val="0"/>
+              </a:spcBef>
+              <a:spcAft>
+                <a:spcPts val="0"/>
+              </a:spcAft>
+              <a:buClrTx/>
+              <a:buSzTx/>
+              <a:buFontTx/>
+              <a:buNone/>
+              <a:tabLst/>
+            </a:pPr>
+            <a:r>
+              <a:rPr kumimoji="0" lang="en-US" sz="1800" b="0" i="0" u="none" strike="noStrike" cap="none" spc="0" normalizeH="0" baseline="0" dirty="0">
+                <a:ln>
+                  <a:noFill/>
+                </a:ln>
+                <a:solidFill>
+                  <a:srgbClr val="000000"/>
+                </a:solidFill>
+                <a:effectLst/>
+                <a:uFillTx/>
+                <a:latin typeface="+mn-lt"/>
+                <a:ea typeface="+mn-ea"/>
+                <a:cs typeface="+mn-cs"/>
+                <a:sym typeface="Calibri"/>
+              </a:rPr>
+              <a:t>With road friction friction  constraints.</a:t>
+            </a:r>
+          </a:p>
+        </p:txBody>
+      </p:sp>
+    </p:spTree>
+    <p:extLst>
+      <p:ext uri="{BB962C8B-B14F-4D97-AF65-F5344CB8AC3E}">
+        <p14:creationId xmlns:p14="http://schemas.microsoft.com/office/powerpoint/2010/main" val="3303280467"/>
+      </p:ext>
+    </p:extLst>
+  </p:cSld>
+  <p:clrMapOvr>
+    <a:masterClrMapping/>
+  </p:clrMapOvr>
+  <p:transition spd="med"/>
+</p:sld>
+</file>
+
+<file path=ppt/slides/slide19.xml><?xml version="1.0" encoding="utf-8"?>
+<p:sld xmlns:a="http://schemas.openxmlformats.org/drawingml/2006/main" xmlns:r="http://schemas.openxmlformats.org/officeDocument/2006/relationships" xmlns:p="http://schemas.openxmlformats.org/presentationml/2006/main">
+  <p:cSld>
+    <p:spTree>
+      <p:nvGrpSpPr>
+        <p:cNvPr id="1" name=""/>
+        <p:cNvGrpSpPr/>
+        <p:nvPr/>
+      </p:nvGrpSpPr>
+      <p:grpSpPr>
+        <a:xfrm>
+          <a:off x="0" y="0"/>
+          <a:ext cx="0" cy="0"/>
+          <a:chOff x="0" y="0"/>
+          <a:chExt cx="0" cy="0"/>
+        </a:xfrm>
+      </p:grpSpPr>
+      <p:sp>
+        <p:nvSpPr>
+          <p:cNvPr id="2" name="Title 1">
+            <a:extLst>
+              <a:ext uri="{FF2B5EF4-FFF2-40B4-BE49-F238E27FC236}">
+                <a16:creationId xmlns:a16="http://schemas.microsoft.com/office/drawing/2014/main" id="{42F6F9B8-7825-0BA9-1FC8-F31793B17F9F}"/>
+              </a:ext>
+            </a:extLst>
+          </p:cNvPr>
+          <p:cNvSpPr>
+            <a:spLocks noGrp="1"/>
+          </p:cNvSpPr>
+          <p:nvPr>
+            <p:ph type="title"/>
+          </p:nvPr>
+        </p:nvSpPr>
+        <p:spPr/>
+        <p:txBody>
+          <a:bodyPr/>
+          <a:lstStyle/>
+          <a:p>
+            <a:endParaRPr lang="en-US"/>
+          </a:p>
+        </p:txBody>
+      </p:sp>
+      <p:sp>
+        <p:nvSpPr>
+          <p:cNvPr id="5" name="TextBox 4">
+            <a:extLst>
+              <a:ext uri="{FF2B5EF4-FFF2-40B4-BE49-F238E27FC236}">
+                <a16:creationId xmlns:a16="http://schemas.microsoft.com/office/drawing/2014/main" id="{BACC4411-C219-DB0A-5024-F16B1D76437D}"/>
+              </a:ext>
+            </a:extLst>
+          </p:cNvPr>
+          <p:cNvSpPr txBox="1"/>
+          <p:nvPr/>
+        </p:nvSpPr>
+        <p:spPr>
+          <a:xfrm>
+            <a:off x="563907" y="1109304"/>
+            <a:ext cx="11064186" cy="3908762"/>
+          </a:xfrm>
+          <a:prstGeom prst="rect">
+            <a:avLst/>
+          </a:prstGeom>
+          <a:noFill/>
+          <a:ln w="12700" cap="flat">
+            <a:noFill/>
+            <a:miter lim="400000"/>
+          </a:ln>
+          <a:effectLst/>
+          <a:sp3d/>
+        </p:spPr>
+        <p:style>
+          <a:lnRef idx="0">
+            <a:scrgbClr r="0" g="0" b="0"/>
+          </a:lnRef>
+          <a:fillRef idx="0">
+            <a:scrgbClr r="0" g="0" b="0"/>
+          </a:fillRef>
+          <a:effectRef idx="0">
+            <a:scrgbClr r="0" g="0" b="0"/>
+          </a:effectRef>
+          <a:fontRef idx="none"/>
+        </p:style>
+        <p:txBody>
+          <a:bodyPr wrap="square">
+            <a:spAutoFit/>
+          </a:bodyPr>
+          <a:lstStyle/>
+          <a:p>
+            <a:pPr algn="l" fontAlgn="base"/>
+            <a:r>
+              <a:rPr lang="en-US" sz="1800" b="1" i="0" dirty="0">
+                <a:solidFill>
+                  <a:srgbClr val="1A1A1A"/>
+                </a:solidFill>
+                <a:effectLst/>
+                <a:latin typeface="Times New Roman" panose="02020603050405020304" pitchFamily="18" charset="0"/>
+                <a:cs typeface="Times New Roman" panose="02020603050405020304" pitchFamily="18" charset="0"/>
+              </a:rPr>
+              <a:t>"Sensitivity Analysis of Vehicle Parameters for Heading Angle Control of an Unmanned Ground Vehicle." </a:t>
+            </a:r>
+          </a:p>
+          <a:p>
+            <a:pPr algn="l" fontAlgn="base"/>
+            <a:r>
+              <a:rPr lang="en-US" sz="1800" b="1" i="0" dirty="0">
+                <a:solidFill>
+                  <a:srgbClr val="1A1A1A"/>
+                </a:solidFill>
+                <a:effectLst/>
+                <a:latin typeface="Times New Roman" panose="02020603050405020304" pitchFamily="18" charset="0"/>
+                <a:cs typeface="Times New Roman" panose="02020603050405020304" pitchFamily="18" charset="0"/>
+              </a:rPr>
+              <a:t>	</a:t>
+            </a:r>
+            <a:r>
+              <a:rPr lang="en-US" b="1" dirty="0">
+                <a:solidFill>
+                  <a:srgbClr val="1A1A1A"/>
+                </a:solidFill>
+                <a:latin typeface="Times New Roman" panose="02020603050405020304" pitchFamily="18" charset="0"/>
+                <a:cs typeface="Times New Roman" panose="02020603050405020304" pitchFamily="18" charset="0"/>
+              </a:rPr>
+              <a:t>							</a:t>
+            </a:r>
+            <a:r>
+              <a:rPr lang="en-US" sz="1800" b="1" i="0" dirty="0">
+                <a:solidFill>
+                  <a:srgbClr val="1A1A1A"/>
+                </a:solidFill>
+                <a:effectLst/>
+                <a:latin typeface="Times New Roman" panose="02020603050405020304" pitchFamily="18" charset="0"/>
+                <a:cs typeface="Times New Roman" panose="02020603050405020304" pitchFamily="18" charset="0"/>
+              </a:rPr>
+              <a:t> </a:t>
+            </a:r>
+            <a:r>
+              <a:rPr lang="en-US" sz="1600" i="0" dirty="0">
+                <a:solidFill>
+                  <a:srgbClr val="1A1A1A"/>
+                </a:solidFill>
+                <a:effectLst/>
+                <a:latin typeface="Times New Roman" panose="02020603050405020304" pitchFamily="18" charset="0"/>
+                <a:cs typeface="Times New Roman" panose="02020603050405020304" pitchFamily="18" charset="0"/>
+              </a:rPr>
+              <a:t>Sahoo, S, Subramanian, SC, &amp; Srivastava, S. - </a:t>
+            </a:r>
+            <a:r>
+              <a:rPr lang="en-US" sz="1600" i="1" dirty="0">
+                <a:solidFill>
+                  <a:srgbClr val="1A1A1A"/>
+                </a:solidFill>
+                <a:effectLst/>
+                <a:latin typeface="Times New Roman" panose="02020603050405020304" pitchFamily="18" charset="0"/>
+                <a:cs typeface="Times New Roman" panose="02020603050405020304" pitchFamily="18" charset="0"/>
+              </a:rPr>
+              <a:t>Proceedings of the ASME 2014 International Mechanical Engineering Congress and Exposition</a:t>
+            </a:r>
+            <a:r>
+              <a:rPr lang="en-US" sz="1600" i="0" dirty="0">
+                <a:solidFill>
+                  <a:srgbClr val="1A1A1A"/>
+                </a:solidFill>
+                <a:effectLst/>
+                <a:latin typeface="Times New Roman" panose="02020603050405020304" pitchFamily="18" charset="0"/>
+                <a:cs typeface="Times New Roman" panose="02020603050405020304" pitchFamily="18" charset="0"/>
+              </a:rPr>
+              <a:t>. </a:t>
+            </a:r>
+            <a:endParaRPr lang="en-US" sz="1600" dirty="0">
+              <a:solidFill>
+                <a:srgbClr val="1A1A1A"/>
+              </a:solidFill>
+              <a:latin typeface="Times New Roman" panose="02020603050405020304" pitchFamily="18" charset="0"/>
+              <a:cs typeface="Times New Roman" panose="02020603050405020304" pitchFamily="18" charset="0"/>
+            </a:endParaRPr>
+          </a:p>
+          <a:p>
+            <a:pPr algn="l" fontAlgn="base"/>
+            <a:br>
+              <a:rPr lang="en-US" sz="1600" i="0" dirty="0">
+                <a:solidFill>
+                  <a:srgbClr val="1A1A1A"/>
+                </a:solidFill>
+                <a:effectLst/>
+                <a:latin typeface="Times New Roman" panose="02020603050405020304" pitchFamily="18" charset="0"/>
+                <a:cs typeface="Times New Roman" panose="02020603050405020304" pitchFamily="18" charset="0"/>
+              </a:rPr>
+            </a:br>
+            <a:r>
+              <a:rPr lang="en-US" sz="1800" b="0" i="0" dirty="0">
+                <a:solidFill>
+                  <a:srgbClr val="1A1A1A"/>
+                </a:solidFill>
+                <a:effectLst/>
+                <a:latin typeface="Times New Roman" panose="02020603050405020304" pitchFamily="18" charset="0"/>
+                <a:cs typeface="Times New Roman" panose="02020603050405020304" pitchFamily="18" charset="0"/>
+              </a:rPr>
+              <a:t>A realistic mathematical model of the vehicle considering the steering actuator dynamics has been developed by calculating the cornering stiffnesses from the basic tire information and the vertical load on each tire.</a:t>
+            </a:r>
+          </a:p>
+          <a:p>
+            <a:pPr algn="l" fontAlgn="base"/>
+            <a:endParaRPr lang="en-US" dirty="0">
+              <a:solidFill>
+                <a:srgbClr val="1A1A1A"/>
+              </a:solidFill>
+              <a:latin typeface="Times New Roman" panose="02020603050405020304" pitchFamily="18" charset="0"/>
+              <a:cs typeface="Times New Roman" panose="02020603050405020304" pitchFamily="18" charset="0"/>
+            </a:endParaRPr>
+          </a:p>
+          <a:p>
+            <a:pPr algn="l" fontAlgn="base"/>
+            <a:r>
+              <a:rPr lang="en-US" sz="1800" b="0" i="0" dirty="0">
+                <a:solidFill>
+                  <a:srgbClr val="1A1A1A"/>
+                </a:solidFill>
+                <a:effectLst/>
+                <a:latin typeface="Times New Roman" panose="02020603050405020304" pitchFamily="18" charset="0"/>
+                <a:cs typeface="Times New Roman" panose="02020603050405020304" pitchFamily="18" charset="0"/>
+              </a:rPr>
+              <a:t> Sensitivity analysis has been carried out to check the robustness and stability of the controller by varying the cornering stiffness of tires, the most uncertain parameter. </a:t>
+            </a:r>
+          </a:p>
+          <a:p>
+            <a:pPr algn="l" fontAlgn="base"/>
+            <a:endParaRPr lang="en-US" dirty="0">
+              <a:solidFill>
+                <a:srgbClr val="1A1A1A"/>
+              </a:solidFill>
+              <a:latin typeface="Times New Roman" panose="02020603050405020304" pitchFamily="18" charset="0"/>
+              <a:cs typeface="Times New Roman" panose="02020603050405020304" pitchFamily="18" charset="0"/>
+            </a:endParaRPr>
+          </a:p>
+          <a:p>
+            <a:pPr marL="285750" indent="-285750" algn="l" fontAlgn="base">
+              <a:buFont typeface="Arial" panose="020B0604020202020204" pitchFamily="34" charset="0"/>
+              <a:buChar char="•"/>
+            </a:pPr>
+            <a:r>
+              <a:rPr lang="en-US" sz="1800" b="0" i="0" dirty="0">
+                <a:solidFill>
+                  <a:srgbClr val="1A1A1A"/>
+                </a:solidFill>
+                <a:effectLst/>
+                <a:latin typeface="Times New Roman" panose="02020603050405020304" pitchFamily="18" charset="0"/>
+                <a:cs typeface="Times New Roman" panose="02020603050405020304" pitchFamily="18" charset="0"/>
+              </a:rPr>
+              <a:t>Varied the longitudinal speed and analyzed the heading angle change</a:t>
+            </a:r>
+          </a:p>
+          <a:p>
+            <a:pPr marL="285750" indent="-285750" algn="l" fontAlgn="base">
+              <a:buFont typeface="Arial" panose="020B0604020202020204" pitchFamily="34" charset="0"/>
+              <a:buChar char="•"/>
+            </a:pPr>
+            <a:r>
+              <a:rPr lang="en-US" dirty="0">
+                <a:solidFill>
+                  <a:srgbClr val="1A1A1A"/>
+                </a:solidFill>
+                <a:latin typeface="Times New Roman" panose="02020603050405020304" pitchFamily="18" charset="0"/>
+                <a:cs typeface="Times New Roman" panose="02020603050405020304" pitchFamily="18" charset="0"/>
+              </a:rPr>
+              <a:t>At </a:t>
+            </a:r>
+            <a:r>
+              <a:rPr lang="en-US" sz="1800" dirty="0">
+                <a:effectLst/>
+                <a:latin typeface="Times" pitchFamily="2" charset="0"/>
+              </a:rPr>
+              <a:t>lower speeds, the controller is more sensitive to the steering actuator dynamics and at higher speeds, the controller is more sensitive to the cornering stiffness of tires </a:t>
+            </a:r>
+            <a:endParaRPr lang="en-US" dirty="0"/>
+          </a:p>
+          <a:p>
+            <a:pPr algn="l" fontAlgn="base"/>
+            <a:endParaRPr lang="en-US" sz="1800" b="0" i="0" dirty="0">
+              <a:solidFill>
+                <a:srgbClr val="1A1A1A"/>
+              </a:solidFill>
+              <a:effectLst/>
+              <a:latin typeface="Times New Roman" panose="02020603050405020304" pitchFamily="18" charset="0"/>
+              <a:cs typeface="Times New Roman" panose="02020603050405020304" pitchFamily="18" charset="0"/>
+            </a:endParaRPr>
+          </a:p>
+        </p:txBody>
+      </p:sp>
+    </p:spTree>
+    <p:extLst>
+      <p:ext uri="{BB962C8B-B14F-4D97-AF65-F5344CB8AC3E}">
+        <p14:creationId xmlns:p14="http://schemas.microsoft.com/office/powerpoint/2010/main" val="2219216038"/>
       </p:ext>
     </p:extLst>
   </p:cSld>
@@ -9503,6 +11198,648 @@
         </p:spPr>
       </p:pic>
     </p:spTree>
+  </p:cSld>
+  <p:clrMapOvr>
+    <a:masterClrMapping/>
+  </p:clrMapOvr>
+  <p:transition spd="med"/>
+</p:sld>
+</file>
+
+<file path=ppt/slides/slide20.xml><?xml version="1.0" encoding="utf-8"?>
+<p:sld xmlns:a="http://schemas.openxmlformats.org/drawingml/2006/main" xmlns:r="http://schemas.openxmlformats.org/officeDocument/2006/relationships" xmlns:p="http://schemas.openxmlformats.org/presentationml/2006/main">
+  <p:cSld>
+    <p:spTree>
+      <p:nvGrpSpPr>
+        <p:cNvPr id="1" name=""/>
+        <p:cNvGrpSpPr/>
+        <p:nvPr/>
+      </p:nvGrpSpPr>
+      <p:grpSpPr>
+        <a:xfrm>
+          <a:off x="0" y="0"/>
+          <a:ext cx="0" cy="0"/>
+          <a:chOff x="0" y="0"/>
+          <a:chExt cx="0" cy="0"/>
+        </a:xfrm>
+      </p:grpSpPr>
+      <p:sp>
+        <p:nvSpPr>
+          <p:cNvPr id="5" name="TextBox 4">
+            <a:extLst>
+              <a:ext uri="{FF2B5EF4-FFF2-40B4-BE49-F238E27FC236}">
+                <a16:creationId xmlns:a16="http://schemas.microsoft.com/office/drawing/2014/main" id="{4CE27D3E-C818-7BB9-F1A0-32917BF0D651}"/>
+              </a:ext>
+            </a:extLst>
+          </p:cNvPr>
+          <p:cNvSpPr txBox="1"/>
+          <p:nvPr/>
+        </p:nvSpPr>
+        <p:spPr>
+          <a:xfrm>
+            <a:off x="956216" y="1184702"/>
+            <a:ext cx="10328817" cy="553998"/>
+          </a:xfrm>
+          <a:prstGeom prst="rect">
+            <a:avLst/>
+          </a:prstGeom>
+          <a:noFill/>
+          <a:ln w="12700" cap="flat">
+            <a:noFill/>
+            <a:miter lim="400000"/>
+          </a:ln>
+          <a:effectLst/>
+          <a:sp3d/>
+        </p:spPr>
+        <p:style>
+          <a:lnRef idx="0">
+            <a:scrgbClr r="0" g="0" b="0"/>
+          </a:lnRef>
+          <a:fillRef idx="0">
+            <a:scrgbClr r="0" g="0" b="0"/>
+          </a:fillRef>
+          <a:effectRef idx="0">
+            <a:scrgbClr r="0" g="0" b="0"/>
+          </a:effectRef>
+          <a:fontRef idx="none"/>
+        </p:style>
+        <p:txBody>
+          <a:bodyPr wrap="square">
+            <a:spAutoFit/>
+          </a:bodyPr>
+          <a:lstStyle/>
+          <a:p>
+            <a:r>
+              <a:rPr lang="en-US" sz="1800" b="1" dirty="0">
+                <a:effectLst/>
+                <a:latin typeface="TimesNewRomanPS"/>
+              </a:rPr>
+              <a:t>Modelling the dynamic behavior of the steering system for low speed autonomous path tracking </a:t>
+            </a:r>
+            <a:endParaRPr lang="en-US" dirty="0"/>
+          </a:p>
+          <a:p>
+            <a:r>
+              <a:rPr lang="en-US" sz="1200" dirty="0">
+                <a:effectLst/>
+                <a:latin typeface="TimesNewRomanPSMT"/>
+              </a:rPr>
+              <a:t>															</a:t>
+            </a:r>
+            <a:r>
+              <a:rPr lang="en-US" sz="1200" dirty="0" err="1">
+                <a:effectLst/>
+                <a:latin typeface="TimesNewRomanPSMT"/>
+              </a:rPr>
+              <a:t>Ádám</a:t>
+            </a:r>
+            <a:r>
+              <a:rPr lang="en-US" sz="1200" dirty="0">
+                <a:effectLst/>
+                <a:latin typeface="TimesNewRomanPSMT"/>
+              </a:rPr>
+              <a:t> </a:t>
+            </a:r>
+            <a:r>
+              <a:rPr lang="en-US" sz="1200" dirty="0" err="1">
+                <a:effectLst/>
+                <a:latin typeface="TimesNewRomanPSMT"/>
+              </a:rPr>
+              <a:t>Domina</a:t>
+            </a:r>
+            <a:r>
+              <a:rPr lang="en-US" sz="1200" dirty="0">
+                <a:effectLst/>
+                <a:latin typeface="TimesNewRomanPSMT"/>
+              </a:rPr>
+              <a:t>, Viktor </a:t>
+            </a:r>
+            <a:r>
+              <a:rPr lang="en-US" sz="1200" dirty="0" err="1">
+                <a:effectLst/>
+                <a:latin typeface="TimesNewRomanPSMT"/>
+              </a:rPr>
+              <a:t>Tihanyi</a:t>
+            </a:r>
+            <a:r>
+              <a:rPr lang="en-US" sz="1200" dirty="0">
+                <a:effectLst/>
+                <a:latin typeface="TimesNewRomanPSMT"/>
+              </a:rPr>
+              <a:t> </a:t>
+            </a:r>
+            <a:endParaRPr lang="en-US" dirty="0"/>
+          </a:p>
+        </p:txBody>
+      </p:sp>
+      <p:sp>
+        <p:nvSpPr>
+          <p:cNvPr id="7" name="TextBox 6">
+            <a:extLst>
+              <a:ext uri="{FF2B5EF4-FFF2-40B4-BE49-F238E27FC236}">
+                <a16:creationId xmlns:a16="http://schemas.microsoft.com/office/drawing/2014/main" id="{2035B823-920B-ECDC-10F8-106C02DF3783}"/>
+              </a:ext>
+            </a:extLst>
+          </p:cNvPr>
+          <p:cNvSpPr txBox="1"/>
+          <p:nvPr/>
+        </p:nvSpPr>
+        <p:spPr>
+          <a:xfrm>
+            <a:off x="105934" y="2423473"/>
+            <a:ext cx="5362309" cy="3139321"/>
+          </a:xfrm>
+          <a:prstGeom prst="rect">
+            <a:avLst/>
+          </a:prstGeom>
+          <a:noFill/>
+          <a:ln w="12700" cap="flat">
+            <a:noFill/>
+            <a:miter lim="400000"/>
+          </a:ln>
+          <a:effectLst/>
+          <a:sp3d/>
+        </p:spPr>
+        <p:style>
+          <a:lnRef idx="0">
+            <a:scrgbClr r="0" g="0" b="0"/>
+          </a:lnRef>
+          <a:fillRef idx="0">
+            <a:scrgbClr r="0" g="0" b="0"/>
+          </a:fillRef>
+          <a:effectRef idx="0">
+            <a:scrgbClr r="0" g="0" b="0"/>
+          </a:effectRef>
+          <a:fontRef idx="none"/>
+        </p:style>
+        <p:txBody>
+          <a:bodyPr wrap="square">
+            <a:spAutoFit/>
+          </a:bodyPr>
+          <a:lstStyle/>
+          <a:p>
+            <a:pPr marL="285750" indent="-285750">
+              <a:buFont typeface="Arial" panose="020B0604020202020204" pitchFamily="34" charset="0"/>
+              <a:buChar char="•"/>
+            </a:pPr>
+            <a:r>
+              <a:rPr lang="en-US" sz="1800" dirty="0">
+                <a:effectLst/>
+                <a:latin typeface="Times New Roman" panose="02020603050405020304" pitchFamily="18" charset="0"/>
+                <a:cs typeface="Times New Roman" panose="02020603050405020304" pitchFamily="18" charset="0"/>
+              </a:rPr>
+              <a:t>Considered the dynamic behavior of the steering system, including the effect of the tires. </a:t>
+            </a:r>
+          </a:p>
+          <a:p>
+            <a:pPr marL="285750" indent="-285750">
+              <a:buFont typeface="Arial" panose="020B0604020202020204" pitchFamily="34" charset="0"/>
+              <a:buChar char="•"/>
+            </a:pPr>
+            <a:endParaRPr lang="en-US" sz="1800" dirty="0">
+              <a:effectLst/>
+              <a:latin typeface="Times New Roman" panose="02020603050405020304" pitchFamily="18" charset="0"/>
+              <a:cs typeface="Times New Roman" panose="02020603050405020304" pitchFamily="18" charset="0"/>
+            </a:endParaRPr>
+          </a:p>
+          <a:p>
+            <a:pPr marL="285750" indent="-285750">
+              <a:buFont typeface="Arial" panose="020B0604020202020204" pitchFamily="34" charset="0"/>
+              <a:buChar char="•"/>
+            </a:pPr>
+            <a:r>
+              <a:rPr lang="en-US" sz="1800" dirty="0">
+                <a:effectLst/>
+                <a:latin typeface="Times New Roman" panose="02020603050405020304" pitchFamily="18" charset="0"/>
+                <a:cs typeface="Times New Roman" panose="02020603050405020304" pitchFamily="18" charset="0"/>
+              </a:rPr>
+              <a:t>The path following simulation with the improved model was calculated, which was compared to the real vehicle measurement and the results showed good correlation.</a:t>
+            </a:r>
+          </a:p>
+          <a:p>
+            <a:pPr marL="285750" indent="-285750">
+              <a:buFont typeface="Arial" panose="020B0604020202020204" pitchFamily="34" charset="0"/>
+              <a:buChar char="•"/>
+            </a:pPr>
+            <a:endParaRPr lang="en-US" dirty="0">
+              <a:latin typeface="Times New Roman" panose="02020603050405020304" pitchFamily="18" charset="0"/>
+              <a:cs typeface="Times New Roman" panose="02020603050405020304" pitchFamily="18" charset="0"/>
+            </a:endParaRPr>
+          </a:p>
+          <a:p>
+            <a:pPr marL="285750" indent="-285750">
+              <a:buFont typeface="Arial" panose="020B0604020202020204" pitchFamily="34" charset="0"/>
+              <a:buChar char="•"/>
+            </a:pPr>
+            <a:r>
+              <a:rPr lang="en-US" sz="1800" dirty="0" err="1">
+                <a:effectLst/>
+                <a:latin typeface="Times New Roman" panose="02020603050405020304" pitchFamily="18" charset="0"/>
+                <a:cs typeface="Times New Roman" panose="02020603050405020304" pitchFamily="18" charset="0"/>
+              </a:rPr>
+              <a:t>Comparision</a:t>
+            </a:r>
+            <a:r>
+              <a:rPr lang="en-US" sz="1800" dirty="0">
+                <a:effectLst/>
+                <a:latin typeface="Times New Roman" panose="02020603050405020304" pitchFamily="18" charset="0"/>
+                <a:cs typeface="Times New Roman" panose="02020603050405020304" pitchFamily="18" charset="0"/>
+              </a:rPr>
+              <a:t> with three different tracking controllers</a:t>
+            </a:r>
+          </a:p>
+          <a:p>
+            <a:pPr marL="285750" indent="-285750">
+              <a:buFont typeface="Arial" panose="020B0604020202020204" pitchFamily="34" charset="0"/>
+              <a:buChar char="•"/>
+            </a:pPr>
+            <a:endParaRPr lang="en-US" dirty="0">
+              <a:latin typeface="Times New Roman" panose="02020603050405020304" pitchFamily="18" charset="0"/>
+              <a:cs typeface="Times New Roman" panose="02020603050405020304" pitchFamily="18" charset="0"/>
+            </a:endParaRPr>
+          </a:p>
+          <a:p>
+            <a:endParaRPr lang="en-US" dirty="0"/>
+          </a:p>
+        </p:txBody>
+      </p:sp>
+      <p:pic>
+        <p:nvPicPr>
+          <p:cNvPr id="12" name="Picture 11">
+            <a:extLst>
+              <a:ext uri="{FF2B5EF4-FFF2-40B4-BE49-F238E27FC236}">
+                <a16:creationId xmlns:a16="http://schemas.microsoft.com/office/drawing/2014/main" id="{5A021E14-6766-C64B-696C-B226BF251DCF}"/>
+              </a:ext>
+            </a:extLst>
+          </p:cNvPr>
+          <p:cNvPicPr>
+            <a:picLocks noChangeAspect="1"/>
+          </p:cNvPicPr>
+          <p:nvPr/>
+        </p:nvPicPr>
+        <p:blipFill>
+          <a:blip r:embed="rId2"/>
+          <a:stretch>
+            <a:fillRect/>
+          </a:stretch>
+        </p:blipFill>
+        <p:spPr>
+          <a:xfrm>
+            <a:off x="5805586" y="2308404"/>
+            <a:ext cx="6003986" cy="2770065"/>
+          </a:xfrm>
+          <a:prstGeom prst="rect">
+            <a:avLst/>
+          </a:prstGeom>
+        </p:spPr>
+      </p:pic>
+    </p:spTree>
+    <p:extLst>
+      <p:ext uri="{BB962C8B-B14F-4D97-AF65-F5344CB8AC3E}">
+        <p14:creationId xmlns:p14="http://schemas.microsoft.com/office/powerpoint/2010/main" val="4103756531"/>
+      </p:ext>
+    </p:extLst>
+  </p:cSld>
+  <p:clrMapOvr>
+    <a:masterClrMapping/>
+  </p:clrMapOvr>
+  <p:transition spd="med"/>
+</p:sld>
+</file>
+
+<file path=ppt/slides/slide21.xml><?xml version="1.0" encoding="utf-8"?>
+<p:sld xmlns:a="http://schemas.openxmlformats.org/drawingml/2006/main" xmlns:r="http://schemas.openxmlformats.org/officeDocument/2006/relationships" xmlns:p="http://schemas.openxmlformats.org/presentationml/2006/main">
+  <p:cSld>
+    <p:spTree>
+      <p:nvGrpSpPr>
+        <p:cNvPr id="1" name=""/>
+        <p:cNvGrpSpPr/>
+        <p:nvPr/>
+      </p:nvGrpSpPr>
+      <p:grpSpPr>
+        <a:xfrm>
+          <a:off x="0" y="0"/>
+          <a:ext cx="0" cy="0"/>
+          <a:chOff x="0" y="0"/>
+          <a:chExt cx="0" cy="0"/>
+        </a:xfrm>
+      </p:grpSpPr>
+      <p:sp>
+        <p:nvSpPr>
+          <p:cNvPr id="2" name="Title 1">
+            <a:extLst>
+              <a:ext uri="{FF2B5EF4-FFF2-40B4-BE49-F238E27FC236}">
+                <a16:creationId xmlns:a16="http://schemas.microsoft.com/office/drawing/2014/main" id="{6719E4B6-2F2B-D345-0306-B2DF101100FC}"/>
+              </a:ext>
+            </a:extLst>
+          </p:cNvPr>
+          <p:cNvSpPr>
+            <a:spLocks noGrp="1"/>
+          </p:cNvSpPr>
+          <p:nvPr>
+            <p:ph type="title"/>
+          </p:nvPr>
+        </p:nvSpPr>
+        <p:spPr/>
+        <p:txBody>
+          <a:bodyPr/>
+          <a:lstStyle/>
+          <a:p>
+            <a:endParaRPr lang="en-US"/>
+          </a:p>
+        </p:txBody>
+      </p:sp>
+      <p:sp>
+        <p:nvSpPr>
+          <p:cNvPr id="5" name="TextBox 4">
+            <a:extLst>
+              <a:ext uri="{FF2B5EF4-FFF2-40B4-BE49-F238E27FC236}">
+                <a16:creationId xmlns:a16="http://schemas.microsoft.com/office/drawing/2014/main" id="{1CCD0240-6D8A-F64D-AD59-29AE79AA390B}"/>
+              </a:ext>
+            </a:extLst>
+          </p:cNvPr>
+          <p:cNvSpPr txBox="1"/>
+          <p:nvPr/>
+        </p:nvSpPr>
+        <p:spPr>
+          <a:xfrm>
+            <a:off x="472532" y="1212569"/>
+            <a:ext cx="11246935" cy="1107996"/>
+          </a:xfrm>
+          <a:prstGeom prst="rect">
+            <a:avLst/>
+          </a:prstGeom>
+          <a:noFill/>
+          <a:ln w="12700" cap="flat">
+            <a:noFill/>
+            <a:miter lim="400000"/>
+          </a:ln>
+          <a:effectLst/>
+          <a:sp3d/>
+        </p:spPr>
+        <p:style>
+          <a:lnRef idx="0">
+            <a:scrgbClr r="0" g="0" b="0"/>
+          </a:lnRef>
+          <a:fillRef idx="0">
+            <a:scrgbClr r="0" g="0" b="0"/>
+          </a:fillRef>
+          <a:effectRef idx="0">
+            <a:scrgbClr r="0" g="0" b="0"/>
+          </a:effectRef>
+          <a:fontRef idx="none"/>
+        </p:style>
+        <p:txBody>
+          <a:bodyPr wrap="square">
+            <a:spAutoFit/>
+          </a:bodyPr>
+          <a:lstStyle/>
+          <a:p>
+            <a:pPr algn="l" fontAlgn="base"/>
+            <a:r>
+              <a:rPr lang="en-US" b="1" i="1" dirty="0">
+                <a:solidFill>
+                  <a:srgbClr val="1A1A1A"/>
+                </a:solidFill>
+                <a:effectLst/>
+                <a:latin typeface="Times New Roman" panose="02020603050405020304" pitchFamily="18" charset="0"/>
+                <a:cs typeface="Times New Roman" panose="02020603050405020304" pitchFamily="18" charset="0"/>
+              </a:rPr>
+              <a:t>Active Torque Vectoring in High Speed Lane Change Maneuvers."  Steinbock, N, </a:t>
+            </a:r>
+            <a:r>
+              <a:rPr lang="en-US" b="1" i="1" dirty="0" err="1">
+                <a:solidFill>
+                  <a:srgbClr val="1A1A1A"/>
+                </a:solidFill>
+                <a:effectLst/>
+                <a:latin typeface="Times New Roman" panose="02020603050405020304" pitchFamily="18" charset="0"/>
+                <a:cs typeface="Times New Roman" panose="02020603050405020304" pitchFamily="18" charset="0"/>
+              </a:rPr>
+              <a:t>Prange</a:t>
+            </a:r>
+            <a:r>
+              <a:rPr lang="en-US" b="1" i="1" dirty="0">
+                <a:solidFill>
+                  <a:srgbClr val="1A1A1A"/>
+                </a:solidFill>
+                <a:effectLst/>
+                <a:latin typeface="Times New Roman" panose="02020603050405020304" pitchFamily="18" charset="0"/>
+                <a:cs typeface="Times New Roman" panose="02020603050405020304" pitchFamily="18" charset="0"/>
+              </a:rPr>
+              <a:t>, L, &amp; Fabien, BC. </a:t>
+            </a:r>
+          </a:p>
+          <a:p>
+            <a:pPr algn="l" fontAlgn="base"/>
+            <a:endParaRPr lang="en-US" sz="1600" b="1" i="1" dirty="0">
+              <a:solidFill>
+                <a:srgbClr val="1A1A1A"/>
+              </a:solidFill>
+              <a:effectLst/>
+              <a:latin typeface="Times New Roman" panose="02020603050405020304" pitchFamily="18" charset="0"/>
+              <a:cs typeface="Times New Roman" panose="02020603050405020304" pitchFamily="18" charset="0"/>
+            </a:endParaRPr>
+          </a:p>
+          <a:p>
+            <a:pPr algn="l" fontAlgn="base"/>
+            <a:r>
+              <a:rPr lang="en-US" sz="1600" i="1" dirty="0">
+                <a:solidFill>
+                  <a:srgbClr val="1A1A1A"/>
+                </a:solidFill>
+                <a:effectLst/>
+                <a:latin typeface="Times New Roman" panose="02020603050405020304" pitchFamily="18" charset="0"/>
+                <a:cs typeface="Times New Roman" panose="02020603050405020304" pitchFamily="18" charset="0"/>
+              </a:rPr>
+              <a:t>Proceedings of the ASME 2016 International Mechanical Engineering Congress and Exposition. Volume 4B: Dynamics, Vibration, and Control. Phoenix, Arizona, USA. November 11–17, 2016. V04BT05A034. ASME</a:t>
+            </a:r>
+          </a:p>
+        </p:txBody>
+      </p:sp>
+      <p:sp>
+        <p:nvSpPr>
+          <p:cNvPr id="7" name="TextBox 6">
+            <a:extLst>
+              <a:ext uri="{FF2B5EF4-FFF2-40B4-BE49-F238E27FC236}">
+                <a16:creationId xmlns:a16="http://schemas.microsoft.com/office/drawing/2014/main" id="{2BB51F10-1C39-4DEF-9761-B4A16EB04B3D}"/>
+              </a:ext>
+            </a:extLst>
+          </p:cNvPr>
+          <p:cNvSpPr txBox="1"/>
+          <p:nvPr/>
+        </p:nvSpPr>
+        <p:spPr>
+          <a:xfrm>
+            <a:off x="472532" y="3060108"/>
+            <a:ext cx="10406877" cy="923330"/>
+          </a:xfrm>
+          <a:prstGeom prst="rect">
+            <a:avLst/>
+          </a:prstGeom>
+          <a:noFill/>
+          <a:ln w="12700" cap="flat">
+            <a:noFill/>
+            <a:miter lim="400000"/>
+          </a:ln>
+          <a:effectLst/>
+          <a:sp3d/>
+        </p:spPr>
+        <p:style>
+          <a:lnRef idx="0">
+            <a:scrgbClr r="0" g="0" b="0"/>
+          </a:lnRef>
+          <a:fillRef idx="0">
+            <a:scrgbClr r="0" g="0" b="0"/>
+          </a:fillRef>
+          <a:effectRef idx="0">
+            <a:scrgbClr r="0" g="0" b="0"/>
+          </a:effectRef>
+          <a:fontRef idx="none"/>
+        </p:style>
+        <p:txBody>
+          <a:bodyPr wrap="square">
+            <a:spAutoFit/>
+          </a:bodyPr>
+          <a:lstStyle/>
+          <a:p>
+            <a:pPr marL="0" indent="0" algn="l" fontAlgn="base">
+              <a:buNone/>
+            </a:pPr>
+            <a:r>
+              <a:rPr lang="en-US" sz="1800" b="0" i="0" dirty="0">
+                <a:solidFill>
+                  <a:srgbClr val="1A1A1A"/>
+                </a:solidFill>
+                <a:effectLst/>
+                <a:latin typeface="Times New Roman" panose="02020603050405020304" pitchFamily="18" charset="0"/>
+                <a:cs typeface="Times New Roman" panose="02020603050405020304" pitchFamily="18" charset="0"/>
+              </a:rPr>
+              <a:t>We would like to increase the yaw and lateral accelerations that the vehicle can perform safely by controlling differing torques out of the two motors. Regulating these accelerations requires a control strategy over the left and right motor torques. Equal-torque control of the electric motors will be used as a baseline</a:t>
+            </a:r>
+            <a:endParaRPr lang="en-US" sz="1800" dirty="0">
+              <a:latin typeface="Times New Roman" panose="02020603050405020304" pitchFamily="18" charset="0"/>
+              <a:cs typeface="Times New Roman" panose="02020603050405020304" pitchFamily="18" charset="0"/>
+            </a:endParaRPr>
+          </a:p>
+        </p:txBody>
+      </p:sp>
+    </p:spTree>
+    <p:extLst>
+      <p:ext uri="{BB962C8B-B14F-4D97-AF65-F5344CB8AC3E}">
+        <p14:creationId xmlns:p14="http://schemas.microsoft.com/office/powerpoint/2010/main" val="738401648"/>
+      </p:ext>
+    </p:extLst>
+  </p:cSld>
+  <p:clrMapOvr>
+    <a:masterClrMapping/>
+  </p:clrMapOvr>
+  <p:transition spd="med"/>
+</p:sld>
+</file>
+
+<file path=ppt/slides/slide22.xml><?xml version="1.0" encoding="utf-8"?>
+<p:sld xmlns:a="http://schemas.openxmlformats.org/drawingml/2006/main" xmlns:r="http://schemas.openxmlformats.org/officeDocument/2006/relationships" xmlns:p="http://schemas.openxmlformats.org/presentationml/2006/main">
+  <p:cSld>
+    <p:spTree>
+      <p:nvGrpSpPr>
+        <p:cNvPr id="1" name=""/>
+        <p:cNvGrpSpPr/>
+        <p:nvPr/>
+      </p:nvGrpSpPr>
+      <p:grpSpPr>
+        <a:xfrm>
+          <a:off x="0" y="0"/>
+          <a:ext cx="0" cy="0"/>
+          <a:chOff x="0" y="0"/>
+          <a:chExt cx="0" cy="0"/>
+        </a:xfrm>
+      </p:grpSpPr>
+      <p:sp>
+        <p:nvSpPr>
+          <p:cNvPr id="2" name="Title 1">
+            <a:extLst>
+              <a:ext uri="{FF2B5EF4-FFF2-40B4-BE49-F238E27FC236}">
+                <a16:creationId xmlns:a16="http://schemas.microsoft.com/office/drawing/2014/main" id="{97ED395C-C68E-50E0-9355-802FBE34CCB7}"/>
+              </a:ext>
+            </a:extLst>
+          </p:cNvPr>
+          <p:cNvSpPr>
+            <a:spLocks noGrp="1"/>
+          </p:cNvSpPr>
+          <p:nvPr>
+            <p:ph type="title"/>
+          </p:nvPr>
+        </p:nvSpPr>
+        <p:spPr/>
+        <p:txBody>
+          <a:bodyPr/>
+          <a:lstStyle/>
+          <a:p>
+            <a:endParaRPr lang="en-US"/>
+          </a:p>
+        </p:txBody>
+      </p:sp>
+      <p:sp>
+        <p:nvSpPr>
+          <p:cNvPr id="3" name="Text Placeholder 2">
+            <a:extLst>
+              <a:ext uri="{FF2B5EF4-FFF2-40B4-BE49-F238E27FC236}">
+                <a16:creationId xmlns:a16="http://schemas.microsoft.com/office/drawing/2014/main" id="{A078DEF7-5495-4B13-0C41-615F7FA90C01}"/>
+              </a:ext>
+            </a:extLst>
+          </p:cNvPr>
+          <p:cNvSpPr>
+            <a:spLocks noGrp="1"/>
+          </p:cNvSpPr>
+          <p:nvPr>
+            <p:ph type="body" idx="1"/>
+          </p:nvPr>
+        </p:nvSpPr>
+        <p:spPr/>
+        <p:txBody>
+          <a:bodyPr/>
+          <a:lstStyle/>
+          <a:p>
+            <a:pPr marL="0" indent="0">
+              <a:buNone/>
+            </a:pPr>
+            <a:r>
+              <a:rPr lang="en-US" sz="1600" b="1" i="0" dirty="0">
+                <a:solidFill>
+                  <a:srgbClr val="333333"/>
+                </a:solidFill>
+                <a:effectLst/>
+                <a:latin typeface="Arial" panose="020B0604020202020204" pitchFamily="34" charset="0"/>
+              </a:rPr>
+              <a:t>Path Planning and Predictive Control of Autonomous Vehicles for Obstacle Avoidance</a:t>
+            </a:r>
+          </a:p>
+          <a:p>
+            <a:pPr marL="0" indent="0">
+              <a:buNone/>
+            </a:pPr>
+            <a:r>
+              <a:rPr lang="en-US" sz="1600" b="0" i="0" u="sng" dirty="0">
+                <a:solidFill>
+                  <a:srgbClr val="006699"/>
+                </a:solidFill>
+                <a:effectLst/>
+                <a:latin typeface="Arial" panose="020B0604020202020204" pitchFamily="34" charset="0"/>
+                <a:hlinkClick r:id="rId2"/>
+              </a:rPr>
+              <a:t>2022 18th IEEE/ASME International Conference on Mechatronic and Embedded Systems and Applications (MESA)</a:t>
+            </a:r>
+            <a:endParaRPr lang="en-US" sz="1600" dirty="0"/>
+          </a:p>
+        </p:txBody>
+      </p:sp>
+    </p:spTree>
+    <p:extLst>
+      <p:ext uri="{BB962C8B-B14F-4D97-AF65-F5344CB8AC3E}">
+        <p14:creationId xmlns:p14="http://schemas.microsoft.com/office/powerpoint/2010/main" val="70020655"/>
+      </p:ext>
+    </p:extLst>
   </p:cSld>
   <p:clrMapOvr>
     <a:masterClrMapping/>
@@ -14533,33 +16870,6 @@
 </file>
 
 <file path=customXml/item1.xml><?xml version="1.0" encoding="utf-8"?>
-<p:properties xmlns:p="http://schemas.microsoft.com/office/2006/metadata/properties" xmlns:xsi="http://www.w3.org/2001/XMLSchema-instance" xmlns:pc="http://schemas.microsoft.com/office/infopath/2007/PartnerControls">
-  <documentManagement>
-    <lcf76f155ced4ddcb4097134ff3c332f xmlns="b23c8a0b-953f-4d8c-a257-ac423643ab08">
-      <Terms xmlns="http://schemas.microsoft.com/office/infopath/2007/PartnerControls"/>
-    </lcf76f155ced4ddcb4097134ff3c332f>
-    <SharedWithUsers xmlns="546d9947-4387-4d11-affd-66848ef54e55">
-      <UserInfo>
-        <DisplayName/>
-        <AccountId xsi:nil="true"/>
-        <AccountType/>
-      </UserInfo>
-    </SharedWithUsers>
-    <TaxCatchAll xmlns="546d9947-4387-4d11-affd-66848ef54e55" xsi:nil="true"/>
-  </documentManagement>
-</p:properties>
-</file>
-
-<file path=customXml/item2.xml><?xml version="1.0" encoding="utf-8"?>
-<?mso-contentType ?>
-<FormTemplates xmlns="http://schemas.microsoft.com/sharepoint/v3/contenttype/forms">
-  <Display>DocumentLibraryForm</Display>
-  <Edit>DocumentLibraryForm</Edit>
-  <New>DocumentLibraryForm</New>
-</FormTemplates>
-</file>
-
-<file path=customXml/item3.xml><?xml version="1.0" encoding="utf-8"?>
 <ct:contentTypeSchema xmlns:ct="http://schemas.microsoft.com/office/2006/metadata/contentType" xmlns:ma="http://schemas.microsoft.com/office/2006/metadata/properties/metaAttributes" ct:_="" ma:_="" ma:contentTypeName="Document" ma:contentTypeID="0x0101008DB69ED157ABE34B9A6B74D5674C4453" ma:contentTypeVersion="16" ma:contentTypeDescription="Create a new document." ma:contentTypeScope="" ma:versionID="34a995a4cc9a69900658010e9ec92a89">
   <xsd:schema xmlns:xsd="http://www.w3.org/2001/XMLSchema" xmlns:xs="http://www.w3.org/2001/XMLSchema" xmlns:p="http://schemas.microsoft.com/office/2006/metadata/properties" xmlns:ns2="b23c8a0b-953f-4d8c-a257-ac423643ab08" xmlns:ns3="546d9947-4387-4d11-affd-66848ef54e55" targetNamespace="http://schemas.microsoft.com/office/2006/metadata/properties" ma:root="true" ma:fieldsID="9aa78c55400d14df0b31f052dfc9ae63" ns2:_="" ns3:_="">
     <xsd:import namespace="b23c8a0b-953f-4d8c-a257-ac423643ab08"/>
@@ -14802,32 +17112,34 @@
 </ct:contentTypeSchema>
 </file>
 
-<file path=customXml/itemProps1.xml><?xml version="1.0" encoding="utf-8"?>
-<ds:datastoreItem xmlns:ds="http://schemas.openxmlformats.org/officeDocument/2006/customXml" ds:itemID="{F50FEDA6-2D0C-41AD-80AE-A326BF3EB01C}">
-  <ds:schemaRefs>
-    <ds:schemaRef ds:uri="http://purl.org/dc/elements/1.1/"/>
-    <ds:schemaRef ds:uri="http://www.w3.org/XML/1998/namespace"/>
-    <ds:schemaRef ds:uri="b23c8a0b-953f-4d8c-a257-ac423643ab08"/>
-    <ds:schemaRef ds:uri="http://schemas.microsoft.com/office/2006/metadata/properties"/>
-    <ds:schemaRef ds:uri="http://purl.org/dc/terms/"/>
-    <ds:schemaRef ds:uri="http://schemas.microsoft.com/office/2006/documentManagement/types"/>
-    <ds:schemaRef ds:uri="http://purl.org/dc/dcmitype/"/>
-    <ds:schemaRef ds:uri="http://schemas.microsoft.com/office/infopath/2007/PartnerControls"/>
-    <ds:schemaRef ds:uri="http://schemas.openxmlformats.org/package/2006/metadata/core-properties"/>
-    <ds:schemaRef ds:uri="546d9947-4387-4d11-affd-66848ef54e55"/>
-  </ds:schemaRefs>
-</ds:datastoreItem>
+<file path=customXml/item2.xml><?xml version="1.0" encoding="utf-8"?>
+<?mso-contentType ?>
+<FormTemplates xmlns="http://schemas.microsoft.com/sharepoint/v3/contenttype/forms">
+  <Display>DocumentLibraryForm</Display>
+  <Edit>DocumentLibraryForm</Edit>
+  <New>DocumentLibraryForm</New>
+</FormTemplates>
 </file>
 
-<file path=customXml/itemProps2.xml><?xml version="1.0" encoding="utf-8"?>
-<ds:datastoreItem xmlns:ds="http://schemas.openxmlformats.org/officeDocument/2006/customXml" ds:itemID="{3140AEF2-C38B-4BDD-ADE4-02196A952CDB}">
-  <ds:schemaRefs>
-    <ds:schemaRef ds:uri="http://schemas.microsoft.com/sharepoint/v3/contenttype/forms"/>
-  </ds:schemaRefs>
-</ds:datastoreItem>
+<file path=customXml/item3.xml><?xml version="1.0" encoding="utf-8"?>
+<p:properties xmlns:p="http://schemas.microsoft.com/office/2006/metadata/properties" xmlns:xsi="http://www.w3.org/2001/XMLSchema-instance" xmlns:pc="http://schemas.microsoft.com/office/infopath/2007/PartnerControls">
+  <documentManagement>
+    <lcf76f155ced4ddcb4097134ff3c332f xmlns="b23c8a0b-953f-4d8c-a257-ac423643ab08">
+      <Terms xmlns="http://schemas.microsoft.com/office/infopath/2007/PartnerControls"/>
+    </lcf76f155ced4ddcb4097134ff3c332f>
+    <SharedWithUsers xmlns="546d9947-4387-4d11-affd-66848ef54e55">
+      <UserInfo>
+        <DisplayName/>
+        <AccountId xsi:nil="true"/>
+        <AccountType/>
+      </UserInfo>
+    </SharedWithUsers>
+    <TaxCatchAll xmlns="546d9947-4387-4d11-affd-66848ef54e55" xsi:nil="true"/>
+  </documentManagement>
+</p:properties>
 </file>
 
-<file path=customXml/itemProps3.xml><?xml version="1.0" encoding="utf-8"?>
+<file path=customXml/itemProps1.xml><?xml version="1.0" encoding="utf-8"?>
 <ds:datastoreItem xmlns:ds="http://schemas.openxmlformats.org/officeDocument/2006/customXml" ds:itemID="{C1A3ED09-C982-4611-A714-E04E8044FA39}">
   <ds:schemaRefs>
     <ds:schemaRef ds:uri="http://schemas.microsoft.com/office/2006/metadata/contentType"/>
@@ -14844,4 +17156,29 @@
     <ds:schemaRef ds:uri="http://schemas.microsoft.com/internal/obd"/>
   </ds:schemaRefs>
 </ds:datastoreItem>
+</file>
+
+<file path=customXml/itemProps2.xml><?xml version="1.0" encoding="utf-8"?>
+<ds:datastoreItem xmlns:ds="http://schemas.openxmlformats.org/officeDocument/2006/customXml" ds:itemID="{3140AEF2-C38B-4BDD-ADE4-02196A952CDB}">
+  <ds:schemaRefs>
+    <ds:schemaRef ds:uri="http://schemas.microsoft.com/sharepoint/v3/contenttype/forms"/>
+  </ds:schemaRefs>
+</ds:datastoreItem>
+</file>
+
+<file path=customXml/itemProps3.xml><?xml version="1.0" encoding="utf-8"?>
+<ds:datastoreItem xmlns:ds="http://schemas.openxmlformats.org/officeDocument/2006/customXml" ds:itemID="{F50FEDA6-2D0C-41AD-80AE-A326BF3EB01C}">
+  <ds:schemaRefs>
+    <ds:schemaRef ds:uri="http://purl.org/dc/elements/1.1/"/>
+    <ds:schemaRef ds:uri="http://www.w3.org/XML/1998/namespace"/>
+    <ds:schemaRef ds:uri="b23c8a0b-953f-4d8c-a257-ac423643ab08"/>
+    <ds:schemaRef ds:uri="http://schemas.microsoft.com/office/2006/metadata/properties"/>
+    <ds:schemaRef ds:uri="http://purl.org/dc/terms/"/>
+    <ds:schemaRef ds:uri="http://schemas.microsoft.com/office/2006/documentManagement/types"/>
+    <ds:schemaRef ds:uri="http://purl.org/dc/dcmitype/"/>
+    <ds:schemaRef ds:uri="http://schemas.microsoft.com/office/infopath/2007/PartnerControls"/>
+    <ds:schemaRef ds:uri="http://schemas.openxmlformats.org/package/2006/metadata/core-properties"/>
+    <ds:schemaRef ds:uri="546d9947-4387-4d11-affd-66848ef54e55"/>
+  </ds:schemaRefs>
+</ds:datastoreItem>
 </file>